--- a/slides/dailyannouncements.pptx
+++ b/slides/dailyannouncements.pptx
@@ -5543,7 +5543,7 @@
         </p:spPr>
         <p:txBody>
           <a:bodyPr>
-            <a:normAutofit fontScale="92500" lnSpcReduction="10000"/>
+            <a:normAutofit fontScale="92500" lnSpcReduction="20000"/>
           </a:bodyPr>
           <a:lstStyle/>
           <a:p>
@@ -5631,6 +5631,12 @@
             <a:r>
               <a:rPr lang="en-US" dirty="0"/>
               <a:t>We have a graduate TA and two other “Head” Tas. Will post to website soon.</a:t>
+            </a:r>
+          </a:p>
+          <a:p>
+            <a:r>
+              <a:rPr lang="en-US" dirty="0"/>
+              <a:t>Today we start module 1 (graphs) and begin discussing BFS</a:t>
             </a:r>
           </a:p>
         </p:txBody>

--- a/slides/dailyannouncements.pptx
+++ b/slides/dailyannouncements.pptx
@@ -5,19 +5,20 @@
     <p:sldMasterId id="2147483752" r:id="rId1"/>
   </p:sldMasterIdLst>
   <p:notesMasterIdLst>
-    <p:notesMasterId r:id="rId4"/>
+    <p:notesMasterId r:id="rId5"/>
   </p:notesMasterIdLst>
   <p:handoutMasterIdLst>
-    <p:handoutMasterId r:id="rId5"/>
+    <p:handoutMasterId r:id="rId6"/>
   </p:handoutMasterIdLst>
   <p:sldIdLst>
     <p:sldId id="447" r:id="rId2"/>
     <p:sldId id="505" r:id="rId3"/>
+    <p:sldId id="506" r:id="rId4"/>
   </p:sldIdLst>
   <p:sldSz cx="12192000" cy="6858000"/>
   <p:notesSz cx="7315200" cy="9601200"/>
   <p:custDataLst>
-    <p:tags r:id="rId6"/>
+    <p:tags r:id="rId7"/>
   </p:custDataLst>
   <p:defaultTextStyle>
     <a:defPPr>
@@ -1105,7 +1106,7 @@
             <a:fld id="{E4886CB5-510A-4EF6-9466-BC7A8F0DDE87}" type="datetime1">
               <a:rPr lang="en-US" smtClean="0"/>
               <a:pPr/>
-              <a:t>8/26/22</a:t>
+              <a:t>8/29/22</a:t>
             </a:fld>
             <a:endParaRPr lang="en-US"/>
           </a:p>
@@ -1442,7 +1443,7 @@
             <a:fld id="{9B297853-24B4-4D05-83E4-0AD2E86C55E5}" type="datetime1">
               <a:rPr lang="en-US" smtClean="0"/>
               <a:pPr/>
-              <a:t>8/26/22</a:t>
+              <a:t>8/29/22</a:t>
             </a:fld>
             <a:endParaRPr lang="en-US"/>
           </a:p>
@@ -1747,7 +1748,7 @@
             <a:fld id="{01FCDD9E-5768-4705-9537-0C020B1BB310}" type="datetime1">
               <a:rPr lang="en-US" smtClean="0"/>
               <a:pPr/>
-              <a:t>8/26/22</a:t>
+              <a:t>8/29/22</a:t>
             </a:fld>
             <a:endParaRPr lang="en-US"/>
           </a:p>
@@ -1997,7 +1998,7 @@
             <a:fld id="{4257C27E-59C2-41CA-9776-94955CBEE440}" type="datetime1">
               <a:rPr lang="en-US" smtClean="0"/>
               <a:pPr/>
-              <a:t>8/26/22</a:t>
+              <a:t>8/29/22</a:t>
             </a:fld>
             <a:endParaRPr lang="en-US"/>
           </a:p>
@@ -2407,7 +2408,7 @@
             <a:fld id="{03180747-A137-49C6-9C74-AB7EE86F4904}" type="datetime1">
               <a:rPr lang="en-US" smtClean="0"/>
               <a:pPr/>
-              <a:t>8/26/22</a:t>
+              <a:t>8/29/22</a:t>
             </a:fld>
             <a:endParaRPr lang="en-US"/>
           </a:p>
@@ -2724,7 +2725,7 @@
             <a:fld id="{EBBA31D9-ADC1-480D-86A8-1EAFB6A86A35}" type="datetime1">
               <a:rPr lang="en-US" smtClean="0"/>
               <a:pPr/>
-              <a:t>8/26/22</a:t>
+              <a:t>8/29/22</a:t>
             </a:fld>
             <a:endParaRPr lang="en-US"/>
           </a:p>
@@ -3271,7 +3272,7 @@
             <a:fld id="{80AAE9AE-3B2F-4DEA-8C41-BDDF4CDF6F40}" type="datetime1">
               <a:rPr lang="en-US" smtClean="0"/>
               <a:pPr/>
-              <a:t>8/26/22</a:t>
+              <a:t>8/29/22</a:t>
             </a:fld>
             <a:endParaRPr lang="en-US"/>
           </a:p>
@@ -3469,7 +3470,7 @@
             <a:fld id="{48252F7F-E8FE-413B-8521-D4ED924C6DE5}" type="datetime1">
               <a:rPr lang="en-US" smtClean="0"/>
               <a:pPr/>
-              <a:t>8/26/22</a:t>
+              <a:t>8/29/22</a:t>
             </a:fld>
             <a:endParaRPr lang="en-US"/>
           </a:p>
@@ -3685,7 +3686,7 @@
             <a:fld id="{2FF1B124-70E3-4E4A-90E2-6B55DB7659B3}" type="datetime1">
               <a:rPr lang="en-US" smtClean="0"/>
               <a:pPr/>
-              <a:t>8/26/22</a:t>
+              <a:t>8/29/22</a:t>
             </a:fld>
             <a:endParaRPr lang="en-US"/>
           </a:p>
@@ -4057,7 +4058,7 @@
             <a:fld id="{4EBF4C98-3CD6-4C87-BD40-5718C2628835}" type="datetime1">
               <a:rPr lang="en-US" smtClean="0"/>
               <a:pPr/>
-              <a:t>8/26/22</a:t>
+              <a:t>8/29/22</a:t>
             </a:fld>
             <a:endParaRPr lang="en-US"/>
           </a:p>
@@ -4463,7 +4464,7 @@
             <a:fld id="{6D6408A8-6B1B-4CDA-875E-7BEECDBA31DF}" type="datetime1">
               <a:rPr lang="en-US" smtClean="0"/>
               <a:pPr/>
-              <a:t>8/26/22</a:t>
+              <a:t>8/29/22</a:t>
             </a:fld>
             <a:endParaRPr lang="en-US"/>
           </a:p>
@@ -4804,7 +4805,7 @@
             <a:fld id="{C55AAF07-D2F5-4B3C-B443-40DE8C337A77}" type="datetime1">
               <a:rPr lang="en-US" smtClean="0"/>
               <a:pPr/>
-              <a:t>8/26/22</a:t>
+              <a:t>8/29/22</a:t>
             </a:fld>
             <a:endParaRPr lang="en-US"/>
           </a:p>
@@ -5678,6 +5679,196 @@
 </p:sld>
 </file>
 
+<file path=ppt/slides/slide3.xml><?xml version="1.0" encoding="utf-8"?>
+<p:sld xmlns:a="http://schemas.openxmlformats.org/drawingml/2006/main" xmlns:r="http://schemas.openxmlformats.org/officeDocument/2006/relationships" xmlns:p="http://schemas.openxmlformats.org/presentationml/2006/main">
+  <p:cSld>
+    <p:spTree>
+      <p:nvGrpSpPr>
+        <p:cNvPr id="1" name=""/>
+        <p:cNvGrpSpPr/>
+        <p:nvPr/>
+      </p:nvGrpSpPr>
+      <p:grpSpPr>
+        <a:xfrm>
+          <a:off x="0" y="0"/>
+          <a:ext cx="0" cy="0"/>
+          <a:chOff x="0" y="0"/>
+          <a:chExt cx="0" cy="0"/>
+        </a:xfrm>
+      </p:grpSpPr>
+      <p:sp>
+        <p:nvSpPr>
+          <p:cNvPr id="6146" name="Rectangle 2"/>
+          <p:cNvSpPr>
+            <a:spLocks noGrp="1" noChangeArrowheads="1"/>
+          </p:cNvSpPr>
+          <p:nvPr>
+            <p:ph type="title"/>
+            <p:custDataLst>
+              <p:tags r:id="rId1"/>
+            </p:custDataLst>
+          </p:nvPr>
+        </p:nvSpPr>
+        <p:spPr>
+          <a:xfrm>
+            <a:off x="2611808" y="533401"/>
+            <a:ext cx="7958331" cy="762000"/>
+          </a:xfrm>
+        </p:spPr>
+        <p:txBody>
+          <a:bodyPr/>
+          <a:lstStyle/>
+          <a:p>
+            <a:r>
+              <a:rPr lang="en-US" dirty="0"/>
+              <a:t>Monday, Aug. 29</a:t>
+            </a:r>
+          </a:p>
+        </p:txBody>
+      </p:sp>
+      <p:sp>
+        <p:nvSpPr>
+          <p:cNvPr id="6147" name="Rectangle 3"/>
+          <p:cNvSpPr>
+            <a:spLocks noGrp="1" noChangeArrowheads="1"/>
+          </p:cNvSpPr>
+          <p:nvPr>
+            <p:ph idx="1"/>
+            <p:custDataLst>
+              <p:tags r:id="rId2"/>
+            </p:custDataLst>
+          </p:nvPr>
+        </p:nvSpPr>
+        <p:spPr>
+          <a:xfrm>
+            <a:off x="1676400" y="1143000"/>
+            <a:ext cx="8991600" cy="5410200"/>
+          </a:xfrm>
+        </p:spPr>
+        <p:txBody>
+          <a:bodyPr>
+            <a:normAutofit lnSpcReduction="10000"/>
+          </a:bodyPr>
+          <a:lstStyle/>
+          <a:p>
+            <a:r>
+              <a:rPr lang="en-US" dirty="0"/>
+              <a:t>Any Questions on the course structure / syllabus?</a:t>
+            </a:r>
+          </a:p>
+          <a:p>
+            <a:pPr lvl="1"/>
+            <a:r>
+              <a:rPr lang="en-US" dirty="0"/>
+              <a:t>We will go over a couple quick last items today (won’t take long)</a:t>
+            </a:r>
+          </a:p>
+          <a:p>
+            <a:r>
+              <a:rPr lang="en-US" dirty="0"/>
+              <a:t>Please join the Discord Server: </a:t>
+            </a:r>
+            <a:r>
+              <a:rPr lang="en-US" dirty="0">
+                <a:hlinkClick r:id="rId4"/>
+              </a:rPr>
+              <a:t>https://discord.gg/x7Vf8sUa</a:t>
+            </a:r>
+            <a:endParaRPr lang="en-US" dirty="0"/>
+          </a:p>
+          <a:p>
+            <a:pPr lvl="1"/>
+            <a:r>
+              <a:rPr lang="en-US" dirty="0"/>
+              <a:t>It is mostly set up now. Expect a few small changes though.</a:t>
+            </a:r>
+          </a:p>
+          <a:p>
+            <a:r>
+              <a:rPr lang="en-US" dirty="0"/>
+              <a:t>Website Updates! </a:t>
+            </a:r>
+          </a:p>
+          <a:p>
+            <a:pPr lvl="1"/>
+            <a:r>
+              <a:rPr lang="en-US" dirty="0"/>
+              <a:t>Office hours finalized on website. Head TA info is on website as well.</a:t>
+            </a:r>
+          </a:p>
+          <a:p>
+            <a:pPr lvl="1"/>
+            <a:r>
+              <a:rPr lang="en-US" dirty="0"/>
+              <a:t>We will have a weekly discussion section with Grad TA on Tuesdays 3-4</a:t>
+            </a:r>
+          </a:p>
+          <a:p>
+            <a:pPr lvl="2"/>
+            <a:r>
+              <a:rPr lang="en-US" dirty="0"/>
+              <a:t>Starts NEXT week. I’ll set up a room and such for that soon.</a:t>
+            </a:r>
+          </a:p>
+          <a:p>
+            <a:r>
+              <a:rPr lang="en-US" dirty="0" err="1"/>
+              <a:t>Gradescope</a:t>
+            </a:r>
+            <a:endParaRPr lang="en-US" dirty="0"/>
+          </a:p>
+          <a:p>
+            <a:pPr lvl="1"/>
+            <a:r>
+              <a:rPr lang="en-US" dirty="0"/>
+              <a:t>Is configured for first 2 modules now. Deadline set to recommended deadline.</a:t>
+            </a:r>
+          </a:p>
+          <a:p>
+            <a:r>
+              <a:rPr lang="en-US" dirty="0"/>
+              <a:t>Today we continue module 1 (graphs) and begin discussing BFS</a:t>
+            </a:r>
+          </a:p>
+        </p:txBody>
+      </p:sp>
+      <p:sp>
+        <p:nvSpPr>
+          <p:cNvPr id="4" name="Slide Number Placeholder 3"/>
+          <p:cNvSpPr>
+            <a:spLocks noGrp="1"/>
+          </p:cNvSpPr>
+          <p:nvPr>
+            <p:ph type="sldNum" sz="quarter" idx="12"/>
+          </p:nvPr>
+        </p:nvSpPr>
+        <p:spPr/>
+        <p:txBody>
+          <a:bodyPr/>
+          <a:lstStyle/>
+          <a:p>
+            <a:fld id="{F26D9103-0C5C-48AC-B68E-3ED2C1647047}" type="slidenum">
+              <a:rPr lang="en-US" smtClean="0"/>
+              <a:pPr/>
+              <a:t>3</a:t>
+            </a:fld>
+            <a:endParaRPr lang="en-US" dirty="0"/>
+          </a:p>
+        </p:txBody>
+      </p:sp>
+    </p:spTree>
+    <p:extLst>
+      <p:ext uri="{BB962C8B-B14F-4D97-AF65-F5344CB8AC3E}">
+        <p14:creationId xmlns:p14="http://schemas.microsoft.com/office/powerpoint/2010/main" val="4150809055"/>
+      </p:ext>
+    </p:extLst>
+  </p:cSld>
+  <p:clrMapOvr>
+    <a:masterClrMapping/>
+  </p:clrMapOvr>
+</p:sld>
+</file>
+
 <file path=ppt/tags/tag1.xml><?xml version="1.0" encoding="utf-8"?>
 <p:tagLst xmlns:a="http://schemas.openxmlformats.org/drawingml/2006/main" xmlns:r="http://schemas.openxmlformats.org/officeDocument/2006/relationships" xmlns:p="http://schemas.openxmlformats.org/presentationml/2006/main">
   <p:tag name="_INSTRUCTOR VIEW19C14C36-AC8E-43BC-9DB6-C2AAF774C7DC|PANE__TAG" val="_"/>
@@ -5691,6 +5882,18 @@
 </file>
 
 <file path=ppt/tags/tag3.xml><?xml version="1.0" encoding="utf-8"?>
+<p:tagLst xmlns:a="http://schemas.openxmlformats.org/drawingml/2006/main" xmlns:r="http://schemas.openxmlformats.org/officeDocument/2006/relationships" xmlns:p="http://schemas.openxmlformats.org/presentationml/2006/main">
+  <p:tag name="_INSTRUCTOR VIEW19C14C36-AC8E-43BC-9DB6-C2AAF774C7DC|PANE__TAG" val="_"/>
+</p:tagLst>
+</file>
+
+<file path=ppt/tags/tag4.xml><?xml version="1.0" encoding="utf-8"?>
+<p:tagLst xmlns:a="http://schemas.openxmlformats.org/drawingml/2006/main" xmlns:r="http://schemas.openxmlformats.org/officeDocument/2006/relationships" xmlns:p="http://schemas.openxmlformats.org/presentationml/2006/main">
+  <p:tag name="_INSTRUCTOR VIEW19C14C36-AC8E-43BC-9DB6-C2AAF774C7DC|PANE__TAG" val="_"/>
+</p:tagLst>
+</file>
+
+<file path=ppt/tags/tag5.xml><?xml version="1.0" encoding="utf-8"?>
 <p:tagLst xmlns:a="http://schemas.openxmlformats.org/drawingml/2006/main" xmlns:r="http://schemas.openxmlformats.org/officeDocument/2006/relationships" xmlns:p="http://schemas.openxmlformats.org/presentationml/2006/main">
   <p:tag name="_INSTRUCTOR VIEW19C14C36-AC8E-43BC-9DB6-C2AAF774C7DC|PANE__TAG" val="_"/>
 </p:tagLst>

--- a/slides/dailyannouncements.pptx
+++ b/slides/dailyannouncements.pptx
@@ -5,20 +5,21 @@
     <p:sldMasterId id="2147483752" r:id="rId1"/>
   </p:sldMasterIdLst>
   <p:notesMasterIdLst>
-    <p:notesMasterId r:id="rId5"/>
+    <p:notesMasterId r:id="rId6"/>
   </p:notesMasterIdLst>
   <p:handoutMasterIdLst>
-    <p:handoutMasterId r:id="rId6"/>
+    <p:handoutMasterId r:id="rId7"/>
   </p:handoutMasterIdLst>
   <p:sldIdLst>
     <p:sldId id="447" r:id="rId2"/>
     <p:sldId id="505" r:id="rId3"/>
     <p:sldId id="506" r:id="rId4"/>
+    <p:sldId id="507" r:id="rId5"/>
   </p:sldIdLst>
   <p:sldSz cx="12192000" cy="6858000"/>
   <p:notesSz cx="7315200" cy="9601200"/>
   <p:custDataLst>
-    <p:tags r:id="rId7"/>
+    <p:tags r:id="rId8"/>
   </p:custDataLst>
   <p:defaultTextStyle>
     <a:defPPr>
@@ -1106,7 +1107,7 @@
             <a:fld id="{E4886CB5-510A-4EF6-9466-BC7A8F0DDE87}" type="datetime1">
               <a:rPr lang="en-US" smtClean="0"/>
               <a:pPr/>
-              <a:t>8/29/22</a:t>
+              <a:t>8/31/22</a:t>
             </a:fld>
             <a:endParaRPr lang="en-US"/>
           </a:p>
@@ -1443,7 +1444,7 @@
             <a:fld id="{9B297853-24B4-4D05-83E4-0AD2E86C55E5}" type="datetime1">
               <a:rPr lang="en-US" smtClean="0"/>
               <a:pPr/>
-              <a:t>8/29/22</a:t>
+              <a:t>8/31/22</a:t>
             </a:fld>
             <a:endParaRPr lang="en-US"/>
           </a:p>
@@ -1748,7 +1749,7 @@
             <a:fld id="{01FCDD9E-5768-4705-9537-0C020B1BB310}" type="datetime1">
               <a:rPr lang="en-US" smtClean="0"/>
               <a:pPr/>
-              <a:t>8/29/22</a:t>
+              <a:t>8/31/22</a:t>
             </a:fld>
             <a:endParaRPr lang="en-US"/>
           </a:p>
@@ -1998,7 +1999,7 @@
             <a:fld id="{4257C27E-59C2-41CA-9776-94955CBEE440}" type="datetime1">
               <a:rPr lang="en-US" smtClean="0"/>
               <a:pPr/>
-              <a:t>8/29/22</a:t>
+              <a:t>8/31/22</a:t>
             </a:fld>
             <a:endParaRPr lang="en-US"/>
           </a:p>
@@ -2408,7 +2409,7 @@
             <a:fld id="{03180747-A137-49C6-9C74-AB7EE86F4904}" type="datetime1">
               <a:rPr lang="en-US" smtClean="0"/>
               <a:pPr/>
-              <a:t>8/29/22</a:t>
+              <a:t>8/31/22</a:t>
             </a:fld>
             <a:endParaRPr lang="en-US"/>
           </a:p>
@@ -2725,7 +2726,7 @@
             <a:fld id="{EBBA31D9-ADC1-480D-86A8-1EAFB6A86A35}" type="datetime1">
               <a:rPr lang="en-US" smtClean="0"/>
               <a:pPr/>
-              <a:t>8/29/22</a:t>
+              <a:t>8/31/22</a:t>
             </a:fld>
             <a:endParaRPr lang="en-US"/>
           </a:p>
@@ -3272,7 +3273,7 @@
             <a:fld id="{80AAE9AE-3B2F-4DEA-8C41-BDDF4CDF6F40}" type="datetime1">
               <a:rPr lang="en-US" smtClean="0"/>
               <a:pPr/>
-              <a:t>8/29/22</a:t>
+              <a:t>8/31/22</a:t>
             </a:fld>
             <a:endParaRPr lang="en-US"/>
           </a:p>
@@ -3470,7 +3471,7 @@
             <a:fld id="{48252F7F-E8FE-413B-8521-D4ED924C6DE5}" type="datetime1">
               <a:rPr lang="en-US" smtClean="0"/>
               <a:pPr/>
-              <a:t>8/29/22</a:t>
+              <a:t>8/31/22</a:t>
             </a:fld>
             <a:endParaRPr lang="en-US"/>
           </a:p>
@@ -3686,7 +3687,7 @@
             <a:fld id="{2FF1B124-70E3-4E4A-90E2-6B55DB7659B3}" type="datetime1">
               <a:rPr lang="en-US" smtClean="0"/>
               <a:pPr/>
-              <a:t>8/29/22</a:t>
+              <a:t>8/31/22</a:t>
             </a:fld>
             <a:endParaRPr lang="en-US"/>
           </a:p>
@@ -4058,7 +4059,7 @@
             <a:fld id="{4EBF4C98-3CD6-4C87-BD40-5718C2628835}" type="datetime1">
               <a:rPr lang="en-US" smtClean="0"/>
               <a:pPr/>
-              <a:t>8/29/22</a:t>
+              <a:t>8/31/22</a:t>
             </a:fld>
             <a:endParaRPr lang="en-US"/>
           </a:p>
@@ -4464,7 +4465,7 @@
             <a:fld id="{6D6408A8-6B1B-4CDA-875E-7BEECDBA31DF}" type="datetime1">
               <a:rPr lang="en-US" smtClean="0"/>
               <a:pPr/>
-              <a:t>8/29/22</a:t>
+              <a:t>8/31/22</a:t>
             </a:fld>
             <a:endParaRPr lang="en-US"/>
           </a:p>
@@ -4805,7 +4806,7 @@
             <a:fld id="{C55AAF07-D2F5-4B3C-B443-40DE8C337A77}" type="datetime1">
               <a:rPr lang="en-US" smtClean="0"/>
               <a:pPr/>
-              <a:t>8/29/22</a:t>
+              <a:t>8/31/22</a:t>
             </a:fld>
             <a:endParaRPr lang="en-US"/>
           </a:p>
@@ -5869,6 +5870,195 @@
 </p:sld>
 </file>
 
+<file path=ppt/slides/slide4.xml><?xml version="1.0" encoding="utf-8"?>
+<p:sld xmlns:a="http://schemas.openxmlformats.org/drawingml/2006/main" xmlns:r="http://schemas.openxmlformats.org/officeDocument/2006/relationships" xmlns:p="http://schemas.openxmlformats.org/presentationml/2006/main">
+  <p:cSld>
+    <p:spTree>
+      <p:nvGrpSpPr>
+        <p:cNvPr id="1" name=""/>
+        <p:cNvGrpSpPr/>
+        <p:nvPr/>
+      </p:nvGrpSpPr>
+      <p:grpSpPr>
+        <a:xfrm>
+          <a:off x="0" y="0"/>
+          <a:ext cx="0" cy="0"/>
+          <a:chOff x="0" y="0"/>
+          <a:chExt cx="0" cy="0"/>
+        </a:xfrm>
+      </p:grpSpPr>
+      <p:sp>
+        <p:nvSpPr>
+          <p:cNvPr id="6146" name="Rectangle 2"/>
+          <p:cNvSpPr>
+            <a:spLocks noGrp="1" noChangeArrowheads="1"/>
+          </p:cNvSpPr>
+          <p:nvPr>
+            <p:ph type="title"/>
+            <p:custDataLst>
+              <p:tags r:id="rId1"/>
+            </p:custDataLst>
+          </p:nvPr>
+        </p:nvSpPr>
+        <p:spPr>
+          <a:xfrm>
+            <a:off x="2611808" y="533401"/>
+            <a:ext cx="7958331" cy="762000"/>
+          </a:xfrm>
+        </p:spPr>
+        <p:txBody>
+          <a:bodyPr/>
+          <a:lstStyle/>
+          <a:p>
+            <a:r>
+              <a:rPr lang="en-US" dirty="0"/>
+              <a:t>Wednesday, Aug. 31</a:t>
+            </a:r>
+          </a:p>
+        </p:txBody>
+      </p:sp>
+      <p:sp>
+        <p:nvSpPr>
+          <p:cNvPr id="6147" name="Rectangle 3"/>
+          <p:cNvSpPr>
+            <a:spLocks noGrp="1" noChangeArrowheads="1"/>
+          </p:cNvSpPr>
+          <p:nvPr>
+            <p:ph idx="1"/>
+            <p:custDataLst>
+              <p:tags r:id="rId2"/>
+            </p:custDataLst>
+          </p:nvPr>
+        </p:nvSpPr>
+        <p:spPr>
+          <a:xfrm>
+            <a:off x="1676400" y="1143000"/>
+            <a:ext cx="8991600" cy="5410200"/>
+          </a:xfrm>
+        </p:spPr>
+        <p:txBody>
+          <a:bodyPr>
+            <a:normAutofit fontScale="92500" lnSpcReduction="10000"/>
+          </a:bodyPr>
+          <a:lstStyle/>
+          <a:p>
+            <a:r>
+              <a:rPr lang="en-US" dirty="0"/>
+              <a:t>Please join the Discord Server: </a:t>
+            </a:r>
+            <a:r>
+              <a:rPr lang="en-US" dirty="0">
+                <a:hlinkClick r:id="rId4"/>
+              </a:rPr>
+              <a:t>https://discord.gg/x7Vf8sUa</a:t>
+            </a:r>
+            <a:endParaRPr lang="en-US" dirty="0"/>
+          </a:p>
+          <a:p>
+            <a:pPr lvl="1"/>
+            <a:r>
+              <a:rPr lang="en-US" dirty="0"/>
+              <a:t>It is mostly set up now. Expect a few small changes though.</a:t>
+            </a:r>
+          </a:p>
+          <a:p>
+            <a:r>
+              <a:rPr lang="en-US" dirty="0"/>
+              <a:t>Website Updates! </a:t>
+            </a:r>
+          </a:p>
+          <a:p>
+            <a:pPr lvl="1"/>
+            <a:r>
+              <a:rPr lang="en-US" dirty="0"/>
+              <a:t>Office hours updated again. Have those been going ok so far?</a:t>
+            </a:r>
+          </a:p>
+          <a:p>
+            <a:pPr lvl="1"/>
+            <a:r>
+              <a:rPr lang="en-US" dirty="0"/>
+              <a:t>We will have a weekly discussion section with Grad TA on Tuesdays 3-4</a:t>
+            </a:r>
+          </a:p>
+          <a:p>
+            <a:pPr lvl="2"/>
+            <a:r>
+              <a:rPr lang="en-US" dirty="0"/>
+              <a:t>Starts NEXT week. See website for room and such.</a:t>
+            </a:r>
+          </a:p>
+          <a:p>
+            <a:r>
+              <a:rPr lang="en-US" dirty="0" err="1"/>
+              <a:t>Gradescope</a:t>
+            </a:r>
+            <a:endParaRPr lang="en-US" dirty="0"/>
+          </a:p>
+          <a:p>
+            <a:pPr lvl="1"/>
+            <a:r>
+              <a:rPr lang="en-US" dirty="0"/>
+              <a:t>Is configured for first 3 modules now. Deadline set to recommended deadline.</a:t>
+            </a:r>
+          </a:p>
+          <a:p>
+            <a:r>
+              <a:rPr lang="en-US" dirty="0"/>
+              <a:t>I’ll let you know when you are “ready” to start each homework. Should be able to get started after today’s lecture (I think)</a:t>
+            </a:r>
+          </a:p>
+          <a:p>
+            <a:r>
+              <a:rPr lang="en-US" dirty="0"/>
+              <a:t>I’m working on figuring out the Final Exam date / details.</a:t>
+            </a:r>
+          </a:p>
+          <a:p>
+            <a:r>
+              <a:rPr lang="en-US" dirty="0"/>
+              <a:t>Today we continue module 1 (graphs), finish BFS, start DFS</a:t>
+            </a:r>
+          </a:p>
+        </p:txBody>
+      </p:sp>
+      <p:sp>
+        <p:nvSpPr>
+          <p:cNvPr id="4" name="Slide Number Placeholder 3"/>
+          <p:cNvSpPr>
+            <a:spLocks noGrp="1"/>
+          </p:cNvSpPr>
+          <p:nvPr>
+            <p:ph type="sldNum" sz="quarter" idx="12"/>
+          </p:nvPr>
+        </p:nvSpPr>
+        <p:spPr/>
+        <p:txBody>
+          <a:bodyPr/>
+          <a:lstStyle/>
+          <a:p>
+            <a:fld id="{F26D9103-0C5C-48AC-B68E-3ED2C1647047}" type="slidenum">
+              <a:rPr lang="en-US" smtClean="0"/>
+              <a:pPr/>
+              <a:t>4</a:t>
+            </a:fld>
+            <a:endParaRPr lang="en-US" dirty="0"/>
+          </a:p>
+        </p:txBody>
+      </p:sp>
+    </p:spTree>
+    <p:extLst>
+      <p:ext uri="{BB962C8B-B14F-4D97-AF65-F5344CB8AC3E}">
+        <p14:creationId xmlns:p14="http://schemas.microsoft.com/office/powerpoint/2010/main" val="1746495481"/>
+      </p:ext>
+    </p:extLst>
+  </p:cSld>
+  <p:clrMapOvr>
+    <a:masterClrMapping/>
+  </p:clrMapOvr>
+</p:sld>
+</file>
+
 <file path=ppt/tags/tag1.xml><?xml version="1.0" encoding="utf-8"?>
 <p:tagLst xmlns:a="http://schemas.openxmlformats.org/drawingml/2006/main" xmlns:r="http://schemas.openxmlformats.org/officeDocument/2006/relationships" xmlns:p="http://schemas.openxmlformats.org/presentationml/2006/main">
   <p:tag name="_INSTRUCTOR VIEW19C14C36-AC8E-43BC-9DB6-C2AAF774C7DC|PANE__TAG" val="_"/>
@@ -5894,6 +6084,18 @@
 </file>
 
 <file path=ppt/tags/tag5.xml><?xml version="1.0" encoding="utf-8"?>
+<p:tagLst xmlns:a="http://schemas.openxmlformats.org/drawingml/2006/main" xmlns:r="http://schemas.openxmlformats.org/officeDocument/2006/relationships" xmlns:p="http://schemas.openxmlformats.org/presentationml/2006/main">
+  <p:tag name="_INSTRUCTOR VIEW19C14C36-AC8E-43BC-9DB6-C2AAF774C7DC|PANE__TAG" val="_"/>
+</p:tagLst>
+</file>
+
+<file path=ppt/tags/tag6.xml><?xml version="1.0" encoding="utf-8"?>
+<p:tagLst xmlns:a="http://schemas.openxmlformats.org/drawingml/2006/main" xmlns:r="http://schemas.openxmlformats.org/officeDocument/2006/relationships" xmlns:p="http://schemas.openxmlformats.org/presentationml/2006/main">
+  <p:tag name="_INSTRUCTOR VIEW19C14C36-AC8E-43BC-9DB6-C2AAF774C7DC|PANE__TAG" val="_"/>
+</p:tagLst>
+</file>
+
+<file path=ppt/tags/tag7.xml><?xml version="1.0" encoding="utf-8"?>
 <p:tagLst xmlns:a="http://schemas.openxmlformats.org/drawingml/2006/main" xmlns:r="http://schemas.openxmlformats.org/officeDocument/2006/relationships" xmlns:p="http://schemas.openxmlformats.org/presentationml/2006/main">
   <p:tag name="_INSTRUCTOR VIEW19C14C36-AC8E-43BC-9DB6-C2AAF774C7DC|PANE__TAG" val="_"/>
 </p:tagLst>

--- a/slides/dailyannouncements.pptx
+++ b/slides/dailyannouncements.pptx
@@ -5,21 +5,22 @@
     <p:sldMasterId id="2147483752" r:id="rId1"/>
   </p:sldMasterIdLst>
   <p:notesMasterIdLst>
-    <p:notesMasterId r:id="rId6"/>
+    <p:notesMasterId r:id="rId7"/>
   </p:notesMasterIdLst>
   <p:handoutMasterIdLst>
-    <p:handoutMasterId r:id="rId7"/>
+    <p:handoutMasterId r:id="rId8"/>
   </p:handoutMasterIdLst>
   <p:sldIdLst>
     <p:sldId id="447" r:id="rId2"/>
     <p:sldId id="505" r:id="rId3"/>
     <p:sldId id="506" r:id="rId4"/>
     <p:sldId id="507" r:id="rId5"/>
+    <p:sldId id="508" r:id="rId6"/>
   </p:sldIdLst>
   <p:sldSz cx="12192000" cy="6858000"/>
   <p:notesSz cx="7315200" cy="9601200"/>
   <p:custDataLst>
-    <p:tags r:id="rId8"/>
+    <p:tags r:id="rId9"/>
   </p:custDataLst>
   <p:defaultTextStyle>
     <a:defPPr>
@@ -1107,7 +1108,7 @@
             <a:fld id="{E4886CB5-510A-4EF6-9466-BC7A8F0DDE87}" type="datetime1">
               <a:rPr lang="en-US" smtClean="0"/>
               <a:pPr/>
-              <a:t>8/31/22</a:t>
+              <a:t>9/2/22</a:t>
             </a:fld>
             <a:endParaRPr lang="en-US"/>
           </a:p>
@@ -1444,7 +1445,7 @@
             <a:fld id="{9B297853-24B4-4D05-83E4-0AD2E86C55E5}" type="datetime1">
               <a:rPr lang="en-US" smtClean="0"/>
               <a:pPr/>
-              <a:t>8/31/22</a:t>
+              <a:t>9/2/22</a:t>
             </a:fld>
             <a:endParaRPr lang="en-US"/>
           </a:p>
@@ -1749,7 +1750,7 @@
             <a:fld id="{01FCDD9E-5768-4705-9537-0C020B1BB310}" type="datetime1">
               <a:rPr lang="en-US" smtClean="0"/>
               <a:pPr/>
-              <a:t>8/31/22</a:t>
+              <a:t>9/2/22</a:t>
             </a:fld>
             <a:endParaRPr lang="en-US"/>
           </a:p>
@@ -1999,7 +2000,7 @@
             <a:fld id="{4257C27E-59C2-41CA-9776-94955CBEE440}" type="datetime1">
               <a:rPr lang="en-US" smtClean="0"/>
               <a:pPr/>
-              <a:t>8/31/22</a:t>
+              <a:t>9/2/22</a:t>
             </a:fld>
             <a:endParaRPr lang="en-US"/>
           </a:p>
@@ -2409,7 +2410,7 @@
             <a:fld id="{03180747-A137-49C6-9C74-AB7EE86F4904}" type="datetime1">
               <a:rPr lang="en-US" smtClean="0"/>
               <a:pPr/>
-              <a:t>8/31/22</a:t>
+              <a:t>9/2/22</a:t>
             </a:fld>
             <a:endParaRPr lang="en-US"/>
           </a:p>
@@ -2726,7 +2727,7 @@
             <a:fld id="{EBBA31D9-ADC1-480D-86A8-1EAFB6A86A35}" type="datetime1">
               <a:rPr lang="en-US" smtClean="0"/>
               <a:pPr/>
-              <a:t>8/31/22</a:t>
+              <a:t>9/2/22</a:t>
             </a:fld>
             <a:endParaRPr lang="en-US"/>
           </a:p>
@@ -3273,7 +3274,7 @@
             <a:fld id="{80AAE9AE-3B2F-4DEA-8C41-BDDF4CDF6F40}" type="datetime1">
               <a:rPr lang="en-US" smtClean="0"/>
               <a:pPr/>
-              <a:t>8/31/22</a:t>
+              <a:t>9/2/22</a:t>
             </a:fld>
             <a:endParaRPr lang="en-US"/>
           </a:p>
@@ -3471,7 +3472,7 @@
             <a:fld id="{48252F7F-E8FE-413B-8521-D4ED924C6DE5}" type="datetime1">
               <a:rPr lang="en-US" smtClean="0"/>
               <a:pPr/>
-              <a:t>8/31/22</a:t>
+              <a:t>9/2/22</a:t>
             </a:fld>
             <a:endParaRPr lang="en-US"/>
           </a:p>
@@ -3687,7 +3688,7 @@
             <a:fld id="{2FF1B124-70E3-4E4A-90E2-6B55DB7659B3}" type="datetime1">
               <a:rPr lang="en-US" smtClean="0"/>
               <a:pPr/>
-              <a:t>8/31/22</a:t>
+              <a:t>9/2/22</a:t>
             </a:fld>
             <a:endParaRPr lang="en-US"/>
           </a:p>
@@ -4059,7 +4060,7 @@
             <a:fld id="{4EBF4C98-3CD6-4C87-BD40-5718C2628835}" type="datetime1">
               <a:rPr lang="en-US" smtClean="0"/>
               <a:pPr/>
-              <a:t>8/31/22</a:t>
+              <a:t>9/2/22</a:t>
             </a:fld>
             <a:endParaRPr lang="en-US"/>
           </a:p>
@@ -4465,7 +4466,7 @@
             <a:fld id="{6D6408A8-6B1B-4CDA-875E-7BEECDBA31DF}" type="datetime1">
               <a:rPr lang="en-US" smtClean="0"/>
               <a:pPr/>
-              <a:t>8/31/22</a:t>
+              <a:t>9/2/22</a:t>
             </a:fld>
             <a:endParaRPr lang="en-US"/>
           </a:p>
@@ -4806,7 +4807,7 @@
             <a:fld id="{C55AAF07-D2F5-4B3C-B443-40DE8C337A77}" type="datetime1">
               <a:rPr lang="en-US" smtClean="0"/>
               <a:pPr/>
-              <a:t>8/31/22</a:t>
+              <a:t>9/2/22</a:t>
             </a:fld>
             <a:endParaRPr lang="en-US"/>
           </a:p>
@@ -6059,6 +6060,196 @@
 </p:sld>
 </file>
 
+<file path=ppt/slides/slide5.xml><?xml version="1.0" encoding="utf-8"?>
+<p:sld xmlns:a="http://schemas.openxmlformats.org/drawingml/2006/main" xmlns:r="http://schemas.openxmlformats.org/officeDocument/2006/relationships" xmlns:p="http://schemas.openxmlformats.org/presentationml/2006/main">
+  <p:cSld>
+    <p:spTree>
+      <p:nvGrpSpPr>
+        <p:cNvPr id="1" name=""/>
+        <p:cNvGrpSpPr/>
+        <p:nvPr/>
+      </p:nvGrpSpPr>
+      <p:grpSpPr>
+        <a:xfrm>
+          <a:off x="0" y="0"/>
+          <a:ext cx="0" cy="0"/>
+          <a:chOff x="0" y="0"/>
+          <a:chExt cx="0" cy="0"/>
+        </a:xfrm>
+      </p:grpSpPr>
+      <p:sp>
+        <p:nvSpPr>
+          <p:cNvPr id="6146" name="Rectangle 2"/>
+          <p:cNvSpPr>
+            <a:spLocks noGrp="1" noChangeArrowheads="1"/>
+          </p:cNvSpPr>
+          <p:nvPr>
+            <p:ph type="title"/>
+            <p:custDataLst>
+              <p:tags r:id="rId1"/>
+            </p:custDataLst>
+          </p:nvPr>
+        </p:nvSpPr>
+        <p:spPr>
+          <a:xfrm>
+            <a:off x="2611808" y="533401"/>
+            <a:ext cx="7958331" cy="762000"/>
+          </a:xfrm>
+        </p:spPr>
+        <p:txBody>
+          <a:bodyPr/>
+          <a:lstStyle/>
+          <a:p>
+            <a:r>
+              <a:rPr lang="en-US" dirty="0"/>
+              <a:t>Friday, Sep. 2</a:t>
+            </a:r>
+          </a:p>
+        </p:txBody>
+      </p:sp>
+      <p:sp>
+        <p:nvSpPr>
+          <p:cNvPr id="6147" name="Rectangle 3"/>
+          <p:cNvSpPr>
+            <a:spLocks noGrp="1" noChangeArrowheads="1"/>
+          </p:cNvSpPr>
+          <p:nvPr>
+            <p:ph idx="1"/>
+            <p:custDataLst>
+              <p:tags r:id="rId2"/>
+            </p:custDataLst>
+          </p:nvPr>
+        </p:nvSpPr>
+        <p:spPr>
+          <a:xfrm>
+            <a:off x="1676400" y="1143000"/>
+            <a:ext cx="8991600" cy="5410200"/>
+          </a:xfrm>
+        </p:spPr>
+        <p:txBody>
+          <a:bodyPr>
+            <a:normAutofit lnSpcReduction="10000"/>
+          </a:bodyPr>
+          <a:lstStyle/>
+          <a:p>
+            <a:r>
+              <a:rPr lang="en-US" dirty="0"/>
+              <a:t>Please join the Discord Server: </a:t>
+            </a:r>
+            <a:r>
+              <a:rPr lang="en-US" dirty="0">
+                <a:hlinkClick r:id="rId4"/>
+              </a:rPr>
+              <a:t>https://discord.gg/x7Vf8sUa</a:t>
+            </a:r>
+            <a:endParaRPr lang="en-US" dirty="0"/>
+          </a:p>
+          <a:p>
+            <a:pPr lvl="1"/>
+            <a:r>
+              <a:rPr lang="en-US" dirty="0"/>
+              <a:t>It is mostly set up now. Expect a few small changes though.</a:t>
+            </a:r>
+          </a:p>
+          <a:p>
+            <a:r>
+              <a:rPr lang="en-US" dirty="0"/>
+              <a:t>Website Updates! </a:t>
+            </a:r>
+          </a:p>
+          <a:p>
+            <a:pPr lvl="1"/>
+            <a:r>
+              <a:rPr lang="en-US" dirty="0"/>
+              <a:t>More </a:t>
+            </a:r>
+            <a:r>
+              <a:rPr lang="en-US" dirty="0" err="1"/>
+              <a:t>homeworks</a:t>
+            </a:r>
+            <a:r>
+              <a:rPr lang="en-US" dirty="0"/>
+              <a:t> posted (finalized through module 5).</a:t>
+            </a:r>
+          </a:p>
+          <a:p>
+            <a:pPr lvl="1"/>
+            <a:r>
+              <a:rPr lang="en-US" dirty="0"/>
+              <a:t>Minor schedule changes / updates</a:t>
+            </a:r>
+          </a:p>
+          <a:p>
+            <a:r>
+              <a:rPr lang="en-US" dirty="0" err="1"/>
+              <a:t>Gradescope</a:t>
+            </a:r>
+            <a:endParaRPr lang="en-US" dirty="0"/>
+          </a:p>
+          <a:p>
+            <a:pPr lvl="1"/>
+            <a:r>
+              <a:rPr lang="en-US" dirty="0"/>
+              <a:t>Is configured for first 5 modules now. Deadline set to recommended deadline.</a:t>
+            </a:r>
+          </a:p>
+          <a:p>
+            <a:r>
+              <a:rPr lang="en-US" dirty="0"/>
+              <a:t>You can now start the “board games” homework assignment</a:t>
+            </a:r>
+          </a:p>
+          <a:p>
+            <a:r>
+              <a:rPr lang="en-US" dirty="0"/>
+              <a:t>After today, you’ll PROBABLY be able to start the “tasks” homework as well</a:t>
+            </a:r>
+          </a:p>
+          <a:p>
+            <a:r>
+              <a:rPr lang="en-US" dirty="0"/>
+              <a:t>Today we continue module 1 (graphs), finish DFS, and probably do Topological sort as well.</a:t>
+            </a:r>
+          </a:p>
+        </p:txBody>
+      </p:sp>
+      <p:sp>
+        <p:nvSpPr>
+          <p:cNvPr id="4" name="Slide Number Placeholder 3"/>
+          <p:cNvSpPr>
+            <a:spLocks noGrp="1"/>
+          </p:cNvSpPr>
+          <p:nvPr>
+            <p:ph type="sldNum" sz="quarter" idx="12"/>
+          </p:nvPr>
+        </p:nvSpPr>
+        <p:spPr/>
+        <p:txBody>
+          <a:bodyPr/>
+          <a:lstStyle/>
+          <a:p>
+            <a:fld id="{F26D9103-0C5C-48AC-B68E-3ED2C1647047}" type="slidenum">
+              <a:rPr lang="en-US" smtClean="0"/>
+              <a:pPr/>
+              <a:t>5</a:t>
+            </a:fld>
+            <a:endParaRPr lang="en-US" dirty="0"/>
+          </a:p>
+        </p:txBody>
+      </p:sp>
+    </p:spTree>
+    <p:extLst>
+      <p:ext uri="{BB962C8B-B14F-4D97-AF65-F5344CB8AC3E}">
+        <p14:creationId xmlns:p14="http://schemas.microsoft.com/office/powerpoint/2010/main" val="603034881"/>
+      </p:ext>
+    </p:extLst>
+  </p:cSld>
+  <p:clrMapOvr>
+    <a:masterClrMapping/>
+  </p:clrMapOvr>
+</p:sld>
+</file>
+
 <file path=ppt/tags/tag1.xml><?xml version="1.0" encoding="utf-8"?>
 <p:tagLst xmlns:a="http://schemas.openxmlformats.org/drawingml/2006/main" xmlns:r="http://schemas.openxmlformats.org/officeDocument/2006/relationships" xmlns:p="http://schemas.openxmlformats.org/presentationml/2006/main">
   <p:tag name="_INSTRUCTOR VIEW19C14C36-AC8E-43BC-9DB6-C2AAF774C7DC|PANE__TAG" val="_"/>
@@ -6096,6 +6287,18 @@
 </file>
 
 <file path=ppt/tags/tag7.xml><?xml version="1.0" encoding="utf-8"?>
+<p:tagLst xmlns:a="http://schemas.openxmlformats.org/drawingml/2006/main" xmlns:r="http://schemas.openxmlformats.org/officeDocument/2006/relationships" xmlns:p="http://schemas.openxmlformats.org/presentationml/2006/main">
+  <p:tag name="_INSTRUCTOR VIEW19C14C36-AC8E-43BC-9DB6-C2AAF774C7DC|PANE__TAG" val="_"/>
+</p:tagLst>
+</file>
+
+<file path=ppt/tags/tag8.xml><?xml version="1.0" encoding="utf-8"?>
+<p:tagLst xmlns:a="http://schemas.openxmlformats.org/drawingml/2006/main" xmlns:r="http://schemas.openxmlformats.org/officeDocument/2006/relationships" xmlns:p="http://schemas.openxmlformats.org/presentationml/2006/main">
+  <p:tag name="_INSTRUCTOR VIEW19C14C36-AC8E-43BC-9DB6-C2AAF774C7DC|PANE__TAG" val="_"/>
+</p:tagLst>
+</file>
+
+<file path=ppt/tags/tag9.xml><?xml version="1.0" encoding="utf-8"?>
 <p:tagLst xmlns:a="http://schemas.openxmlformats.org/drawingml/2006/main" xmlns:r="http://schemas.openxmlformats.org/officeDocument/2006/relationships" xmlns:p="http://schemas.openxmlformats.org/presentationml/2006/main">
   <p:tag name="_INSTRUCTOR VIEW19C14C36-AC8E-43BC-9DB6-C2AAF774C7DC|PANE__TAG" val="_"/>
 </p:tagLst>

--- a/slides/dailyannouncements.pptx
+++ b/slides/dailyannouncements.pptx
@@ -5,10 +5,10 @@
     <p:sldMasterId id="2147483752" r:id="rId1"/>
   </p:sldMasterIdLst>
   <p:notesMasterIdLst>
-    <p:notesMasterId r:id="rId7"/>
+    <p:notesMasterId r:id="rId8"/>
   </p:notesMasterIdLst>
   <p:handoutMasterIdLst>
-    <p:handoutMasterId r:id="rId8"/>
+    <p:handoutMasterId r:id="rId9"/>
   </p:handoutMasterIdLst>
   <p:sldIdLst>
     <p:sldId id="447" r:id="rId2"/>
@@ -16,11 +16,12 @@
     <p:sldId id="506" r:id="rId4"/>
     <p:sldId id="507" r:id="rId5"/>
     <p:sldId id="508" r:id="rId6"/>
+    <p:sldId id="509" r:id="rId7"/>
   </p:sldIdLst>
   <p:sldSz cx="12192000" cy="6858000"/>
   <p:notesSz cx="7315200" cy="9601200"/>
   <p:custDataLst>
-    <p:tags r:id="rId9"/>
+    <p:tags r:id="rId10"/>
   </p:custDataLst>
   <p:defaultTextStyle>
     <a:defPPr>
@@ -1108,7 +1109,7 @@
             <a:fld id="{E4886CB5-510A-4EF6-9466-BC7A8F0DDE87}" type="datetime1">
               <a:rPr lang="en-US" smtClean="0"/>
               <a:pPr/>
-              <a:t>9/2/22</a:t>
+              <a:t>9/5/22</a:t>
             </a:fld>
             <a:endParaRPr lang="en-US"/>
           </a:p>
@@ -1445,7 +1446,7 @@
             <a:fld id="{9B297853-24B4-4D05-83E4-0AD2E86C55E5}" type="datetime1">
               <a:rPr lang="en-US" smtClean="0"/>
               <a:pPr/>
-              <a:t>9/2/22</a:t>
+              <a:t>9/5/22</a:t>
             </a:fld>
             <a:endParaRPr lang="en-US"/>
           </a:p>
@@ -1750,7 +1751,7 @@
             <a:fld id="{01FCDD9E-5768-4705-9537-0C020B1BB310}" type="datetime1">
               <a:rPr lang="en-US" smtClean="0"/>
               <a:pPr/>
-              <a:t>9/2/22</a:t>
+              <a:t>9/5/22</a:t>
             </a:fld>
             <a:endParaRPr lang="en-US"/>
           </a:p>
@@ -2000,7 +2001,7 @@
             <a:fld id="{4257C27E-59C2-41CA-9776-94955CBEE440}" type="datetime1">
               <a:rPr lang="en-US" smtClean="0"/>
               <a:pPr/>
-              <a:t>9/2/22</a:t>
+              <a:t>9/5/22</a:t>
             </a:fld>
             <a:endParaRPr lang="en-US"/>
           </a:p>
@@ -2410,7 +2411,7 @@
             <a:fld id="{03180747-A137-49C6-9C74-AB7EE86F4904}" type="datetime1">
               <a:rPr lang="en-US" smtClean="0"/>
               <a:pPr/>
-              <a:t>9/2/22</a:t>
+              <a:t>9/5/22</a:t>
             </a:fld>
             <a:endParaRPr lang="en-US"/>
           </a:p>
@@ -2727,7 +2728,7 @@
             <a:fld id="{EBBA31D9-ADC1-480D-86A8-1EAFB6A86A35}" type="datetime1">
               <a:rPr lang="en-US" smtClean="0"/>
               <a:pPr/>
-              <a:t>9/2/22</a:t>
+              <a:t>9/5/22</a:t>
             </a:fld>
             <a:endParaRPr lang="en-US"/>
           </a:p>
@@ -3274,7 +3275,7 @@
             <a:fld id="{80AAE9AE-3B2F-4DEA-8C41-BDDF4CDF6F40}" type="datetime1">
               <a:rPr lang="en-US" smtClean="0"/>
               <a:pPr/>
-              <a:t>9/2/22</a:t>
+              <a:t>9/5/22</a:t>
             </a:fld>
             <a:endParaRPr lang="en-US"/>
           </a:p>
@@ -3472,7 +3473,7 @@
             <a:fld id="{48252F7F-E8FE-413B-8521-D4ED924C6DE5}" type="datetime1">
               <a:rPr lang="en-US" smtClean="0"/>
               <a:pPr/>
-              <a:t>9/2/22</a:t>
+              <a:t>9/5/22</a:t>
             </a:fld>
             <a:endParaRPr lang="en-US"/>
           </a:p>
@@ -3688,7 +3689,7 @@
             <a:fld id="{2FF1B124-70E3-4E4A-90E2-6B55DB7659B3}" type="datetime1">
               <a:rPr lang="en-US" smtClean="0"/>
               <a:pPr/>
-              <a:t>9/2/22</a:t>
+              <a:t>9/5/22</a:t>
             </a:fld>
             <a:endParaRPr lang="en-US"/>
           </a:p>
@@ -4060,7 +4061,7 @@
             <a:fld id="{4EBF4C98-3CD6-4C87-BD40-5718C2628835}" type="datetime1">
               <a:rPr lang="en-US" smtClean="0"/>
               <a:pPr/>
-              <a:t>9/2/22</a:t>
+              <a:t>9/5/22</a:t>
             </a:fld>
             <a:endParaRPr lang="en-US"/>
           </a:p>
@@ -4466,7 +4467,7 @@
             <a:fld id="{6D6408A8-6B1B-4CDA-875E-7BEECDBA31DF}" type="datetime1">
               <a:rPr lang="en-US" smtClean="0"/>
               <a:pPr/>
-              <a:t>9/2/22</a:t>
+              <a:t>9/5/22</a:t>
             </a:fld>
             <a:endParaRPr lang="en-US"/>
           </a:p>
@@ -4807,7 +4808,7 @@
             <a:fld id="{C55AAF07-D2F5-4B3C-B443-40DE8C337A77}" type="datetime1">
               <a:rPr lang="en-US" smtClean="0"/>
               <a:pPr/>
-              <a:t>9/2/22</a:t>
+              <a:t>9/5/22</a:t>
             </a:fld>
             <a:endParaRPr lang="en-US"/>
           </a:p>
@@ -6250,7 +6251,189 @@
 </p:sld>
 </file>
 
+<file path=ppt/slides/slide6.xml><?xml version="1.0" encoding="utf-8"?>
+<p:sld xmlns:a="http://schemas.openxmlformats.org/drawingml/2006/main" xmlns:r="http://schemas.openxmlformats.org/officeDocument/2006/relationships" xmlns:p="http://schemas.openxmlformats.org/presentationml/2006/main">
+  <p:cSld>
+    <p:spTree>
+      <p:nvGrpSpPr>
+        <p:cNvPr id="1" name=""/>
+        <p:cNvGrpSpPr/>
+        <p:nvPr/>
+      </p:nvGrpSpPr>
+      <p:grpSpPr>
+        <a:xfrm>
+          <a:off x="0" y="0"/>
+          <a:ext cx="0" cy="0"/>
+          <a:chOff x="0" y="0"/>
+          <a:chExt cx="0" cy="0"/>
+        </a:xfrm>
+      </p:grpSpPr>
+      <p:sp>
+        <p:nvSpPr>
+          <p:cNvPr id="6146" name="Rectangle 2"/>
+          <p:cNvSpPr>
+            <a:spLocks noGrp="1" noChangeArrowheads="1"/>
+          </p:cNvSpPr>
+          <p:nvPr>
+            <p:ph type="title"/>
+            <p:custDataLst>
+              <p:tags r:id="rId1"/>
+            </p:custDataLst>
+          </p:nvPr>
+        </p:nvSpPr>
+        <p:spPr>
+          <a:xfrm>
+            <a:off x="2611808" y="533401"/>
+            <a:ext cx="7958331" cy="762000"/>
+          </a:xfrm>
+        </p:spPr>
+        <p:txBody>
+          <a:bodyPr/>
+          <a:lstStyle/>
+          <a:p>
+            <a:r>
+              <a:rPr lang="en-US" dirty="0"/>
+              <a:t>Monday, Sep. 5</a:t>
+            </a:r>
+          </a:p>
+        </p:txBody>
+      </p:sp>
+      <p:sp>
+        <p:nvSpPr>
+          <p:cNvPr id="6147" name="Rectangle 3"/>
+          <p:cNvSpPr>
+            <a:spLocks noGrp="1" noChangeArrowheads="1"/>
+          </p:cNvSpPr>
+          <p:nvPr>
+            <p:ph idx="1"/>
+            <p:custDataLst>
+              <p:tags r:id="rId2"/>
+            </p:custDataLst>
+          </p:nvPr>
+        </p:nvSpPr>
+        <p:spPr>
+          <a:xfrm>
+            <a:off x="1676400" y="1143000"/>
+            <a:ext cx="8991600" cy="5410200"/>
+          </a:xfrm>
+        </p:spPr>
+        <p:txBody>
+          <a:bodyPr>
+            <a:normAutofit/>
+          </a:bodyPr>
+          <a:lstStyle/>
+          <a:p>
+            <a:r>
+              <a:rPr lang="en-US" dirty="0"/>
+              <a:t>Please join the Discord Server: </a:t>
+            </a:r>
+            <a:r>
+              <a:rPr lang="en-US" dirty="0">
+                <a:hlinkClick r:id="rId4"/>
+              </a:rPr>
+              <a:t>https://discord.gg/x7Vf8sUa</a:t>
+            </a:r>
+            <a:endParaRPr lang="en-US" dirty="0"/>
+          </a:p>
+          <a:p>
+            <a:pPr lvl="1"/>
+            <a:r>
+              <a:rPr lang="en-US" dirty="0"/>
+              <a:t>It is mostly set up now. Expect a few small changes though.</a:t>
+            </a:r>
+          </a:p>
+          <a:p>
+            <a:r>
+              <a:rPr lang="en-US" dirty="0"/>
+              <a:t>You should be working on module 1 </a:t>
+            </a:r>
+            <a:r>
+              <a:rPr lang="en-US" dirty="0" err="1"/>
+              <a:t>homeworks</a:t>
+            </a:r>
+            <a:r>
+              <a:rPr lang="en-US" dirty="0"/>
+              <a:t> NOW. ”Tasks” and “Board Games” can be completed now.</a:t>
+            </a:r>
+          </a:p>
+          <a:p>
+            <a:pPr lvl="1"/>
+            <a:r>
+              <a:rPr lang="en-US" dirty="0"/>
+              <a:t>Recommended due date for this is Sep. 12</a:t>
+            </a:r>
+          </a:p>
+          <a:p>
+            <a:pPr lvl="1"/>
+            <a:r>
+              <a:rPr lang="en-US" dirty="0"/>
+              <a:t>You should be averaging 1 homework per week from here on out.</a:t>
+            </a:r>
+          </a:p>
+          <a:p>
+            <a:r>
+              <a:rPr lang="en-US" dirty="0"/>
+              <a:t>Any issues with OH so far? Any adjustments we need to make?</a:t>
+            </a:r>
+          </a:p>
+          <a:p>
+            <a:r>
+              <a:rPr lang="en-US" dirty="0"/>
+              <a:t>Today we finish module 1 by going over Strongly Connected Components</a:t>
+            </a:r>
+          </a:p>
+        </p:txBody>
+      </p:sp>
+      <p:sp>
+        <p:nvSpPr>
+          <p:cNvPr id="4" name="Slide Number Placeholder 3"/>
+          <p:cNvSpPr>
+            <a:spLocks noGrp="1"/>
+          </p:cNvSpPr>
+          <p:nvPr>
+            <p:ph type="sldNum" sz="quarter" idx="12"/>
+          </p:nvPr>
+        </p:nvSpPr>
+        <p:spPr/>
+        <p:txBody>
+          <a:bodyPr/>
+          <a:lstStyle/>
+          <a:p>
+            <a:fld id="{F26D9103-0C5C-48AC-B68E-3ED2C1647047}" type="slidenum">
+              <a:rPr lang="en-US" smtClean="0"/>
+              <a:pPr/>
+              <a:t>6</a:t>
+            </a:fld>
+            <a:endParaRPr lang="en-US" dirty="0"/>
+          </a:p>
+        </p:txBody>
+      </p:sp>
+    </p:spTree>
+    <p:extLst>
+      <p:ext uri="{BB962C8B-B14F-4D97-AF65-F5344CB8AC3E}">
+        <p14:creationId xmlns:p14="http://schemas.microsoft.com/office/powerpoint/2010/main" val="549257292"/>
+      </p:ext>
+    </p:extLst>
+  </p:cSld>
+  <p:clrMapOvr>
+    <a:masterClrMapping/>
+  </p:clrMapOvr>
+</p:sld>
+</file>
+
 <file path=ppt/tags/tag1.xml><?xml version="1.0" encoding="utf-8"?>
+<p:tagLst xmlns:a="http://schemas.openxmlformats.org/drawingml/2006/main" xmlns:r="http://schemas.openxmlformats.org/officeDocument/2006/relationships" xmlns:p="http://schemas.openxmlformats.org/presentationml/2006/main">
+  <p:tag name="_INSTRUCTOR VIEW19C14C36-AC8E-43BC-9DB6-C2AAF774C7DC|PANE__TAG" val="_"/>
+</p:tagLst>
+</file>
+
+<file path=ppt/tags/tag10.xml><?xml version="1.0" encoding="utf-8"?>
+<p:tagLst xmlns:a="http://schemas.openxmlformats.org/drawingml/2006/main" xmlns:r="http://schemas.openxmlformats.org/officeDocument/2006/relationships" xmlns:p="http://schemas.openxmlformats.org/presentationml/2006/main">
+  <p:tag name="_INSTRUCTOR VIEW19C14C36-AC8E-43BC-9DB6-C2AAF774C7DC|PANE__TAG" val="_"/>
+</p:tagLst>
+</file>
+
+<file path=ppt/tags/tag11.xml><?xml version="1.0" encoding="utf-8"?>
 <p:tagLst xmlns:a="http://schemas.openxmlformats.org/drawingml/2006/main" xmlns:r="http://schemas.openxmlformats.org/officeDocument/2006/relationships" xmlns:p="http://schemas.openxmlformats.org/presentationml/2006/main">
   <p:tag name="_INSTRUCTOR VIEW19C14C36-AC8E-43BC-9DB6-C2AAF774C7DC|PANE__TAG" val="_"/>
 </p:tagLst>

--- a/slides/dailyannouncements.pptx
+++ b/slides/dailyannouncements.pptx
@@ -5,10 +5,10 @@
     <p:sldMasterId id="2147483752" r:id="rId1"/>
   </p:sldMasterIdLst>
   <p:notesMasterIdLst>
-    <p:notesMasterId r:id="rId8"/>
+    <p:notesMasterId r:id="rId9"/>
   </p:notesMasterIdLst>
   <p:handoutMasterIdLst>
-    <p:handoutMasterId r:id="rId9"/>
+    <p:handoutMasterId r:id="rId10"/>
   </p:handoutMasterIdLst>
   <p:sldIdLst>
     <p:sldId id="447" r:id="rId2"/>
@@ -17,11 +17,12 @@
     <p:sldId id="507" r:id="rId5"/>
     <p:sldId id="508" r:id="rId6"/>
     <p:sldId id="509" r:id="rId7"/>
+    <p:sldId id="510" r:id="rId8"/>
   </p:sldIdLst>
   <p:sldSz cx="12192000" cy="6858000"/>
   <p:notesSz cx="7315200" cy="9601200"/>
   <p:custDataLst>
-    <p:tags r:id="rId10"/>
+    <p:tags r:id="rId11"/>
   </p:custDataLst>
   <p:defaultTextStyle>
     <a:defPPr>
@@ -1109,7 +1110,7 @@
             <a:fld id="{E4886CB5-510A-4EF6-9466-BC7A8F0DDE87}" type="datetime1">
               <a:rPr lang="en-US" smtClean="0"/>
               <a:pPr/>
-              <a:t>9/5/22</a:t>
+              <a:t>9/7/22</a:t>
             </a:fld>
             <a:endParaRPr lang="en-US"/>
           </a:p>
@@ -1446,7 +1447,7 @@
             <a:fld id="{9B297853-24B4-4D05-83E4-0AD2E86C55E5}" type="datetime1">
               <a:rPr lang="en-US" smtClean="0"/>
               <a:pPr/>
-              <a:t>9/5/22</a:t>
+              <a:t>9/7/22</a:t>
             </a:fld>
             <a:endParaRPr lang="en-US"/>
           </a:p>
@@ -1751,7 +1752,7 @@
             <a:fld id="{01FCDD9E-5768-4705-9537-0C020B1BB310}" type="datetime1">
               <a:rPr lang="en-US" smtClean="0"/>
               <a:pPr/>
-              <a:t>9/5/22</a:t>
+              <a:t>9/7/22</a:t>
             </a:fld>
             <a:endParaRPr lang="en-US"/>
           </a:p>
@@ -2001,7 +2002,7 @@
             <a:fld id="{4257C27E-59C2-41CA-9776-94955CBEE440}" type="datetime1">
               <a:rPr lang="en-US" smtClean="0"/>
               <a:pPr/>
-              <a:t>9/5/22</a:t>
+              <a:t>9/7/22</a:t>
             </a:fld>
             <a:endParaRPr lang="en-US"/>
           </a:p>
@@ -2411,7 +2412,7 @@
             <a:fld id="{03180747-A137-49C6-9C74-AB7EE86F4904}" type="datetime1">
               <a:rPr lang="en-US" smtClean="0"/>
               <a:pPr/>
-              <a:t>9/5/22</a:t>
+              <a:t>9/7/22</a:t>
             </a:fld>
             <a:endParaRPr lang="en-US"/>
           </a:p>
@@ -2728,7 +2729,7 @@
             <a:fld id="{EBBA31D9-ADC1-480D-86A8-1EAFB6A86A35}" type="datetime1">
               <a:rPr lang="en-US" smtClean="0"/>
               <a:pPr/>
-              <a:t>9/5/22</a:t>
+              <a:t>9/7/22</a:t>
             </a:fld>
             <a:endParaRPr lang="en-US"/>
           </a:p>
@@ -3275,7 +3276,7 @@
             <a:fld id="{80AAE9AE-3B2F-4DEA-8C41-BDDF4CDF6F40}" type="datetime1">
               <a:rPr lang="en-US" smtClean="0"/>
               <a:pPr/>
-              <a:t>9/5/22</a:t>
+              <a:t>9/7/22</a:t>
             </a:fld>
             <a:endParaRPr lang="en-US"/>
           </a:p>
@@ -3473,7 +3474,7 @@
             <a:fld id="{48252F7F-E8FE-413B-8521-D4ED924C6DE5}" type="datetime1">
               <a:rPr lang="en-US" smtClean="0"/>
               <a:pPr/>
-              <a:t>9/5/22</a:t>
+              <a:t>9/7/22</a:t>
             </a:fld>
             <a:endParaRPr lang="en-US"/>
           </a:p>
@@ -3689,7 +3690,7 @@
             <a:fld id="{2FF1B124-70E3-4E4A-90E2-6B55DB7659B3}" type="datetime1">
               <a:rPr lang="en-US" smtClean="0"/>
               <a:pPr/>
-              <a:t>9/5/22</a:t>
+              <a:t>9/7/22</a:t>
             </a:fld>
             <a:endParaRPr lang="en-US"/>
           </a:p>
@@ -4061,7 +4062,7 @@
             <a:fld id="{4EBF4C98-3CD6-4C87-BD40-5718C2628835}" type="datetime1">
               <a:rPr lang="en-US" smtClean="0"/>
               <a:pPr/>
-              <a:t>9/5/22</a:t>
+              <a:t>9/7/22</a:t>
             </a:fld>
             <a:endParaRPr lang="en-US"/>
           </a:p>
@@ -4467,7 +4468,7 @@
             <a:fld id="{6D6408A8-6B1B-4CDA-875E-7BEECDBA31DF}" type="datetime1">
               <a:rPr lang="en-US" smtClean="0"/>
               <a:pPr/>
-              <a:t>9/5/22</a:t>
+              <a:t>9/7/22</a:t>
             </a:fld>
             <a:endParaRPr lang="en-US"/>
           </a:p>
@@ -4808,7 +4809,7 @@
             <a:fld id="{C55AAF07-D2F5-4B3C-B443-40DE8C337A77}" type="datetime1">
               <a:rPr lang="en-US" smtClean="0"/>
               <a:pPr/>
-              <a:t>9/5/22</a:t>
+              <a:t>9/7/22</a:t>
             </a:fld>
             <a:endParaRPr lang="en-US"/>
           </a:p>
@@ -6421,6 +6422,182 @@
 </p:sld>
 </file>
 
+<file path=ppt/slides/slide7.xml><?xml version="1.0" encoding="utf-8"?>
+<p:sld xmlns:a="http://schemas.openxmlformats.org/drawingml/2006/main" xmlns:r="http://schemas.openxmlformats.org/officeDocument/2006/relationships" xmlns:p="http://schemas.openxmlformats.org/presentationml/2006/main">
+  <p:cSld>
+    <p:spTree>
+      <p:nvGrpSpPr>
+        <p:cNvPr id="1" name=""/>
+        <p:cNvGrpSpPr/>
+        <p:nvPr/>
+      </p:nvGrpSpPr>
+      <p:grpSpPr>
+        <a:xfrm>
+          <a:off x="0" y="0"/>
+          <a:ext cx="0" cy="0"/>
+          <a:chOff x="0" y="0"/>
+          <a:chExt cx="0" cy="0"/>
+        </a:xfrm>
+      </p:grpSpPr>
+      <p:sp>
+        <p:nvSpPr>
+          <p:cNvPr id="6146" name="Rectangle 2"/>
+          <p:cNvSpPr>
+            <a:spLocks noGrp="1" noChangeArrowheads="1"/>
+          </p:cNvSpPr>
+          <p:nvPr>
+            <p:ph type="title"/>
+            <p:custDataLst>
+              <p:tags r:id="rId1"/>
+            </p:custDataLst>
+          </p:nvPr>
+        </p:nvSpPr>
+        <p:spPr>
+          <a:xfrm>
+            <a:off x="2611808" y="533401"/>
+            <a:ext cx="7958331" cy="762000"/>
+          </a:xfrm>
+        </p:spPr>
+        <p:txBody>
+          <a:bodyPr/>
+          <a:lstStyle/>
+          <a:p>
+            <a:r>
+              <a:rPr lang="en-US" dirty="0"/>
+              <a:t>Wednesday, Sep. 7</a:t>
+            </a:r>
+          </a:p>
+        </p:txBody>
+      </p:sp>
+      <p:sp>
+        <p:nvSpPr>
+          <p:cNvPr id="6147" name="Rectangle 3"/>
+          <p:cNvSpPr>
+            <a:spLocks noGrp="1" noChangeArrowheads="1"/>
+          </p:cNvSpPr>
+          <p:nvPr>
+            <p:ph idx="1"/>
+            <p:custDataLst>
+              <p:tags r:id="rId2"/>
+            </p:custDataLst>
+          </p:nvPr>
+        </p:nvSpPr>
+        <p:spPr>
+          <a:xfrm>
+            <a:off x="1676400" y="1143000"/>
+            <a:ext cx="8991600" cy="5410200"/>
+          </a:xfrm>
+        </p:spPr>
+        <p:txBody>
+          <a:bodyPr>
+            <a:normAutofit/>
+          </a:bodyPr>
+          <a:lstStyle/>
+          <a:p>
+            <a:r>
+              <a:rPr lang="en-US" dirty="0"/>
+              <a:t>Please join the Discord Server: </a:t>
+            </a:r>
+            <a:r>
+              <a:rPr lang="en-US" dirty="0">
+                <a:hlinkClick r:id="rId4"/>
+              </a:rPr>
+              <a:t>https://discord.gg/x7Vf8sUa</a:t>
+            </a:r>
+            <a:endParaRPr lang="en-US" dirty="0"/>
+          </a:p>
+          <a:p>
+            <a:pPr lvl="1"/>
+            <a:r>
+              <a:rPr lang="en-US" dirty="0"/>
+              <a:t>It is mostly set up now. Expect a few small changes though.</a:t>
+            </a:r>
+          </a:p>
+          <a:p>
+            <a:r>
+              <a:rPr lang="en-US" dirty="0"/>
+              <a:t>You should be working on module 1 </a:t>
+            </a:r>
+            <a:r>
+              <a:rPr lang="en-US" dirty="0" err="1"/>
+              <a:t>homeworks</a:t>
+            </a:r>
+            <a:r>
+              <a:rPr lang="en-US" dirty="0"/>
+              <a:t> NOW. ”Tasks” and “Board Games” can be completed now.</a:t>
+            </a:r>
+          </a:p>
+          <a:p>
+            <a:pPr lvl="1"/>
+            <a:r>
+              <a:rPr lang="en-US" dirty="0"/>
+              <a:t>Recommended due date for this is Sep. 12</a:t>
+            </a:r>
+          </a:p>
+          <a:p>
+            <a:pPr lvl="1"/>
+            <a:r>
+              <a:rPr lang="en-US" dirty="0"/>
+              <a:t>You should be averaging 1 homework per week from here on out.</a:t>
+            </a:r>
+          </a:p>
+          <a:p>
+            <a:r>
+              <a:rPr lang="en-US" dirty="0"/>
+              <a:t>Any issues with OH so far? Any adjustments we need to make?</a:t>
+            </a:r>
+          </a:p>
+          <a:p>
+            <a:r>
+              <a:rPr lang="en-US" dirty="0"/>
+              <a:t>First discussion section was yesterday. Sounds like it went well but we might move to a room that is more private.</a:t>
+            </a:r>
+          </a:p>
+          <a:p>
+            <a:r>
+              <a:rPr lang="en-US" dirty="0"/>
+              <a:t>Today we begin module 2!!</a:t>
+            </a:r>
+          </a:p>
+        </p:txBody>
+      </p:sp>
+      <p:sp>
+        <p:nvSpPr>
+          <p:cNvPr id="4" name="Slide Number Placeholder 3"/>
+          <p:cNvSpPr>
+            <a:spLocks noGrp="1"/>
+          </p:cNvSpPr>
+          <p:nvPr>
+            <p:ph type="sldNum" sz="quarter" idx="12"/>
+          </p:nvPr>
+        </p:nvSpPr>
+        <p:spPr/>
+        <p:txBody>
+          <a:bodyPr/>
+          <a:lstStyle/>
+          <a:p>
+            <a:fld id="{F26D9103-0C5C-48AC-B68E-3ED2C1647047}" type="slidenum">
+              <a:rPr lang="en-US" smtClean="0"/>
+              <a:pPr/>
+              <a:t>7</a:t>
+            </a:fld>
+            <a:endParaRPr lang="en-US" dirty="0"/>
+          </a:p>
+        </p:txBody>
+      </p:sp>
+    </p:spTree>
+    <p:extLst>
+      <p:ext uri="{BB962C8B-B14F-4D97-AF65-F5344CB8AC3E}">
+        <p14:creationId xmlns:p14="http://schemas.microsoft.com/office/powerpoint/2010/main" val="142851054"/>
+      </p:ext>
+    </p:extLst>
+  </p:cSld>
+  <p:clrMapOvr>
+    <a:masterClrMapping/>
+  </p:clrMapOvr>
+</p:sld>
+</file>
+
 <file path=ppt/tags/tag1.xml><?xml version="1.0" encoding="utf-8"?>
 <p:tagLst xmlns:a="http://schemas.openxmlformats.org/drawingml/2006/main" xmlns:r="http://schemas.openxmlformats.org/officeDocument/2006/relationships" xmlns:p="http://schemas.openxmlformats.org/presentationml/2006/main">
   <p:tag name="_INSTRUCTOR VIEW19C14C36-AC8E-43BC-9DB6-C2AAF774C7DC|PANE__TAG" val="_"/>
@@ -6434,6 +6611,18 @@
 </file>
 
 <file path=ppt/tags/tag11.xml><?xml version="1.0" encoding="utf-8"?>
+<p:tagLst xmlns:a="http://schemas.openxmlformats.org/drawingml/2006/main" xmlns:r="http://schemas.openxmlformats.org/officeDocument/2006/relationships" xmlns:p="http://schemas.openxmlformats.org/presentationml/2006/main">
+  <p:tag name="_INSTRUCTOR VIEW19C14C36-AC8E-43BC-9DB6-C2AAF774C7DC|PANE__TAG" val="_"/>
+</p:tagLst>
+</file>
+
+<file path=ppt/tags/tag12.xml><?xml version="1.0" encoding="utf-8"?>
+<p:tagLst xmlns:a="http://schemas.openxmlformats.org/drawingml/2006/main" xmlns:r="http://schemas.openxmlformats.org/officeDocument/2006/relationships" xmlns:p="http://schemas.openxmlformats.org/presentationml/2006/main">
+  <p:tag name="_INSTRUCTOR VIEW19C14C36-AC8E-43BC-9DB6-C2AAF774C7DC|PANE__TAG" val="_"/>
+</p:tagLst>
+</file>
+
+<file path=ppt/tags/tag13.xml><?xml version="1.0" encoding="utf-8"?>
 <p:tagLst xmlns:a="http://schemas.openxmlformats.org/drawingml/2006/main" xmlns:r="http://schemas.openxmlformats.org/officeDocument/2006/relationships" xmlns:p="http://schemas.openxmlformats.org/presentationml/2006/main">
   <p:tag name="_INSTRUCTOR VIEW19C14C36-AC8E-43BC-9DB6-C2AAF774C7DC|PANE__TAG" val="_"/>
 </p:tagLst>

--- a/slides/dailyannouncements.pptx
+++ b/slides/dailyannouncements.pptx
@@ -6496,21 +6496,7 @@
           <a:p>
             <a:r>
               <a:rPr lang="en-US" dirty="0"/>
-              <a:t>Please join the Discord Server: </a:t>
-            </a:r>
-            <a:r>
-              <a:rPr lang="en-US" dirty="0">
-                <a:hlinkClick r:id="rId4"/>
-              </a:rPr>
-              <a:t>https://discord.gg/x7Vf8sUa</a:t>
-            </a:r>
-            <a:endParaRPr lang="en-US" dirty="0"/>
-          </a:p>
-          <a:p>
-            <a:pPr lvl="1"/>
-            <a:r>
-              <a:rPr lang="en-US" dirty="0"/>
-              <a:t>It is mostly set up now. Expect a few small changes though.</a:t>
+              <a:t>Please join the Discord Server (New invite on Piazza I believe)</a:t>
             </a:r>
           </a:p>
           <a:p>
@@ -6544,13 +6530,20 @@
           <a:p>
             <a:r>
               <a:rPr lang="en-US" dirty="0"/>
-              <a:t>Any issues with OH so far? Any adjustments we need to make?</a:t>
+              <a:t>Quick comment about online vs. in-person OH</a:t>
             </a:r>
           </a:p>
           <a:p>
             <a:r>
               <a:rPr lang="en-US" dirty="0"/>
               <a:t>First discussion section was yesterday. Sounds like it went well but we might move to a room that is more private.</a:t>
+            </a:r>
+          </a:p>
+          <a:p>
+            <a:pPr lvl="1"/>
+            <a:r>
+              <a:rPr lang="en-US" dirty="0"/>
+              <a:t>Next week’s discussion section will be on the sorting material you 2150 folks missed!!</a:t>
             </a:r>
           </a:p>
           <a:p>

--- a/slides/dailyannouncements.pptx
+++ b/slides/dailyannouncements.pptx
@@ -5,10 +5,10 @@
     <p:sldMasterId id="2147483752" r:id="rId1"/>
   </p:sldMasterIdLst>
   <p:notesMasterIdLst>
-    <p:notesMasterId r:id="rId9"/>
+    <p:notesMasterId r:id="rId10"/>
   </p:notesMasterIdLst>
   <p:handoutMasterIdLst>
-    <p:handoutMasterId r:id="rId10"/>
+    <p:handoutMasterId r:id="rId11"/>
   </p:handoutMasterIdLst>
   <p:sldIdLst>
     <p:sldId id="447" r:id="rId2"/>
@@ -18,11 +18,12 @@
     <p:sldId id="508" r:id="rId6"/>
     <p:sldId id="509" r:id="rId7"/>
     <p:sldId id="510" r:id="rId8"/>
+    <p:sldId id="511" r:id="rId9"/>
   </p:sldIdLst>
   <p:sldSz cx="12192000" cy="6858000"/>
   <p:notesSz cx="7315200" cy="9601200"/>
   <p:custDataLst>
-    <p:tags r:id="rId11"/>
+    <p:tags r:id="rId12"/>
   </p:custDataLst>
   <p:defaultTextStyle>
     <a:defPPr>
@@ -1110,7 +1111,7 @@
             <a:fld id="{E4886CB5-510A-4EF6-9466-BC7A8F0DDE87}" type="datetime1">
               <a:rPr lang="en-US" smtClean="0"/>
               <a:pPr/>
-              <a:t>9/7/22</a:t>
+              <a:t>9/9/22</a:t>
             </a:fld>
             <a:endParaRPr lang="en-US"/>
           </a:p>
@@ -1447,7 +1448,7 @@
             <a:fld id="{9B297853-24B4-4D05-83E4-0AD2E86C55E5}" type="datetime1">
               <a:rPr lang="en-US" smtClean="0"/>
               <a:pPr/>
-              <a:t>9/7/22</a:t>
+              <a:t>9/9/22</a:t>
             </a:fld>
             <a:endParaRPr lang="en-US"/>
           </a:p>
@@ -1752,7 +1753,7 @@
             <a:fld id="{01FCDD9E-5768-4705-9537-0C020B1BB310}" type="datetime1">
               <a:rPr lang="en-US" smtClean="0"/>
               <a:pPr/>
-              <a:t>9/7/22</a:t>
+              <a:t>9/9/22</a:t>
             </a:fld>
             <a:endParaRPr lang="en-US"/>
           </a:p>
@@ -2002,7 +2003,7 @@
             <a:fld id="{4257C27E-59C2-41CA-9776-94955CBEE440}" type="datetime1">
               <a:rPr lang="en-US" smtClean="0"/>
               <a:pPr/>
-              <a:t>9/7/22</a:t>
+              <a:t>9/9/22</a:t>
             </a:fld>
             <a:endParaRPr lang="en-US"/>
           </a:p>
@@ -2412,7 +2413,7 @@
             <a:fld id="{03180747-A137-49C6-9C74-AB7EE86F4904}" type="datetime1">
               <a:rPr lang="en-US" smtClean="0"/>
               <a:pPr/>
-              <a:t>9/7/22</a:t>
+              <a:t>9/9/22</a:t>
             </a:fld>
             <a:endParaRPr lang="en-US"/>
           </a:p>
@@ -2729,7 +2730,7 @@
             <a:fld id="{EBBA31D9-ADC1-480D-86A8-1EAFB6A86A35}" type="datetime1">
               <a:rPr lang="en-US" smtClean="0"/>
               <a:pPr/>
-              <a:t>9/7/22</a:t>
+              <a:t>9/9/22</a:t>
             </a:fld>
             <a:endParaRPr lang="en-US"/>
           </a:p>
@@ -3276,7 +3277,7 @@
             <a:fld id="{80AAE9AE-3B2F-4DEA-8C41-BDDF4CDF6F40}" type="datetime1">
               <a:rPr lang="en-US" smtClean="0"/>
               <a:pPr/>
-              <a:t>9/7/22</a:t>
+              <a:t>9/9/22</a:t>
             </a:fld>
             <a:endParaRPr lang="en-US"/>
           </a:p>
@@ -3474,7 +3475,7 @@
             <a:fld id="{48252F7F-E8FE-413B-8521-D4ED924C6DE5}" type="datetime1">
               <a:rPr lang="en-US" smtClean="0"/>
               <a:pPr/>
-              <a:t>9/7/22</a:t>
+              <a:t>9/9/22</a:t>
             </a:fld>
             <a:endParaRPr lang="en-US"/>
           </a:p>
@@ -3690,7 +3691,7 @@
             <a:fld id="{2FF1B124-70E3-4E4A-90E2-6B55DB7659B3}" type="datetime1">
               <a:rPr lang="en-US" smtClean="0"/>
               <a:pPr/>
-              <a:t>9/7/22</a:t>
+              <a:t>9/9/22</a:t>
             </a:fld>
             <a:endParaRPr lang="en-US"/>
           </a:p>
@@ -4062,7 +4063,7 @@
             <a:fld id="{4EBF4C98-3CD6-4C87-BD40-5718C2628835}" type="datetime1">
               <a:rPr lang="en-US" smtClean="0"/>
               <a:pPr/>
-              <a:t>9/7/22</a:t>
+              <a:t>9/9/22</a:t>
             </a:fld>
             <a:endParaRPr lang="en-US"/>
           </a:p>
@@ -4468,7 +4469,7 @@
             <a:fld id="{6D6408A8-6B1B-4CDA-875E-7BEECDBA31DF}" type="datetime1">
               <a:rPr lang="en-US" smtClean="0"/>
               <a:pPr/>
-              <a:t>9/7/22</a:t>
+              <a:t>9/9/22</a:t>
             </a:fld>
             <a:endParaRPr lang="en-US"/>
           </a:p>
@@ -4809,7 +4810,7 @@
             <a:fld id="{C55AAF07-D2F5-4B3C-B443-40DE8C337A77}" type="datetime1">
               <a:rPr lang="en-US" smtClean="0"/>
               <a:pPr/>
-              <a:t>9/7/22</a:t>
+              <a:t>9/9/22</a:t>
             </a:fld>
             <a:endParaRPr lang="en-US"/>
           </a:p>
@@ -6591,6 +6592,183 @@
 </p:sld>
 </file>
 
+<file path=ppt/slides/slide8.xml><?xml version="1.0" encoding="utf-8"?>
+<p:sld xmlns:a="http://schemas.openxmlformats.org/drawingml/2006/main" xmlns:r="http://schemas.openxmlformats.org/officeDocument/2006/relationships" xmlns:p="http://schemas.openxmlformats.org/presentationml/2006/main">
+  <p:cSld>
+    <p:spTree>
+      <p:nvGrpSpPr>
+        <p:cNvPr id="1" name=""/>
+        <p:cNvGrpSpPr/>
+        <p:nvPr/>
+      </p:nvGrpSpPr>
+      <p:grpSpPr>
+        <a:xfrm>
+          <a:off x="0" y="0"/>
+          <a:ext cx="0" cy="0"/>
+          <a:chOff x="0" y="0"/>
+          <a:chExt cx="0" cy="0"/>
+        </a:xfrm>
+      </p:grpSpPr>
+      <p:sp>
+        <p:nvSpPr>
+          <p:cNvPr id="6146" name="Rectangle 2"/>
+          <p:cNvSpPr>
+            <a:spLocks noGrp="1" noChangeArrowheads="1"/>
+          </p:cNvSpPr>
+          <p:nvPr>
+            <p:ph type="title"/>
+            <p:custDataLst>
+              <p:tags r:id="rId1"/>
+            </p:custDataLst>
+          </p:nvPr>
+        </p:nvSpPr>
+        <p:spPr>
+          <a:xfrm>
+            <a:off x="2611808" y="533401"/>
+            <a:ext cx="7958331" cy="762000"/>
+          </a:xfrm>
+        </p:spPr>
+        <p:txBody>
+          <a:bodyPr/>
+          <a:lstStyle/>
+          <a:p>
+            <a:r>
+              <a:rPr lang="en-US" dirty="0"/>
+              <a:t>Friday, Sep. 9</a:t>
+            </a:r>
+          </a:p>
+        </p:txBody>
+      </p:sp>
+      <p:sp>
+        <p:nvSpPr>
+          <p:cNvPr id="6147" name="Rectangle 3"/>
+          <p:cNvSpPr>
+            <a:spLocks noGrp="1" noChangeArrowheads="1"/>
+          </p:cNvSpPr>
+          <p:nvPr>
+            <p:ph idx="1"/>
+            <p:custDataLst>
+              <p:tags r:id="rId2"/>
+            </p:custDataLst>
+          </p:nvPr>
+        </p:nvSpPr>
+        <p:spPr>
+          <a:xfrm>
+            <a:off x="1676400" y="1143000"/>
+            <a:ext cx="8991600" cy="5410200"/>
+          </a:xfrm>
+        </p:spPr>
+        <p:txBody>
+          <a:bodyPr>
+            <a:normAutofit/>
+          </a:bodyPr>
+          <a:lstStyle/>
+          <a:p>
+            <a:r>
+              <a:rPr lang="en-US" dirty="0"/>
+              <a:t>Please join the Discord Server (New invite on Piazza I believe)</a:t>
+            </a:r>
+          </a:p>
+          <a:p>
+            <a:r>
+              <a:rPr lang="en-US" dirty="0"/>
+              <a:t>You should be working on module 1 </a:t>
+            </a:r>
+            <a:r>
+              <a:rPr lang="en-US" dirty="0" err="1"/>
+              <a:t>homeworks</a:t>
+            </a:r>
+            <a:r>
+              <a:rPr lang="en-US" dirty="0"/>
+              <a:t> NOW. ”Tasks” and “Board Games” can be completed now.</a:t>
+            </a:r>
+          </a:p>
+          <a:p>
+            <a:pPr lvl="1"/>
+            <a:r>
+              <a:rPr lang="en-US" dirty="0"/>
+              <a:t>Recommended due date for this is Sep. 12</a:t>
+            </a:r>
+          </a:p>
+          <a:p>
+            <a:pPr lvl="1"/>
+            <a:r>
+              <a:rPr lang="en-US" dirty="0"/>
+              <a:t>You should be averaging 1 homework per week from here on out.</a:t>
+            </a:r>
+          </a:p>
+          <a:p>
+            <a:r>
+              <a:rPr lang="en-US" dirty="0"/>
+              <a:t>“Tasks” </a:t>
+            </a:r>
+            <a:r>
+              <a:rPr lang="en-US" dirty="0" err="1"/>
+              <a:t>autograder</a:t>
+            </a:r>
+            <a:r>
+              <a:rPr lang="en-US" dirty="0"/>
+              <a:t> now accepts ANY valid topological sort</a:t>
+            </a:r>
+          </a:p>
+          <a:p>
+            <a:r>
+              <a:rPr lang="en-US" dirty="0"/>
+              <a:t>We will likely be changing the room for the Tuesday discussion sections…stay tuned.</a:t>
+            </a:r>
+          </a:p>
+          <a:p>
+            <a:pPr lvl="1"/>
+            <a:r>
+              <a:rPr lang="en-US" dirty="0"/>
+              <a:t>Next week’s discussion section will be on the sorting material you 2150 folks missed!!</a:t>
+            </a:r>
+          </a:p>
+          <a:p>
+            <a:r>
+              <a:rPr lang="en-US" dirty="0"/>
+              <a:t>Today we continue module 2. Dijkstra proof of correctness + Prim’s</a:t>
+            </a:r>
+          </a:p>
+        </p:txBody>
+      </p:sp>
+      <p:sp>
+        <p:nvSpPr>
+          <p:cNvPr id="4" name="Slide Number Placeholder 3"/>
+          <p:cNvSpPr>
+            <a:spLocks noGrp="1"/>
+          </p:cNvSpPr>
+          <p:nvPr>
+            <p:ph type="sldNum" sz="quarter" idx="12"/>
+          </p:nvPr>
+        </p:nvSpPr>
+        <p:spPr/>
+        <p:txBody>
+          <a:bodyPr/>
+          <a:lstStyle/>
+          <a:p>
+            <a:fld id="{F26D9103-0C5C-48AC-B68E-3ED2C1647047}" type="slidenum">
+              <a:rPr lang="en-US" smtClean="0"/>
+              <a:pPr/>
+              <a:t>8</a:t>
+            </a:fld>
+            <a:endParaRPr lang="en-US" dirty="0"/>
+          </a:p>
+        </p:txBody>
+      </p:sp>
+    </p:spTree>
+    <p:extLst>
+      <p:ext uri="{BB962C8B-B14F-4D97-AF65-F5344CB8AC3E}">
+        <p14:creationId xmlns:p14="http://schemas.microsoft.com/office/powerpoint/2010/main" val="486385121"/>
+      </p:ext>
+    </p:extLst>
+  </p:cSld>
+  <p:clrMapOvr>
+    <a:masterClrMapping/>
+  </p:clrMapOvr>
+</p:sld>
+</file>
+
 <file path=ppt/tags/tag1.xml><?xml version="1.0" encoding="utf-8"?>
 <p:tagLst xmlns:a="http://schemas.openxmlformats.org/drawingml/2006/main" xmlns:r="http://schemas.openxmlformats.org/officeDocument/2006/relationships" xmlns:p="http://schemas.openxmlformats.org/presentationml/2006/main">
   <p:tag name="_INSTRUCTOR VIEW19C14C36-AC8E-43BC-9DB6-C2AAF774C7DC|PANE__TAG" val="_"/>
@@ -6616,6 +6794,18 @@
 </file>
 
 <file path=ppt/tags/tag13.xml><?xml version="1.0" encoding="utf-8"?>
+<p:tagLst xmlns:a="http://schemas.openxmlformats.org/drawingml/2006/main" xmlns:r="http://schemas.openxmlformats.org/officeDocument/2006/relationships" xmlns:p="http://schemas.openxmlformats.org/presentationml/2006/main">
+  <p:tag name="_INSTRUCTOR VIEW19C14C36-AC8E-43BC-9DB6-C2AAF774C7DC|PANE__TAG" val="_"/>
+</p:tagLst>
+</file>
+
+<file path=ppt/tags/tag14.xml><?xml version="1.0" encoding="utf-8"?>
+<p:tagLst xmlns:a="http://schemas.openxmlformats.org/drawingml/2006/main" xmlns:r="http://schemas.openxmlformats.org/officeDocument/2006/relationships" xmlns:p="http://schemas.openxmlformats.org/presentationml/2006/main">
+  <p:tag name="_INSTRUCTOR VIEW19C14C36-AC8E-43BC-9DB6-C2AAF774C7DC|PANE__TAG" val="_"/>
+</p:tagLst>
+</file>
+
+<file path=ppt/tags/tag15.xml><?xml version="1.0" encoding="utf-8"?>
 <p:tagLst xmlns:a="http://schemas.openxmlformats.org/drawingml/2006/main" xmlns:r="http://schemas.openxmlformats.org/officeDocument/2006/relationships" xmlns:p="http://schemas.openxmlformats.org/presentationml/2006/main">
   <p:tag name="_INSTRUCTOR VIEW19C14C36-AC8E-43BC-9DB6-C2AAF774C7DC|PANE__TAG" val="_"/>
 </p:tagLst>

--- a/slides/dailyannouncements.pptx
+++ b/slides/dailyannouncements.pptx
@@ -5,10 +5,10 @@
     <p:sldMasterId id="2147483752" r:id="rId1"/>
   </p:sldMasterIdLst>
   <p:notesMasterIdLst>
-    <p:notesMasterId r:id="rId10"/>
+    <p:notesMasterId r:id="rId11"/>
   </p:notesMasterIdLst>
   <p:handoutMasterIdLst>
-    <p:handoutMasterId r:id="rId11"/>
+    <p:handoutMasterId r:id="rId12"/>
   </p:handoutMasterIdLst>
   <p:sldIdLst>
     <p:sldId id="447" r:id="rId2"/>
@@ -19,11 +19,12 @@
     <p:sldId id="509" r:id="rId7"/>
     <p:sldId id="510" r:id="rId8"/>
     <p:sldId id="511" r:id="rId9"/>
+    <p:sldId id="512" r:id="rId10"/>
   </p:sldIdLst>
   <p:sldSz cx="12192000" cy="6858000"/>
   <p:notesSz cx="7315200" cy="9601200"/>
   <p:custDataLst>
-    <p:tags r:id="rId12"/>
+    <p:tags r:id="rId13"/>
   </p:custDataLst>
   <p:defaultTextStyle>
     <a:defPPr>
@@ -1111,7 +1112,7 @@
             <a:fld id="{E4886CB5-510A-4EF6-9466-BC7A8F0DDE87}" type="datetime1">
               <a:rPr lang="en-US" smtClean="0"/>
               <a:pPr/>
-              <a:t>9/9/22</a:t>
+              <a:t>9/12/22</a:t>
             </a:fld>
             <a:endParaRPr lang="en-US"/>
           </a:p>
@@ -1448,7 +1449,7 @@
             <a:fld id="{9B297853-24B4-4D05-83E4-0AD2E86C55E5}" type="datetime1">
               <a:rPr lang="en-US" smtClean="0"/>
               <a:pPr/>
-              <a:t>9/9/22</a:t>
+              <a:t>9/12/22</a:t>
             </a:fld>
             <a:endParaRPr lang="en-US"/>
           </a:p>
@@ -1753,7 +1754,7 @@
             <a:fld id="{01FCDD9E-5768-4705-9537-0C020B1BB310}" type="datetime1">
               <a:rPr lang="en-US" smtClean="0"/>
               <a:pPr/>
-              <a:t>9/9/22</a:t>
+              <a:t>9/12/22</a:t>
             </a:fld>
             <a:endParaRPr lang="en-US"/>
           </a:p>
@@ -2003,7 +2004,7 @@
             <a:fld id="{4257C27E-59C2-41CA-9776-94955CBEE440}" type="datetime1">
               <a:rPr lang="en-US" smtClean="0"/>
               <a:pPr/>
-              <a:t>9/9/22</a:t>
+              <a:t>9/12/22</a:t>
             </a:fld>
             <a:endParaRPr lang="en-US"/>
           </a:p>
@@ -2413,7 +2414,7 @@
             <a:fld id="{03180747-A137-49C6-9C74-AB7EE86F4904}" type="datetime1">
               <a:rPr lang="en-US" smtClean="0"/>
               <a:pPr/>
-              <a:t>9/9/22</a:t>
+              <a:t>9/12/22</a:t>
             </a:fld>
             <a:endParaRPr lang="en-US"/>
           </a:p>
@@ -2730,7 +2731,7 @@
             <a:fld id="{EBBA31D9-ADC1-480D-86A8-1EAFB6A86A35}" type="datetime1">
               <a:rPr lang="en-US" smtClean="0"/>
               <a:pPr/>
-              <a:t>9/9/22</a:t>
+              <a:t>9/12/22</a:t>
             </a:fld>
             <a:endParaRPr lang="en-US"/>
           </a:p>
@@ -3277,7 +3278,7 @@
             <a:fld id="{80AAE9AE-3B2F-4DEA-8C41-BDDF4CDF6F40}" type="datetime1">
               <a:rPr lang="en-US" smtClean="0"/>
               <a:pPr/>
-              <a:t>9/9/22</a:t>
+              <a:t>9/12/22</a:t>
             </a:fld>
             <a:endParaRPr lang="en-US"/>
           </a:p>
@@ -3475,7 +3476,7 @@
             <a:fld id="{48252F7F-E8FE-413B-8521-D4ED924C6DE5}" type="datetime1">
               <a:rPr lang="en-US" smtClean="0"/>
               <a:pPr/>
-              <a:t>9/9/22</a:t>
+              <a:t>9/12/22</a:t>
             </a:fld>
             <a:endParaRPr lang="en-US"/>
           </a:p>
@@ -3691,7 +3692,7 @@
             <a:fld id="{2FF1B124-70E3-4E4A-90E2-6B55DB7659B3}" type="datetime1">
               <a:rPr lang="en-US" smtClean="0"/>
               <a:pPr/>
-              <a:t>9/9/22</a:t>
+              <a:t>9/12/22</a:t>
             </a:fld>
             <a:endParaRPr lang="en-US"/>
           </a:p>
@@ -4063,7 +4064,7 @@
             <a:fld id="{4EBF4C98-3CD6-4C87-BD40-5718C2628835}" type="datetime1">
               <a:rPr lang="en-US" smtClean="0"/>
               <a:pPr/>
-              <a:t>9/9/22</a:t>
+              <a:t>9/12/22</a:t>
             </a:fld>
             <a:endParaRPr lang="en-US"/>
           </a:p>
@@ -4469,7 +4470,7 @@
             <a:fld id="{6D6408A8-6B1B-4CDA-875E-7BEECDBA31DF}" type="datetime1">
               <a:rPr lang="en-US" smtClean="0"/>
               <a:pPr/>
-              <a:t>9/9/22</a:t>
+              <a:t>9/12/22</a:t>
             </a:fld>
             <a:endParaRPr lang="en-US"/>
           </a:p>
@@ -4810,7 +4811,7 @@
             <a:fld id="{C55AAF07-D2F5-4B3C-B443-40DE8C337A77}" type="datetime1">
               <a:rPr lang="en-US" smtClean="0"/>
               <a:pPr/>
-              <a:t>9/9/22</a:t>
+              <a:t>9/12/22</a:t>
             </a:fld>
             <a:endParaRPr lang="en-US"/>
           </a:p>
@@ -6769,6 +6770,169 @@
 </p:sld>
 </file>
 
+<file path=ppt/slides/slide9.xml><?xml version="1.0" encoding="utf-8"?>
+<p:sld xmlns:a="http://schemas.openxmlformats.org/drawingml/2006/main" xmlns:r="http://schemas.openxmlformats.org/officeDocument/2006/relationships" xmlns:p="http://schemas.openxmlformats.org/presentationml/2006/main">
+  <p:cSld>
+    <p:spTree>
+      <p:nvGrpSpPr>
+        <p:cNvPr id="1" name=""/>
+        <p:cNvGrpSpPr/>
+        <p:nvPr/>
+      </p:nvGrpSpPr>
+      <p:grpSpPr>
+        <a:xfrm>
+          <a:off x="0" y="0"/>
+          <a:ext cx="0" cy="0"/>
+          <a:chOff x="0" y="0"/>
+          <a:chExt cx="0" cy="0"/>
+        </a:xfrm>
+      </p:grpSpPr>
+      <p:sp>
+        <p:nvSpPr>
+          <p:cNvPr id="6146" name="Rectangle 2"/>
+          <p:cNvSpPr>
+            <a:spLocks noGrp="1" noChangeArrowheads="1"/>
+          </p:cNvSpPr>
+          <p:nvPr>
+            <p:ph type="title"/>
+            <p:custDataLst>
+              <p:tags r:id="rId1"/>
+            </p:custDataLst>
+          </p:nvPr>
+        </p:nvSpPr>
+        <p:spPr>
+          <a:xfrm>
+            <a:off x="2611808" y="533401"/>
+            <a:ext cx="7958331" cy="762000"/>
+          </a:xfrm>
+        </p:spPr>
+        <p:txBody>
+          <a:bodyPr/>
+          <a:lstStyle/>
+          <a:p>
+            <a:r>
+              <a:rPr lang="en-US" dirty="0"/>
+              <a:t>Monday, Sep. 12</a:t>
+            </a:r>
+          </a:p>
+        </p:txBody>
+      </p:sp>
+      <p:sp>
+        <p:nvSpPr>
+          <p:cNvPr id="6147" name="Rectangle 3"/>
+          <p:cNvSpPr>
+            <a:spLocks noGrp="1" noChangeArrowheads="1"/>
+          </p:cNvSpPr>
+          <p:nvPr>
+            <p:ph idx="1"/>
+            <p:custDataLst>
+              <p:tags r:id="rId2"/>
+            </p:custDataLst>
+          </p:nvPr>
+        </p:nvSpPr>
+        <p:spPr>
+          <a:xfrm>
+            <a:off x="1600200" y="1066800"/>
+            <a:ext cx="9067800" cy="5486400"/>
+          </a:xfrm>
+        </p:spPr>
+        <p:txBody>
+          <a:bodyPr>
+            <a:normAutofit/>
+          </a:bodyPr>
+          <a:lstStyle/>
+          <a:p>
+            <a:r>
+              <a:rPr lang="en-US" dirty="0"/>
+              <a:t>You should be working on module 1 </a:t>
+            </a:r>
+            <a:r>
+              <a:rPr lang="en-US" dirty="0" err="1"/>
+              <a:t>homeworks</a:t>
+            </a:r>
+            <a:r>
+              <a:rPr lang="en-US" dirty="0"/>
+              <a:t> NOW. ”Tasks” and “Board Games” can be completed now.</a:t>
+            </a:r>
+          </a:p>
+          <a:p>
+            <a:pPr lvl="1"/>
+            <a:r>
+              <a:rPr lang="en-US" dirty="0"/>
+              <a:t>You should have 1 of them finished by now, and another almost completed</a:t>
+            </a:r>
+          </a:p>
+          <a:p>
+            <a:r>
+              <a:rPr lang="en-US" dirty="0"/>
+              <a:t>“Tasks” </a:t>
+            </a:r>
+            <a:r>
+              <a:rPr lang="en-US" dirty="0" err="1"/>
+              <a:t>autograder</a:t>
+            </a:r>
+            <a:r>
+              <a:rPr lang="en-US" dirty="0"/>
+              <a:t> now accepts ANY valid topological sort</a:t>
+            </a:r>
+          </a:p>
+          <a:p>
+            <a:r>
+              <a:rPr lang="en-US" dirty="0"/>
+              <a:t>Still no solid updates on discussion room section change. Not a lot of room options. Will let you know if things change. Check website to confirm.</a:t>
+            </a:r>
+          </a:p>
+          <a:p>
+            <a:r>
+              <a:rPr lang="en-US" dirty="0"/>
+              <a:t>I am told we are NOT moving to Gilmer quite yet. They are moving classes in phases…we will get an email when the room has been changed in SIS.</a:t>
+            </a:r>
+          </a:p>
+          <a:p>
+            <a:r>
+              <a:rPr lang="en-US" dirty="0"/>
+              <a:t>Today we continue module 2. Prim’s, Indirect Heaps, and Kruskal’s</a:t>
+            </a:r>
+          </a:p>
+        </p:txBody>
+      </p:sp>
+      <p:sp>
+        <p:nvSpPr>
+          <p:cNvPr id="4" name="Slide Number Placeholder 3"/>
+          <p:cNvSpPr>
+            <a:spLocks noGrp="1"/>
+          </p:cNvSpPr>
+          <p:nvPr>
+            <p:ph type="sldNum" sz="quarter" idx="12"/>
+          </p:nvPr>
+        </p:nvSpPr>
+        <p:spPr/>
+        <p:txBody>
+          <a:bodyPr/>
+          <a:lstStyle/>
+          <a:p>
+            <a:fld id="{F26D9103-0C5C-48AC-B68E-3ED2C1647047}" type="slidenum">
+              <a:rPr lang="en-US" smtClean="0"/>
+              <a:pPr/>
+              <a:t>9</a:t>
+            </a:fld>
+            <a:endParaRPr lang="en-US" dirty="0"/>
+          </a:p>
+        </p:txBody>
+      </p:sp>
+    </p:spTree>
+    <p:extLst>
+      <p:ext uri="{BB962C8B-B14F-4D97-AF65-F5344CB8AC3E}">
+        <p14:creationId xmlns:p14="http://schemas.microsoft.com/office/powerpoint/2010/main" val="249979876"/>
+      </p:ext>
+    </p:extLst>
+  </p:cSld>
+  <p:clrMapOvr>
+    <a:masterClrMapping/>
+  </p:clrMapOvr>
+</p:sld>
+</file>
+
 <file path=ppt/tags/tag1.xml><?xml version="1.0" encoding="utf-8"?>
 <p:tagLst xmlns:a="http://schemas.openxmlformats.org/drawingml/2006/main" xmlns:r="http://schemas.openxmlformats.org/officeDocument/2006/relationships" xmlns:p="http://schemas.openxmlformats.org/presentationml/2006/main">
   <p:tag name="_INSTRUCTOR VIEW19C14C36-AC8E-43BC-9DB6-C2AAF774C7DC|PANE__TAG" val="_"/>
@@ -6806,6 +6970,18 @@
 </file>
 
 <file path=ppt/tags/tag15.xml><?xml version="1.0" encoding="utf-8"?>
+<p:tagLst xmlns:a="http://schemas.openxmlformats.org/drawingml/2006/main" xmlns:r="http://schemas.openxmlformats.org/officeDocument/2006/relationships" xmlns:p="http://schemas.openxmlformats.org/presentationml/2006/main">
+  <p:tag name="_INSTRUCTOR VIEW19C14C36-AC8E-43BC-9DB6-C2AAF774C7DC|PANE__TAG" val="_"/>
+</p:tagLst>
+</file>
+
+<file path=ppt/tags/tag16.xml><?xml version="1.0" encoding="utf-8"?>
+<p:tagLst xmlns:a="http://schemas.openxmlformats.org/drawingml/2006/main" xmlns:r="http://schemas.openxmlformats.org/officeDocument/2006/relationships" xmlns:p="http://schemas.openxmlformats.org/presentationml/2006/main">
+  <p:tag name="_INSTRUCTOR VIEW19C14C36-AC8E-43BC-9DB6-C2AAF774C7DC|PANE__TAG" val="_"/>
+</p:tagLst>
+</file>
+
+<file path=ppt/tags/tag17.xml><?xml version="1.0" encoding="utf-8"?>
 <p:tagLst xmlns:a="http://schemas.openxmlformats.org/drawingml/2006/main" xmlns:r="http://schemas.openxmlformats.org/officeDocument/2006/relationships" xmlns:p="http://schemas.openxmlformats.org/presentationml/2006/main">
   <p:tag name="_INSTRUCTOR VIEW19C14C36-AC8E-43BC-9DB6-C2AAF774C7DC|PANE__TAG" val="_"/>
 </p:tagLst>

--- a/slides/dailyannouncements.pptx
+++ b/slides/dailyannouncements.pptx
@@ -5,10 +5,10 @@
     <p:sldMasterId id="2147483752" r:id="rId1"/>
   </p:sldMasterIdLst>
   <p:notesMasterIdLst>
-    <p:notesMasterId r:id="rId11"/>
+    <p:notesMasterId r:id="rId12"/>
   </p:notesMasterIdLst>
   <p:handoutMasterIdLst>
-    <p:handoutMasterId r:id="rId12"/>
+    <p:handoutMasterId r:id="rId13"/>
   </p:handoutMasterIdLst>
   <p:sldIdLst>
     <p:sldId id="447" r:id="rId2"/>
@@ -20,11 +20,12 @@
     <p:sldId id="510" r:id="rId8"/>
     <p:sldId id="511" r:id="rId9"/>
     <p:sldId id="512" r:id="rId10"/>
+    <p:sldId id="513" r:id="rId11"/>
   </p:sldIdLst>
   <p:sldSz cx="12192000" cy="6858000"/>
   <p:notesSz cx="7315200" cy="9601200"/>
   <p:custDataLst>
-    <p:tags r:id="rId13"/>
+    <p:tags r:id="rId14"/>
   </p:custDataLst>
   <p:defaultTextStyle>
     <a:defPPr>
@@ -1112,7 +1113,7 @@
             <a:fld id="{E4886CB5-510A-4EF6-9466-BC7A8F0DDE87}" type="datetime1">
               <a:rPr lang="en-US" smtClean="0"/>
               <a:pPr/>
-              <a:t>9/12/22</a:t>
+              <a:t>9/14/22</a:t>
             </a:fld>
             <a:endParaRPr lang="en-US"/>
           </a:p>
@@ -1449,7 +1450,7 @@
             <a:fld id="{9B297853-24B4-4D05-83E4-0AD2E86C55E5}" type="datetime1">
               <a:rPr lang="en-US" smtClean="0"/>
               <a:pPr/>
-              <a:t>9/12/22</a:t>
+              <a:t>9/14/22</a:t>
             </a:fld>
             <a:endParaRPr lang="en-US"/>
           </a:p>
@@ -1754,7 +1755,7 @@
             <a:fld id="{01FCDD9E-5768-4705-9537-0C020B1BB310}" type="datetime1">
               <a:rPr lang="en-US" smtClean="0"/>
               <a:pPr/>
-              <a:t>9/12/22</a:t>
+              <a:t>9/14/22</a:t>
             </a:fld>
             <a:endParaRPr lang="en-US"/>
           </a:p>
@@ -2004,7 +2005,7 @@
             <a:fld id="{4257C27E-59C2-41CA-9776-94955CBEE440}" type="datetime1">
               <a:rPr lang="en-US" smtClean="0"/>
               <a:pPr/>
-              <a:t>9/12/22</a:t>
+              <a:t>9/14/22</a:t>
             </a:fld>
             <a:endParaRPr lang="en-US"/>
           </a:p>
@@ -2414,7 +2415,7 @@
             <a:fld id="{03180747-A137-49C6-9C74-AB7EE86F4904}" type="datetime1">
               <a:rPr lang="en-US" smtClean="0"/>
               <a:pPr/>
-              <a:t>9/12/22</a:t>
+              <a:t>9/14/22</a:t>
             </a:fld>
             <a:endParaRPr lang="en-US"/>
           </a:p>
@@ -2731,7 +2732,7 @@
             <a:fld id="{EBBA31D9-ADC1-480D-86A8-1EAFB6A86A35}" type="datetime1">
               <a:rPr lang="en-US" smtClean="0"/>
               <a:pPr/>
-              <a:t>9/12/22</a:t>
+              <a:t>9/14/22</a:t>
             </a:fld>
             <a:endParaRPr lang="en-US"/>
           </a:p>
@@ -3278,7 +3279,7 @@
             <a:fld id="{80AAE9AE-3B2F-4DEA-8C41-BDDF4CDF6F40}" type="datetime1">
               <a:rPr lang="en-US" smtClean="0"/>
               <a:pPr/>
-              <a:t>9/12/22</a:t>
+              <a:t>9/14/22</a:t>
             </a:fld>
             <a:endParaRPr lang="en-US"/>
           </a:p>
@@ -3476,7 +3477,7 @@
             <a:fld id="{48252F7F-E8FE-413B-8521-D4ED924C6DE5}" type="datetime1">
               <a:rPr lang="en-US" smtClean="0"/>
               <a:pPr/>
-              <a:t>9/12/22</a:t>
+              <a:t>9/14/22</a:t>
             </a:fld>
             <a:endParaRPr lang="en-US"/>
           </a:p>
@@ -3692,7 +3693,7 @@
             <a:fld id="{2FF1B124-70E3-4E4A-90E2-6B55DB7659B3}" type="datetime1">
               <a:rPr lang="en-US" smtClean="0"/>
               <a:pPr/>
-              <a:t>9/12/22</a:t>
+              <a:t>9/14/22</a:t>
             </a:fld>
             <a:endParaRPr lang="en-US"/>
           </a:p>
@@ -4064,7 +4065,7 @@
             <a:fld id="{4EBF4C98-3CD6-4C87-BD40-5718C2628835}" type="datetime1">
               <a:rPr lang="en-US" smtClean="0"/>
               <a:pPr/>
-              <a:t>9/12/22</a:t>
+              <a:t>9/14/22</a:t>
             </a:fld>
             <a:endParaRPr lang="en-US"/>
           </a:p>
@@ -4470,7 +4471,7 @@
             <a:fld id="{6D6408A8-6B1B-4CDA-875E-7BEECDBA31DF}" type="datetime1">
               <a:rPr lang="en-US" smtClean="0"/>
               <a:pPr/>
-              <a:t>9/12/22</a:t>
+              <a:t>9/14/22</a:t>
             </a:fld>
             <a:endParaRPr lang="en-US"/>
           </a:p>
@@ -4811,7 +4812,7 @@
             <a:fld id="{C55AAF07-D2F5-4B3C-B443-40DE8C337A77}" type="datetime1">
               <a:rPr lang="en-US" smtClean="0"/>
               <a:pPr/>
-              <a:t>9/12/22</a:t>
+              <a:t>9/14/22</a:t>
             </a:fld>
             <a:endParaRPr lang="en-US"/>
           </a:p>
@@ -5482,6 +5483,179 @@
 </p:sld>
 </file>
 
+<file path=ppt/slides/slide10.xml><?xml version="1.0" encoding="utf-8"?>
+<p:sld xmlns:a="http://schemas.openxmlformats.org/drawingml/2006/main" xmlns:r="http://schemas.openxmlformats.org/officeDocument/2006/relationships" xmlns:p="http://schemas.openxmlformats.org/presentationml/2006/main">
+  <p:cSld>
+    <p:spTree>
+      <p:nvGrpSpPr>
+        <p:cNvPr id="1" name=""/>
+        <p:cNvGrpSpPr/>
+        <p:nvPr/>
+      </p:nvGrpSpPr>
+      <p:grpSpPr>
+        <a:xfrm>
+          <a:off x="0" y="0"/>
+          <a:ext cx="0" cy="0"/>
+          <a:chOff x="0" y="0"/>
+          <a:chExt cx="0" cy="0"/>
+        </a:xfrm>
+      </p:grpSpPr>
+      <p:sp>
+        <p:nvSpPr>
+          <p:cNvPr id="6146" name="Rectangle 2"/>
+          <p:cNvSpPr>
+            <a:spLocks noGrp="1" noChangeArrowheads="1"/>
+          </p:cNvSpPr>
+          <p:nvPr>
+            <p:ph type="title"/>
+            <p:custDataLst>
+              <p:tags r:id="rId1"/>
+            </p:custDataLst>
+          </p:nvPr>
+        </p:nvSpPr>
+        <p:spPr>
+          <a:xfrm>
+            <a:off x="2611808" y="533401"/>
+            <a:ext cx="7958331" cy="762000"/>
+          </a:xfrm>
+        </p:spPr>
+        <p:txBody>
+          <a:bodyPr/>
+          <a:lstStyle/>
+          <a:p>
+            <a:r>
+              <a:rPr lang="en-US" dirty="0"/>
+              <a:t>Wednesday, Sep. 14</a:t>
+            </a:r>
+          </a:p>
+        </p:txBody>
+      </p:sp>
+      <p:sp>
+        <p:nvSpPr>
+          <p:cNvPr id="6147" name="Rectangle 3"/>
+          <p:cNvSpPr>
+            <a:spLocks noGrp="1" noChangeArrowheads="1"/>
+          </p:cNvSpPr>
+          <p:nvPr>
+            <p:ph idx="1"/>
+            <p:custDataLst>
+              <p:tags r:id="rId2"/>
+            </p:custDataLst>
+          </p:nvPr>
+        </p:nvSpPr>
+        <p:spPr>
+          <a:xfrm>
+            <a:off x="1600200" y="1066800"/>
+            <a:ext cx="9067800" cy="5486400"/>
+          </a:xfrm>
+        </p:spPr>
+        <p:txBody>
+          <a:bodyPr>
+            <a:normAutofit/>
+          </a:bodyPr>
+          <a:lstStyle/>
+          <a:p>
+            <a:r>
+              <a:rPr lang="en-US" dirty="0"/>
+              <a:t>You should be done or VERY close to done with module 1 </a:t>
+            </a:r>
+            <a:r>
+              <a:rPr lang="en-US" dirty="0" err="1"/>
+              <a:t>homeworks</a:t>
+            </a:r>
+            <a:r>
+              <a:rPr lang="en-US" dirty="0"/>
+              <a:t>.</a:t>
+            </a:r>
+          </a:p>
+          <a:p>
+            <a:r>
+              <a:rPr lang="en-US" dirty="0"/>
+              <a:t>After today, you should start working on module 2 </a:t>
+            </a:r>
+            <a:r>
+              <a:rPr lang="en-US" dirty="0" err="1"/>
+              <a:t>homeworks</a:t>
+            </a:r>
+            <a:endParaRPr lang="en-US" dirty="0"/>
+          </a:p>
+          <a:p>
+            <a:pPr lvl="1"/>
+            <a:r>
+              <a:rPr lang="en-US" dirty="0"/>
+              <a:t>recommended deadline is on 9/23</a:t>
+            </a:r>
+          </a:p>
+          <a:p>
+            <a:r>
+              <a:rPr lang="en-US" dirty="0"/>
+              <a:t>First quiz day is coming up fast.</a:t>
+            </a:r>
+          </a:p>
+          <a:p>
+            <a:pPr lvl="1"/>
+            <a:r>
+              <a:rPr lang="en-US" dirty="0"/>
+              <a:t>Modules 1-2 quiz: Monday 9/26</a:t>
+            </a:r>
+          </a:p>
+          <a:p>
+            <a:r>
+              <a:rPr lang="en-US" dirty="0"/>
+              <a:t>Videos for reviewing sorting algorithms (for you 2150 folks) have been posted to lecture capture. Might need to scroll down.</a:t>
+            </a:r>
+          </a:p>
+          <a:p>
+            <a:r>
+              <a:rPr lang="en-US" dirty="0"/>
+              <a:t>I am told we are NOT moving to Gilmer quite yet. They are moving classes in phases…we will get an email when the room has been changed in SIS.</a:t>
+            </a:r>
+          </a:p>
+          <a:p>
+            <a:r>
+              <a:rPr lang="en-US" dirty="0"/>
+              <a:t>Today we continue module 2. Kruskal’s and onward</a:t>
+            </a:r>
+          </a:p>
+        </p:txBody>
+      </p:sp>
+      <p:sp>
+        <p:nvSpPr>
+          <p:cNvPr id="4" name="Slide Number Placeholder 3"/>
+          <p:cNvSpPr>
+            <a:spLocks noGrp="1"/>
+          </p:cNvSpPr>
+          <p:nvPr>
+            <p:ph type="sldNum" sz="quarter" idx="12"/>
+          </p:nvPr>
+        </p:nvSpPr>
+        <p:spPr/>
+        <p:txBody>
+          <a:bodyPr/>
+          <a:lstStyle/>
+          <a:p>
+            <a:fld id="{F26D9103-0C5C-48AC-B68E-3ED2C1647047}" type="slidenum">
+              <a:rPr lang="en-US" smtClean="0"/>
+              <a:pPr/>
+              <a:t>10</a:t>
+            </a:fld>
+            <a:endParaRPr lang="en-US" dirty="0"/>
+          </a:p>
+        </p:txBody>
+      </p:sp>
+    </p:spTree>
+    <p:extLst>
+      <p:ext uri="{BB962C8B-B14F-4D97-AF65-F5344CB8AC3E}">
+        <p14:creationId xmlns:p14="http://schemas.microsoft.com/office/powerpoint/2010/main" val="3894834876"/>
+      </p:ext>
+    </p:extLst>
+  </p:cSld>
+  <p:clrMapOvr>
+    <a:masterClrMapping/>
+  </p:clrMapOvr>
+</p:sld>
+</file>
+
 <file path=ppt/slides/slide2.xml><?xml version="1.0" encoding="utf-8"?>
 <p:sld xmlns:a="http://schemas.openxmlformats.org/drawingml/2006/main" xmlns:r="http://schemas.openxmlformats.org/officeDocument/2006/relationships" xmlns:p="http://schemas.openxmlformats.org/presentationml/2006/main">
   <p:cSld>
@@ -6982,6 +7156,18 @@
 </file>
 
 <file path=ppt/tags/tag17.xml><?xml version="1.0" encoding="utf-8"?>
+<p:tagLst xmlns:a="http://schemas.openxmlformats.org/drawingml/2006/main" xmlns:r="http://schemas.openxmlformats.org/officeDocument/2006/relationships" xmlns:p="http://schemas.openxmlformats.org/presentationml/2006/main">
+  <p:tag name="_INSTRUCTOR VIEW19C14C36-AC8E-43BC-9DB6-C2AAF774C7DC|PANE__TAG" val="_"/>
+</p:tagLst>
+</file>
+
+<file path=ppt/tags/tag18.xml><?xml version="1.0" encoding="utf-8"?>
+<p:tagLst xmlns:a="http://schemas.openxmlformats.org/drawingml/2006/main" xmlns:r="http://schemas.openxmlformats.org/officeDocument/2006/relationships" xmlns:p="http://schemas.openxmlformats.org/presentationml/2006/main">
+  <p:tag name="_INSTRUCTOR VIEW19C14C36-AC8E-43BC-9DB6-C2AAF774C7DC|PANE__TAG" val="_"/>
+</p:tagLst>
+</file>
+
+<file path=ppt/tags/tag19.xml><?xml version="1.0" encoding="utf-8"?>
 <p:tagLst xmlns:a="http://schemas.openxmlformats.org/drawingml/2006/main" xmlns:r="http://schemas.openxmlformats.org/officeDocument/2006/relationships" xmlns:p="http://schemas.openxmlformats.org/presentationml/2006/main">
   <p:tag name="_INSTRUCTOR VIEW19C14C36-AC8E-43BC-9DB6-C2AAF774C7DC|PANE__TAG" val="_"/>
 </p:tagLst>

--- a/slides/dailyannouncements.pptx
+++ b/slides/dailyannouncements.pptx
@@ -5,10 +5,10 @@
     <p:sldMasterId id="2147483752" r:id="rId1"/>
   </p:sldMasterIdLst>
   <p:notesMasterIdLst>
-    <p:notesMasterId r:id="rId12"/>
+    <p:notesMasterId r:id="rId13"/>
   </p:notesMasterIdLst>
   <p:handoutMasterIdLst>
-    <p:handoutMasterId r:id="rId13"/>
+    <p:handoutMasterId r:id="rId14"/>
   </p:handoutMasterIdLst>
   <p:sldIdLst>
     <p:sldId id="447" r:id="rId2"/>
@@ -21,11 +21,12 @@
     <p:sldId id="511" r:id="rId9"/>
     <p:sldId id="512" r:id="rId10"/>
     <p:sldId id="513" r:id="rId11"/>
+    <p:sldId id="514" r:id="rId12"/>
   </p:sldIdLst>
   <p:sldSz cx="12192000" cy="6858000"/>
   <p:notesSz cx="7315200" cy="9601200"/>
   <p:custDataLst>
-    <p:tags r:id="rId14"/>
+    <p:tags r:id="rId15"/>
   </p:custDataLst>
   <p:defaultTextStyle>
     <a:defPPr>
@@ -1113,7 +1114,7 @@
             <a:fld id="{E4886CB5-510A-4EF6-9466-BC7A8F0DDE87}" type="datetime1">
               <a:rPr lang="en-US" smtClean="0"/>
               <a:pPr/>
-              <a:t>9/14/22</a:t>
+              <a:t>9/19/22</a:t>
             </a:fld>
             <a:endParaRPr lang="en-US"/>
           </a:p>
@@ -1450,7 +1451,7 @@
             <a:fld id="{9B297853-24B4-4D05-83E4-0AD2E86C55E5}" type="datetime1">
               <a:rPr lang="en-US" smtClean="0"/>
               <a:pPr/>
-              <a:t>9/14/22</a:t>
+              <a:t>9/19/22</a:t>
             </a:fld>
             <a:endParaRPr lang="en-US"/>
           </a:p>
@@ -1755,7 +1756,7 @@
             <a:fld id="{01FCDD9E-5768-4705-9537-0C020B1BB310}" type="datetime1">
               <a:rPr lang="en-US" smtClean="0"/>
               <a:pPr/>
-              <a:t>9/14/22</a:t>
+              <a:t>9/19/22</a:t>
             </a:fld>
             <a:endParaRPr lang="en-US"/>
           </a:p>
@@ -2005,7 +2006,7 @@
             <a:fld id="{4257C27E-59C2-41CA-9776-94955CBEE440}" type="datetime1">
               <a:rPr lang="en-US" smtClean="0"/>
               <a:pPr/>
-              <a:t>9/14/22</a:t>
+              <a:t>9/19/22</a:t>
             </a:fld>
             <a:endParaRPr lang="en-US"/>
           </a:p>
@@ -2415,7 +2416,7 @@
             <a:fld id="{03180747-A137-49C6-9C74-AB7EE86F4904}" type="datetime1">
               <a:rPr lang="en-US" smtClean="0"/>
               <a:pPr/>
-              <a:t>9/14/22</a:t>
+              <a:t>9/19/22</a:t>
             </a:fld>
             <a:endParaRPr lang="en-US"/>
           </a:p>
@@ -2732,7 +2733,7 @@
             <a:fld id="{EBBA31D9-ADC1-480D-86A8-1EAFB6A86A35}" type="datetime1">
               <a:rPr lang="en-US" smtClean="0"/>
               <a:pPr/>
-              <a:t>9/14/22</a:t>
+              <a:t>9/19/22</a:t>
             </a:fld>
             <a:endParaRPr lang="en-US"/>
           </a:p>
@@ -3279,7 +3280,7 @@
             <a:fld id="{80AAE9AE-3B2F-4DEA-8C41-BDDF4CDF6F40}" type="datetime1">
               <a:rPr lang="en-US" smtClean="0"/>
               <a:pPr/>
-              <a:t>9/14/22</a:t>
+              <a:t>9/19/22</a:t>
             </a:fld>
             <a:endParaRPr lang="en-US"/>
           </a:p>
@@ -3477,7 +3478,7 @@
             <a:fld id="{48252F7F-E8FE-413B-8521-D4ED924C6DE5}" type="datetime1">
               <a:rPr lang="en-US" smtClean="0"/>
               <a:pPr/>
-              <a:t>9/14/22</a:t>
+              <a:t>9/19/22</a:t>
             </a:fld>
             <a:endParaRPr lang="en-US"/>
           </a:p>
@@ -3693,7 +3694,7 @@
             <a:fld id="{2FF1B124-70E3-4E4A-90E2-6B55DB7659B3}" type="datetime1">
               <a:rPr lang="en-US" smtClean="0"/>
               <a:pPr/>
-              <a:t>9/14/22</a:t>
+              <a:t>9/19/22</a:t>
             </a:fld>
             <a:endParaRPr lang="en-US"/>
           </a:p>
@@ -4065,7 +4066,7 @@
             <a:fld id="{4EBF4C98-3CD6-4C87-BD40-5718C2628835}" type="datetime1">
               <a:rPr lang="en-US" smtClean="0"/>
               <a:pPr/>
-              <a:t>9/14/22</a:t>
+              <a:t>9/19/22</a:t>
             </a:fld>
             <a:endParaRPr lang="en-US"/>
           </a:p>
@@ -4471,7 +4472,7 @@
             <a:fld id="{6D6408A8-6B1B-4CDA-875E-7BEECDBA31DF}" type="datetime1">
               <a:rPr lang="en-US" smtClean="0"/>
               <a:pPr/>
-              <a:t>9/14/22</a:t>
+              <a:t>9/19/22</a:t>
             </a:fld>
             <a:endParaRPr lang="en-US"/>
           </a:p>
@@ -4812,7 +4813,7 @@
             <a:fld id="{C55AAF07-D2F5-4B3C-B443-40DE8C337A77}" type="datetime1">
               <a:rPr lang="en-US" smtClean="0"/>
               <a:pPr/>
-              <a:t>9/14/22</a:t>
+              <a:t>9/19/22</a:t>
             </a:fld>
             <a:endParaRPr lang="en-US"/>
           </a:p>
@@ -5656,6 +5657,195 @@
 </p:sld>
 </file>
 
+<file path=ppt/slides/slide11.xml><?xml version="1.0" encoding="utf-8"?>
+<p:sld xmlns:a="http://schemas.openxmlformats.org/drawingml/2006/main" xmlns:r="http://schemas.openxmlformats.org/officeDocument/2006/relationships" xmlns:p="http://schemas.openxmlformats.org/presentationml/2006/main">
+  <p:cSld>
+    <p:spTree>
+      <p:nvGrpSpPr>
+        <p:cNvPr id="1" name=""/>
+        <p:cNvGrpSpPr/>
+        <p:nvPr/>
+      </p:nvGrpSpPr>
+      <p:grpSpPr>
+        <a:xfrm>
+          <a:off x="0" y="0"/>
+          <a:ext cx="0" cy="0"/>
+          <a:chOff x="0" y="0"/>
+          <a:chExt cx="0" cy="0"/>
+        </a:xfrm>
+      </p:grpSpPr>
+      <p:sp>
+        <p:nvSpPr>
+          <p:cNvPr id="6146" name="Rectangle 2"/>
+          <p:cNvSpPr>
+            <a:spLocks noGrp="1" noChangeArrowheads="1"/>
+          </p:cNvSpPr>
+          <p:nvPr>
+            <p:ph type="title"/>
+            <p:custDataLst>
+              <p:tags r:id="rId1"/>
+            </p:custDataLst>
+          </p:nvPr>
+        </p:nvSpPr>
+        <p:spPr>
+          <a:xfrm>
+            <a:off x="2611808" y="533401"/>
+            <a:ext cx="7958331" cy="762000"/>
+          </a:xfrm>
+        </p:spPr>
+        <p:txBody>
+          <a:bodyPr/>
+          <a:lstStyle/>
+          <a:p>
+            <a:r>
+              <a:rPr lang="en-US" dirty="0"/>
+              <a:t>Monday, Sep. 19</a:t>
+            </a:r>
+          </a:p>
+        </p:txBody>
+      </p:sp>
+      <p:sp>
+        <p:nvSpPr>
+          <p:cNvPr id="6147" name="Rectangle 3"/>
+          <p:cNvSpPr>
+            <a:spLocks noGrp="1" noChangeArrowheads="1"/>
+          </p:cNvSpPr>
+          <p:nvPr>
+            <p:ph idx="1"/>
+            <p:custDataLst>
+              <p:tags r:id="rId2"/>
+            </p:custDataLst>
+          </p:nvPr>
+        </p:nvSpPr>
+        <p:spPr>
+          <a:xfrm>
+            <a:off x="1600200" y="1066800"/>
+            <a:ext cx="9067800" cy="5486400"/>
+          </a:xfrm>
+        </p:spPr>
+        <p:txBody>
+          <a:bodyPr>
+            <a:normAutofit fontScale="92500"/>
+          </a:bodyPr>
+          <a:lstStyle/>
+          <a:p>
+            <a:r>
+              <a:rPr lang="en-US" dirty="0"/>
+              <a:t>You should be DONE with module 1 </a:t>
+            </a:r>
+            <a:r>
+              <a:rPr lang="en-US" dirty="0" err="1"/>
+              <a:t>homeworks</a:t>
+            </a:r>
+            <a:r>
+              <a:rPr lang="en-US" dirty="0"/>
+              <a:t>.</a:t>
+            </a:r>
+          </a:p>
+          <a:p>
+            <a:r>
+              <a:rPr lang="en-US" dirty="0"/>
+              <a:t>You should be working on module 2 </a:t>
+            </a:r>
+            <a:r>
+              <a:rPr lang="en-US" dirty="0" err="1"/>
+              <a:t>homeworks</a:t>
+            </a:r>
+            <a:r>
+              <a:rPr lang="en-US" dirty="0"/>
+              <a:t>. </a:t>
+            </a:r>
+          </a:p>
+          <a:p>
+            <a:pPr lvl="1"/>
+            <a:r>
+              <a:rPr lang="en-US" dirty="0"/>
+              <a:t>These ones are tougher so start early and go to OH often if you need it.</a:t>
+            </a:r>
+          </a:p>
+          <a:p>
+            <a:r>
+              <a:rPr lang="en-US" dirty="0"/>
+              <a:t>First quiz is NEXT MONDAY in lecture</a:t>
+            </a:r>
+          </a:p>
+          <a:p>
+            <a:pPr lvl="1"/>
+            <a:r>
+              <a:rPr lang="en-US" dirty="0"/>
+              <a:t>Modules 1-2 only. Each will be ~1.5 pages worth of questions.</a:t>
+            </a:r>
+          </a:p>
+          <a:p>
+            <a:pPr lvl="1"/>
+            <a:r>
+              <a:rPr lang="en-US" dirty="0"/>
+              <a:t>Mixture of T/F, short answer, explaining proofs, designing algorithms, etc.</a:t>
+            </a:r>
+          </a:p>
+          <a:p>
+            <a:r>
+              <a:rPr lang="en-US" dirty="0"/>
+              <a:t>Don’t forget the sorting review videos are up. 2150 folks need to watch those ASAP!</a:t>
+            </a:r>
+          </a:p>
+          <a:p>
+            <a:r>
+              <a:rPr lang="en-US" dirty="0"/>
+              <a:t>I will post Friday’s recording soon (sorry about that)</a:t>
+            </a:r>
+          </a:p>
+          <a:p>
+            <a:r>
+              <a:rPr lang="en-US" dirty="0"/>
+              <a:t>We are moving to Gilmer this Wednesday. Today is our last class in this room.</a:t>
+            </a:r>
+          </a:p>
+          <a:p>
+            <a:r>
+              <a:rPr lang="en-US" dirty="0"/>
+              <a:t>Today we start module 3. Divide-and-conquer!!</a:t>
+            </a:r>
+          </a:p>
+        </p:txBody>
+      </p:sp>
+      <p:sp>
+        <p:nvSpPr>
+          <p:cNvPr id="4" name="Slide Number Placeholder 3"/>
+          <p:cNvSpPr>
+            <a:spLocks noGrp="1"/>
+          </p:cNvSpPr>
+          <p:nvPr>
+            <p:ph type="sldNum" sz="quarter" idx="12"/>
+          </p:nvPr>
+        </p:nvSpPr>
+        <p:spPr/>
+        <p:txBody>
+          <a:bodyPr/>
+          <a:lstStyle/>
+          <a:p>
+            <a:fld id="{F26D9103-0C5C-48AC-B68E-3ED2C1647047}" type="slidenum">
+              <a:rPr lang="en-US" smtClean="0"/>
+              <a:pPr/>
+              <a:t>11</a:t>
+            </a:fld>
+            <a:endParaRPr lang="en-US" dirty="0"/>
+          </a:p>
+        </p:txBody>
+      </p:sp>
+    </p:spTree>
+    <p:extLst>
+      <p:ext uri="{BB962C8B-B14F-4D97-AF65-F5344CB8AC3E}">
+        <p14:creationId xmlns:p14="http://schemas.microsoft.com/office/powerpoint/2010/main" val="3122691852"/>
+      </p:ext>
+    </p:extLst>
+  </p:cSld>
+  <p:clrMapOvr>
+    <a:masterClrMapping/>
+  </p:clrMapOvr>
+</p:sld>
+</file>
+
 <file path=ppt/slides/slide2.xml><?xml version="1.0" encoding="utf-8"?>
 <p:sld xmlns:a="http://schemas.openxmlformats.org/drawingml/2006/main" xmlns:r="http://schemas.openxmlformats.org/officeDocument/2006/relationships" xmlns:p="http://schemas.openxmlformats.org/presentationml/2006/main">
   <p:cSld>
@@ -7174,6 +7364,18 @@
 </file>
 
 <file path=ppt/tags/tag2.xml><?xml version="1.0" encoding="utf-8"?>
+<p:tagLst xmlns:a="http://schemas.openxmlformats.org/drawingml/2006/main" xmlns:r="http://schemas.openxmlformats.org/officeDocument/2006/relationships" xmlns:p="http://schemas.openxmlformats.org/presentationml/2006/main">
+  <p:tag name="_INSTRUCTOR VIEW19C14C36-AC8E-43BC-9DB6-C2AAF774C7DC|PANE__TAG" val="_"/>
+</p:tagLst>
+</file>
+
+<file path=ppt/tags/tag20.xml><?xml version="1.0" encoding="utf-8"?>
+<p:tagLst xmlns:a="http://schemas.openxmlformats.org/drawingml/2006/main" xmlns:r="http://schemas.openxmlformats.org/officeDocument/2006/relationships" xmlns:p="http://schemas.openxmlformats.org/presentationml/2006/main">
+  <p:tag name="_INSTRUCTOR VIEW19C14C36-AC8E-43BC-9DB6-C2AAF774C7DC|PANE__TAG" val="_"/>
+</p:tagLst>
+</file>
+
+<file path=ppt/tags/tag21.xml><?xml version="1.0" encoding="utf-8"?>
 <p:tagLst xmlns:a="http://schemas.openxmlformats.org/drawingml/2006/main" xmlns:r="http://schemas.openxmlformats.org/officeDocument/2006/relationships" xmlns:p="http://schemas.openxmlformats.org/presentationml/2006/main">
   <p:tag name="_INSTRUCTOR VIEW19C14C36-AC8E-43BC-9DB6-C2AAF774C7DC|PANE__TAG" val="_"/>
 </p:tagLst>

--- a/slides/dailyannouncements.pptx
+++ b/slides/dailyannouncements.pptx
@@ -5,10 +5,10 @@
     <p:sldMasterId id="2147483752" r:id="rId1"/>
   </p:sldMasterIdLst>
   <p:notesMasterIdLst>
-    <p:notesMasterId r:id="rId13"/>
+    <p:notesMasterId r:id="rId14"/>
   </p:notesMasterIdLst>
   <p:handoutMasterIdLst>
-    <p:handoutMasterId r:id="rId14"/>
+    <p:handoutMasterId r:id="rId15"/>
   </p:handoutMasterIdLst>
   <p:sldIdLst>
     <p:sldId id="447" r:id="rId2"/>
@@ -22,11 +22,12 @@
     <p:sldId id="512" r:id="rId10"/>
     <p:sldId id="513" r:id="rId11"/>
     <p:sldId id="514" r:id="rId12"/>
+    <p:sldId id="515" r:id="rId13"/>
   </p:sldIdLst>
   <p:sldSz cx="12192000" cy="6858000"/>
   <p:notesSz cx="7315200" cy="9601200"/>
   <p:custDataLst>
-    <p:tags r:id="rId15"/>
+    <p:tags r:id="rId16"/>
   </p:custDataLst>
   <p:defaultTextStyle>
     <a:defPPr>
@@ -1114,7 +1115,7 @@
             <a:fld id="{E4886CB5-510A-4EF6-9466-BC7A8F0DDE87}" type="datetime1">
               <a:rPr lang="en-US" smtClean="0"/>
               <a:pPr/>
-              <a:t>9/19/22</a:t>
+              <a:t>9/21/22</a:t>
             </a:fld>
             <a:endParaRPr lang="en-US"/>
           </a:p>
@@ -1451,7 +1452,7 @@
             <a:fld id="{9B297853-24B4-4D05-83E4-0AD2E86C55E5}" type="datetime1">
               <a:rPr lang="en-US" smtClean="0"/>
               <a:pPr/>
-              <a:t>9/19/22</a:t>
+              <a:t>9/21/22</a:t>
             </a:fld>
             <a:endParaRPr lang="en-US"/>
           </a:p>
@@ -1756,7 +1757,7 @@
             <a:fld id="{01FCDD9E-5768-4705-9537-0C020B1BB310}" type="datetime1">
               <a:rPr lang="en-US" smtClean="0"/>
               <a:pPr/>
-              <a:t>9/19/22</a:t>
+              <a:t>9/21/22</a:t>
             </a:fld>
             <a:endParaRPr lang="en-US"/>
           </a:p>
@@ -2006,7 +2007,7 @@
             <a:fld id="{4257C27E-59C2-41CA-9776-94955CBEE440}" type="datetime1">
               <a:rPr lang="en-US" smtClean="0"/>
               <a:pPr/>
-              <a:t>9/19/22</a:t>
+              <a:t>9/21/22</a:t>
             </a:fld>
             <a:endParaRPr lang="en-US"/>
           </a:p>
@@ -2416,7 +2417,7 @@
             <a:fld id="{03180747-A137-49C6-9C74-AB7EE86F4904}" type="datetime1">
               <a:rPr lang="en-US" smtClean="0"/>
               <a:pPr/>
-              <a:t>9/19/22</a:t>
+              <a:t>9/21/22</a:t>
             </a:fld>
             <a:endParaRPr lang="en-US"/>
           </a:p>
@@ -2733,7 +2734,7 @@
             <a:fld id="{EBBA31D9-ADC1-480D-86A8-1EAFB6A86A35}" type="datetime1">
               <a:rPr lang="en-US" smtClean="0"/>
               <a:pPr/>
-              <a:t>9/19/22</a:t>
+              <a:t>9/21/22</a:t>
             </a:fld>
             <a:endParaRPr lang="en-US"/>
           </a:p>
@@ -3280,7 +3281,7 @@
             <a:fld id="{80AAE9AE-3B2F-4DEA-8C41-BDDF4CDF6F40}" type="datetime1">
               <a:rPr lang="en-US" smtClean="0"/>
               <a:pPr/>
-              <a:t>9/19/22</a:t>
+              <a:t>9/21/22</a:t>
             </a:fld>
             <a:endParaRPr lang="en-US"/>
           </a:p>
@@ -3478,7 +3479,7 @@
             <a:fld id="{48252F7F-E8FE-413B-8521-D4ED924C6DE5}" type="datetime1">
               <a:rPr lang="en-US" smtClean="0"/>
               <a:pPr/>
-              <a:t>9/19/22</a:t>
+              <a:t>9/21/22</a:t>
             </a:fld>
             <a:endParaRPr lang="en-US"/>
           </a:p>
@@ -3694,7 +3695,7 @@
             <a:fld id="{2FF1B124-70E3-4E4A-90E2-6B55DB7659B3}" type="datetime1">
               <a:rPr lang="en-US" smtClean="0"/>
               <a:pPr/>
-              <a:t>9/19/22</a:t>
+              <a:t>9/21/22</a:t>
             </a:fld>
             <a:endParaRPr lang="en-US"/>
           </a:p>
@@ -4066,7 +4067,7 @@
             <a:fld id="{4EBF4C98-3CD6-4C87-BD40-5718C2628835}" type="datetime1">
               <a:rPr lang="en-US" smtClean="0"/>
               <a:pPr/>
-              <a:t>9/19/22</a:t>
+              <a:t>9/21/22</a:t>
             </a:fld>
             <a:endParaRPr lang="en-US"/>
           </a:p>
@@ -4472,7 +4473,7 @@
             <a:fld id="{6D6408A8-6B1B-4CDA-875E-7BEECDBA31DF}" type="datetime1">
               <a:rPr lang="en-US" smtClean="0"/>
               <a:pPr/>
-              <a:t>9/19/22</a:t>
+              <a:t>9/21/22</a:t>
             </a:fld>
             <a:endParaRPr lang="en-US"/>
           </a:p>
@@ -4813,7 +4814,7 @@
             <a:fld id="{C55AAF07-D2F5-4B3C-B443-40DE8C337A77}" type="datetime1">
               <a:rPr lang="en-US" smtClean="0"/>
               <a:pPr/>
-              <a:t>9/19/22</a:t>
+              <a:t>9/21/22</a:t>
             </a:fld>
             <a:endParaRPr lang="en-US"/>
           </a:p>
@@ -5846,6 +5847,187 @@
 </p:sld>
 </file>
 
+<file path=ppt/slides/slide12.xml><?xml version="1.0" encoding="utf-8"?>
+<p:sld xmlns:a="http://schemas.openxmlformats.org/drawingml/2006/main" xmlns:r="http://schemas.openxmlformats.org/officeDocument/2006/relationships" xmlns:p="http://schemas.openxmlformats.org/presentationml/2006/main">
+  <p:cSld>
+    <p:spTree>
+      <p:nvGrpSpPr>
+        <p:cNvPr id="1" name=""/>
+        <p:cNvGrpSpPr/>
+        <p:nvPr/>
+      </p:nvGrpSpPr>
+      <p:grpSpPr>
+        <a:xfrm>
+          <a:off x="0" y="0"/>
+          <a:ext cx="0" cy="0"/>
+          <a:chOff x="0" y="0"/>
+          <a:chExt cx="0" cy="0"/>
+        </a:xfrm>
+      </p:grpSpPr>
+      <p:sp>
+        <p:nvSpPr>
+          <p:cNvPr id="6146" name="Rectangle 2"/>
+          <p:cNvSpPr>
+            <a:spLocks noGrp="1" noChangeArrowheads="1"/>
+          </p:cNvSpPr>
+          <p:nvPr>
+            <p:ph type="title"/>
+            <p:custDataLst>
+              <p:tags r:id="rId1"/>
+            </p:custDataLst>
+          </p:nvPr>
+        </p:nvSpPr>
+        <p:spPr>
+          <a:xfrm>
+            <a:off x="2611808" y="533401"/>
+            <a:ext cx="7958331" cy="762000"/>
+          </a:xfrm>
+        </p:spPr>
+        <p:txBody>
+          <a:bodyPr/>
+          <a:lstStyle/>
+          <a:p>
+            <a:r>
+              <a:rPr lang="en-US" dirty="0"/>
+              <a:t>Wednesday, Sep. 21</a:t>
+            </a:r>
+          </a:p>
+        </p:txBody>
+      </p:sp>
+      <p:sp>
+        <p:nvSpPr>
+          <p:cNvPr id="6147" name="Rectangle 3"/>
+          <p:cNvSpPr>
+            <a:spLocks noGrp="1" noChangeArrowheads="1"/>
+          </p:cNvSpPr>
+          <p:nvPr>
+            <p:ph idx="1"/>
+            <p:custDataLst>
+              <p:tags r:id="rId2"/>
+            </p:custDataLst>
+          </p:nvPr>
+        </p:nvSpPr>
+        <p:spPr>
+          <a:xfrm>
+            <a:off x="1600200" y="1066800"/>
+            <a:ext cx="9067800" cy="5486400"/>
+          </a:xfrm>
+        </p:spPr>
+        <p:txBody>
+          <a:bodyPr>
+            <a:normAutofit lnSpcReduction="10000"/>
+          </a:bodyPr>
+          <a:lstStyle/>
+          <a:p>
+            <a:r>
+              <a:rPr lang="en-US" dirty="0"/>
+              <a:t>It is officially Fall...I think? Yay!</a:t>
+            </a:r>
+          </a:p>
+          <a:p>
+            <a:r>
+              <a:rPr lang="en-US" dirty="0"/>
+              <a:t>You should be working on module 2 </a:t>
+            </a:r>
+            <a:r>
+              <a:rPr lang="en-US" dirty="0" err="1"/>
+              <a:t>homeworks</a:t>
+            </a:r>
+            <a:r>
+              <a:rPr lang="en-US" dirty="0"/>
+              <a:t>. </a:t>
+            </a:r>
+          </a:p>
+          <a:p>
+            <a:pPr lvl="1"/>
+            <a:r>
+              <a:rPr lang="en-US" dirty="0"/>
+              <a:t>These ones are tougher so start early and go to OH often if you need it.</a:t>
+            </a:r>
+          </a:p>
+          <a:p>
+            <a:r>
+              <a:rPr lang="en-US" dirty="0"/>
+              <a:t>First quiz is NEXT MONDAY in lecture</a:t>
+            </a:r>
+          </a:p>
+          <a:p>
+            <a:pPr lvl="1"/>
+            <a:r>
+              <a:rPr lang="en-US" dirty="0"/>
+              <a:t>Modules 1-2 only. Each will be ~1.5 pages worth of questions.</a:t>
+            </a:r>
+          </a:p>
+          <a:p>
+            <a:pPr lvl="1"/>
+            <a:r>
+              <a:rPr lang="en-US" dirty="0"/>
+              <a:t>Mixture of T/F, short answer, explaining proofs, designing algorithms, etc.</a:t>
+            </a:r>
+          </a:p>
+          <a:p>
+            <a:r>
+              <a:rPr lang="en-US" dirty="0"/>
+              <a:t>Don’t forget the sorting review videos are up. 2150 folks need to watch those ASAP!</a:t>
+            </a:r>
+          </a:p>
+          <a:p>
+            <a:r>
+              <a:rPr lang="en-US" dirty="0"/>
+              <a:t>Last Friday’s slides and recording are now posted.</a:t>
+            </a:r>
+          </a:p>
+          <a:p>
+            <a:r>
+              <a:rPr lang="en-US" dirty="0"/>
+              <a:t>We are finally in Gilmer, this is great!</a:t>
+            </a:r>
+          </a:p>
+          <a:p>
+            <a:r>
+              <a:rPr lang="en-US" dirty="0"/>
+              <a:t>Today we continue module 3. Divide-and-conquer!!</a:t>
+            </a:r>
+          </a:p>
+        </p:txBody>
+      </p:sp>
+      <p:sp>
+        <p:nvSpPr>
+          <p:cNvPr id="4" name="Slide Number Placeholder 3"/>
+          <p:cNvSpPr>
+            <a:spLocks noGrp="1"/>
+          </p:cNvSpPr>
+          <p:nvPr>
+            <p:ph type="sldNum" sz="quarter" idx="12"/>
+          </p:nvPr>
+        </p:nvSpPr>
+        <p:spPr/>
+        <p:txBody>
+          <a:bodyPr/>
+          <a:lstStyle/>
+          <a:p>
+            <a:fld id="{F26D9103-0C5C-48AC-B68E-3ED2C1647047}" type="slidenum">
+              <a:rPr lang="en-US" smtClean="0"/>
+              <a:pPr/>
+              <a:t>12</a:t>
+            </a:fld>
+            <a:endParaRPr lang="en-US" dirty="0"/>
+          </a:p>
+        </p:txBody>
+      </p:sp>
+    </p:spTree>
+    <p:extLst>
+      <p:ext uri="{BB962C8B-B14F-4D97-AF65-F5344CB8AC3E}">
+        <p14:creationId xmlns:p14="http://schemas.microsoft.com/office/powerpoint/2010/main" val="1624205218"/>
+      </p:ext>
+    </p:extLst>
+  </p:cSld>
+  <p:clrMapOvr>
+    <a:masterClrMapping/>
+  </p:clrMapOvr>
+</p:sld>
+</file>
+
 <file path=ppt/slides/slide2.xml><?xml version="1.0" encoding="utf-8"?>
 <p:sld xmlns:a="http://schemas.openxmlformats.org/drawingml/2006/main" xmlns:r="http://schemas.openxmlformats.org/officeDocument/2006/relationships" xmlns:p="http://schemas.openxmlformats.org/presentationml/2006/main">
   <p:cSld>
@@ -7376,6 +7558,18 @@
 </file>
 
 <file path=ppt/tags/tag21.xml><?xml version="1.0" encoding="utf-8"?>
+<p:tagLst xmlns:a="http://schemas.openxmlformats.org/drawingml/2006/main" xmlns:r="http://schemas.openxmlformats.org/officeDocument/2006/relationships" xmlns:p="http://schemas.openxmlformats.org/presentationml/2006/main">
+  <p:tag name="_INSTRUCTOR VIEW19C14C36-AC8E-43BC-9DB6-C2AAF774C7DC|PANE__TAG" val="_"/>
+</p:tagLst>
+</file>
+
+<file path=ppt/tags/tag22.xml><?xml version="1.0" encoding="utf-8"?>
+<p:tagLst xmlns:a="http://schemas.openxmlformats.org/drawingml/2006/main" xmlns:r="http://schemas.openxmlformats.org/officeDocument/2006/relationships" xmlns:p="http://schemas.openxmlformats.org/presentationml/2006/main">
+  <p:tag name="_INSTRUCTOR VIEW19C14C36-AC8E-43BC-9DB6-C2AAF774C7DC|PANE__TAG" val="_"/>
+</p:tagLst>
+</file>
+
+<file path=ppt/tags/tag23.xml><?xml version="1.0" encoding="utf-8"?>
 <p:tagLst xmlns:a="http://schemas.openxmlformats.org/drawingml/2006/main" xmlns:r="http://schemas.openxmlformats.org/officeDocument/2006/relationships" xmlns:p="http://schemas.openxmlformats.org/presentationml/2006/main">
   <p:tag name="_INSTRUCTOR VIEW19C14C36-AC8E-43BC-9DB6-C2AAF774C7DC|PANE__TAG" val="_"/>
 </p:tagLst>

--- a/slides/dailyannouncements.pptx
+++ b/slides/dailyannouncements.pptx
@@ -5,10 +5,10 @@
     <p:sldMasterId id="2147483752" r:id="rId1"/>
   </p:sldMasterIdLst>
   <p:notesMasterIdLst>
-    <p:notesMasterId r:id="rId14"/>
+    <p:notesMasterId r:id="rId15"/>
   </p:notesMasterIdLst>
   <p:handoutMasterIdLst>
-    <p:handoutMasterId r:id="rId15"/>
+    <p:handoutMasterId r:id="rId16"/>
   </p:handoutMasterIdLst>
   <p:sldIdLst>
     <p:sldId id="447" r:id="rId2"/>
@@ -23,11 +23,12 @@
     <p:sldId id="513" r:id="rId11"/>
     <p:sldId id="514" r:id="rId12"/>
     <p:sldId id="515" r:id="rId13"/>
+    <p:sldId id="516" r:id="rId14"/>
   </p:sldIdLst>
   <p:sldSz cx="12192000" cy="6858000"/>
   <p:notesSz cx="7315200" cy="9601200"/>
   <p:custDataLst>
-    <p:tags r:id="rId16"/>
+    <p:tags r:id="rId17"/>
   </p:custDataLst>
   <p:defaultTextStyle>
     <a:defPPr>
@@ -1115,7 +1116,7 @@
             <a:fld id="{E4886CB5-510A-4EF6-9466-BC7A8F0DDE87}" type="datetime1">
               <a:rPr lang="en-US" smtClean="0"/>
               <a:pPr/>
-              <a:t>9/21/22</a:t>
+              <a:t>9/23/22</a:t>
             </a:fld>
             <a:endParaRPr lang="en-US"/>
           </a:p>
@@ -1452,7 +1453,7 @@
             <a:fld id="{9B297853-24B4-4D05-83E4-0AD2E86C55E5}" type="datetime1">
               <a:rPr lang="en-US" smtClean="0"/>
               <a:pPr/>
-              <a:t>9/21/22</a:t>
+              <a:t>9/23/22</a:t>
             </a:fld>
             <a:endParaRPr lang="en-US"/>
           </a:p>
@@ -1757,7 +1758,7 @@
             <a:fld id="{01FCDD9E-5768-4705-9537-0C020B1BB310}" type="datetime1">
               <a:rPr lang="en-US" smtClean="0"/>
               <a:pPr/>
-              <a:t>9/21/22</a:t>
+              <a:t>9/23/22</a:t>
             </a:fld>
             <a:endParaRPr lang="en-US"/>
           </a:p>
@@ -2007,7 +2008,7 @@
             <a:fld id="{4257C27E-59C2-41CA-9776-94955CBEE440}" type="datetime1">
               <a:rPr lang="en-US" smtClean="0"/>
               <a:pPr/>
-              <a:t>9/21/22</a:t>
+              <a:t>9/23/22</a:t>
             </a:fld>
             <a:endParaRPr lang="en-US"/>
           </a:p>
@@ -2417,7 +2418,7 @@
             <a:fld id="{03180747-A137-49C6-9C74-AB7EE86F4904}" type="datetime1">
               <a:rPr lang="en-US" smtClean="0"/>
               <a:pPr/>
-              <a:t>9/21/22</a:t>
+              <a:t>9/23/22</a:t>
             </a:fld>
             <a:endParaRPr lang="en-US"/>
           </a:p>
@@ -2734,7 +2735,7 @@
             <a:fld id="{EBBA31D9-ADC1-480D-86A8-1EAFB6A86A35}" type="datetime1">
               <a:rPr lang="en-US" smtClean="0"/>
               <a:pPr/>
-              <a:t>9/21/22</a:t>
+              <a:t>9/23/22</a:t>
             </a:fld>
             <a:endParaRPr lang="en-US"/>
           </a:p>
@@ -3281,7 +3282,7 @@
             <a:fld id="{80AAE9AE-3B2F-4DEA-8C41-BDDF4CDF6F40}" type="datetime1">
               <a:rPr lang="en-US" smtClean="0"/>
               <a:pPr/>
-              <a:t>9/21/22</a:t>
+              <a:t>9/23/22</a:t>
             </a:fld>
             <a:endParaRPr lang="en-US"/>
           </a:p>
@@ -3479,7 +3480,7 @@
             <a:fld id="{48252F7F-E8FE-413B-8521-D4ED924C6DE5}" type="datetime1">
               <a:rPr lang="en-US" smtClean="0"/>
               <a:pPr/>
-              <a:t>9/21/22</a:t>
+              <a:t>9/23/22</a:t>
             </a:fld>
             <a:endParaRPr lang="en-US"/>
           </a:p>
@@ -3695,7 +3696,7 @@
             <a:fld id="{2FF1B124-70E3-4E4A-90E2-6B55DB7659B3}" type="datetime1">
               <a:rPr lang="en-US" smtClean="0"/>
               <a:pPr/>
-              <a:t>9/21/22</a:t>
+              <a:t>9/23/22</a:t>
             </a:fld>
             <a:endParaRPr lang="en-US"/>
           </a:p>
@@ -4067,7 +4068,7 @@
             <a:fld id="{4EBF4C98-3CD6-4C87-BD40-5718C2628835}" type="datetime1">
               <a:rPr lang="en-US" smtClean="0"/>
               <a:pPr/>
-              <a:t>9/21/22</a:t>
+              <a:t>9/23/22</a:t>
             </a:fld>
             <a:endParaRPr lang="en-US"/>
           </a:p>
@@ -4473,7 +4474,7 @@
             <a:fld id="{6D6408A8-6B1B-4CDA-875E-7BEECDBA31DF}" type="datetime1">
               <a:rPr lang="en-US" smtClean="0"/>
               <a:pPr/>
-              <a:t>9/21/22</a:t>
+              <a:t>9/23/22</a:t>
             </a:fld>
             <a:endParaRPr lang="en-US"/>
           </a:p>
@@ -4814,7 +4815,7 @@
             <a:fld id="{C55AAF07-D2F5-4B3C-B443-40DE8C337A77}" type="datetime1">
               <a:rPr lang="en-US" smtClean="0"/>
               <a:pPr/>
-              <a:t>9/21/22</a:t>
+              <a:t>9/23/22</a:t>
             </a:fld>
             <a:endParaRPr lang="en-US"/>
           </a:p>
@@ -6028,6 +6029,194 @@
 </p:sld>
 </file>
 
+<file path=ppt/slides/slide13.xml><?xml version="1.0" encoding="utf-8"?>
+<p:sld xmlns:a="http://schemas.openxmlformats.org/drawingml/2006/main" xmlns:r="http://schemas.openxmlformats.org/officeDocument/2006/relationships" xmlns:p="http://schemas.openxmlformats.org/presentationml/2006/main">
+  <p:cSld>
+    <p:spTree>
+      <p:nvGrpSpPr>
+        <p:cNvPr id="1" name=""/>
+        <p:cNvGrpSpPr/>
+        <p:nvPr/>
+      </p:nvGrpSpPr>
+      <p:grpSpPr>
+        <a:xfrm>
+          <a:off x="0" y="0"/>
+          <a:ext cx="0" cy="0"/>
+          <a:chOff x="0" y="0"/>
+          <a:chExt cx="0" cy="0"/>
+        </a:xfrm>
+      </p:grpSpPr>
+      <p:sp>
+        <p:nvSpPr>
+          <p:cNvPr id="6146" name="Rectangle 2"/>
+          <p:cNvSpPr>
+            <a:spLocks noGrp="1" noChangeArrowheads="1"/>
+          </p:cNvSpPr>
+          <p:nvPr>
+            <p:ph type="title"/>
+            <p:custDataLst>
+              <p:tags r:id="rId1"/>
+            </p:custDataLst>
+          </p:nvPr>
+        </p:nvSpPr>
+        <p:spPr>
+          <a:xfrm>
+            <a:off x="2611808" y="533401"/>
+            <a:ext cx="7958331" cy="762000"/>
+          </a:xfrm>
+        </p:spPr>
+        <p:txBody>
+          <a:bodyPr/>
+          <a:lstStyle/>
+          <a:p>
+            <a:r>
+              <a:rPr lang="en-US" dirty="0"/>
+              <a:t>Friday, Sep. 23</a:t>
+            </a:r>
+          </a:p>
+        </p:txBody>
+      </p:sp>
+      <p:sp>
+        <p:nvSpPr>
+          <p:cNvPr id="6147" name="Rectangle 3"/>
+          <p:cNvSpPr>
+            <a:spLocks noGrp="1" noChangeArrowheads="1"/>
+          </p:cNvSpPr>
+          <p:nvPr>
+            <p:ph idx="1"/>
+            <p:custDataLst>
+              <p:tags r:id="rId2"/>
+            </p:custDataLst>
+          </p:nvPr>
+        </p:nvSpPr>
+        <p:spPr>
+          <a:xfrm>
+            <a:off x="1600200" y="1066800"/>
+            <a:ext cx="9067800" cy="5486400"/>
+          </a:xfrm>
+        </p:spPr>
+        <p:txBody>
+          <a:bodyPr>
+            <a:normAutofit fontScale="92500" lnSpcReduction="20000"/>
+          </a:bodyPr>
+          <a:lstStyle/>
+          <a:p>
+            <a:r>
+              <a:rPr lang="en-US" dirty="0"/>
+              <a:t>It is officially cold?</a:t>
+            </a:r>
+          </a:p>
+          <a:p>
+            <a:r>
+              <a:rPr lang="en-US" dirty="0"/>
+              <a:t>You should be working on module 2 </a:t>
+            </a:r>
+            <a:r>
+              <a:rPr lang="en-US" dirty="0" err="1"/>
+              <a:t>homeworks</a:t>
+            </a:r>
+            <a:r>
+              <a:rPr lang="en-US" dirty="0"/>
+              <a:t>. </a:t>
+            </a:r>
+          </a:p>
+          <a:p>
+            <a:pPr lvl="1"/>
+            <a:r>
+              <a:rPr lang="en-US" dirty="0"/>
+              <a:t>Recommended deadline is today but try to be done by next Tuesday at the absolute latest</a:t>
+            </a:r>
+          </a:p>
+          <a:p>
+            <a:pPr lvl="1"/>
+            <a:r>
+              <a:rPr lang="en-US" dirty="0"/>
+              <a:t>Hard deadline (modules 1 and 2) is coming up fast. Oct. 5. No extensions!!</a:t>
+            </a:r>
+          </a:p>
+          <a:p>
+            <a:r>
+              <a:rPr lang="en-US" dirty="0"/>
+              <a:t>First quiz is NEXT MONDAY in lecture</a:t>
+            </a:r>
+          </a:p>
+          <a:p>
+            <a:pPr lvl="1"/>
+            <a:r>
+              <a:rPr lang="en-US" dirty="0"/>
+              <a:t>Modules 1-2 only. Each will be ~1.5 pages worth of questions.</a:t>
+            </a:r>
+          </a:p>
+          <a:p>
+            <a:pPr lvl="1"/>
+            <a:r>
+              <a:rPr lang="en-US" dirty="0"/>
+              <a:t>Mixture of T/F, short answer, explaining proofs, designing algorithms, etc.</a:t>
+            </a:r>
+          </a:p>
+          <a:p>
+            <a:r>
+              <a:rPr lang="en-US" dirty="0"/>
+              <a:t>Don’t forget the sorting review videos are up. 2150 folks need to watch those ASAP!</a:t>
+            </a:r>
+          </a:p>
+          <a:p>
+            <a:r>
+              <a:rPr lang="en-US" dirty="0"/>
+              <a:t>Last Friday’s slides and recording are now posted.</a:t>
+            </a:r>
+          </a:p>
+          <a:p>
+            <a:r>
+              <a:rPr lang="en-US" dirty="0"/>
+              <a:t>We are finally in Gilmer, this is great!</a:t>
+            </a:r>
+          </a:p>
+          <a:p>
+            <a:r>
+              <a:rPr lang="en-US" dirty="0"/>
+              <a:t>Today we continue module 3. Divide-and-conquer!!</a:t>
+            </a:r>
+          </a:p>
+        </p:txBody>
+      </p:sp>
+      <p:sp>
+        <p:nvSpPr>
+          <p:cNvPr id="4" name="Slide Number Placeholder 3"/>
+          <p:cNvSpPr>
+            <a:spLocks noGrp="1"/>
+          </p:cNvSpPr>
+          <p:nvPr>
+            <p:ph type="sldNum" sz="quarter" idx="12"/>
+          </p:nvPr>
+        </p:nvSpPr>
+        <p:spPr/>
+        <p:txBody>
+          <a:bodyPr/>
+          <a:lstStyle/>
+          <a:p>
+            <a:fld id="{F26D9103-0C5C-48AC-B68E-3ED2C1647047}" type="slidenum">
+              <a:rPr lang="en-US" smtClean="0"/>
+              <a:pPr/>
+              <a:t>13</a:t>
+            </a:fld>
+            <a:endParaRPr lang="en-US" dirty="0"/>
+          </a:p>
+        </p:txBody>
+      </p:sp>
+    </p:spTree>
+    <p:extLst>
+      <p:ext uri="{BB962C8B-B14F-4D97-AF65-F5344CB8AC3E}">
+        <p14:creationId xmlns:p14="http://schemas.microsoft.com/office/powerpoint/2010/main" val="12750028"/>
+      </p:ext>
+    </p:extLst>
+  </p:cSld>
+  <p:clrMapOvr>
+    <a:masterClrMapping/>
+  </p:clrMapOvr>
+</p:sld>
+</file>
+
 <file path=ppt/slides/slide2.xml><?xml version="1.0" encoding="utf-8"?>
 <p:sld xmlns:a="http://schemas.openxmlformats.org/drawingml/2006/main" xmlns:r="http://schemas.openxmlformats.org/officeDocument/2006/relationships" xmlns:p="http://schemas.openxmlformats.org/presentationml/2006/main">
   <p:cSld>
@@ -7570,6 +7759,18 @@
 </file>
 
 <file path=ppt/tags/tag23.xml><?xml version="1.0" encoding="utf-8"?>
+<p:tagLst xmlns:a="http://schemas.openxmlformats.org/drawingml/2006/main" xmlns:r="http://schemas.openxmlformats.org/officeDocument/2006/relationships" xmlns:p="http://schemas.openxmlformats.org/presentationml/2006/main">
+  <p:tag name="_INSTRUCTOR VIEW19C14C36-AC8E-43BC-9DB6-C2AAF774C7DC|PANE__TAG" val="_"/>
+</p:tagLst>
+</file>
+
+<file path=ppt/tags/tag24.xml><?xml version="1.0" encoding="utf-8"?>
+<p:tagLst xmlns:a="http://schemas.openxmlformats.org/drawingml/2006/main" xmlns:r="http://schemas.openxmlformats.org/officeDocument/2006/relationships" xmlns:p="http://schemas.openxmlformats.org/presentationml/2006/main">
+  <p:tag name="_INSTRUCTOR VIEW19C14C36-AC8E-43BC-9DB6-C2AAF774C7DC|PANE__TAG" val="_"/>
+</p:tagLst>
+</file>
+
+<file path=ppt/tags/tag25.xml><?xml version="1.0" encoding="utf-8"?>
 <p:tagLst xmlns:a="http://schemas.openxmlformats.org/drawingml/2006/main" xmlns:r="http://schemas.openxmlformats.org/officeDocument/2006/relationships" xmlns:p="http://schemas.openxmlformats.org/presentationml/2006/main">
   <p:tag name="_INSTRUCTOR VIEW19C14C36-AC8E-43BC-9DB6-C2AAF774C7DC|PANE__TAG" val="_"/>
 </p:tagLst>

--- a/slides/dailyannouncements.pptx
+++ b/slides/dailyannouncements.pptx
@@ -5,10 +5,10 @@
     <p:sldMasterId id="2147483752" r:id="rId1"/>
   </p:sldMasterIdLst>
   <p:notesMasterIdLst>
-    <p:notesMasterId r:id="rId15"/>
+    <p:notesMasterId r:id="rId17"/>
   </p:notesMasterIdLst>
   <p:handoutMasterIdLst>
-    <p:handoutMasterId r:id="rId16"/>
+    <p:handoutMasterId r:id="rId18"/>
   </p:handoutMasterIdLst>
   <p:sldIdLst>
     <p:sldId id="447" r:id="rId2"/>
@@ -24,11 +24,13 @@
     <p:sldId id="514" r:id="rId12"/>
     <p:sldId id="515" r:id="rId13"/>
     <p:sldId id="516" r:id="rId14"/>
+    <p:sldId id="517" r:id="rId15"/>
+    <p:sldId id="518" r:id="rId16"/>
   </p:sldIdLst>
   <p:sldSz cx="12192000" cy="6858000"/>
   <p:notesSz cx="7315200" cy="9601200"/>
   <p:custDataLst>
-    <p:tags r:id="rId17"/>
+    <p:tags r:id="rId19"/>
   </p:custDataLst>
   <p:defaultTextStyle>
     <a:defPPr>
@@ -1116,7 +1118,7 @@
             <a:fld id="{E4886CB5-510A-4EF6-9466-BC7A8F0DDE87}" type="datetime1">
               <a:rPr lang="en-US" smtClean="0"/>
               <a:pPr/>
-              <a:t>9/23/22</a:t>
+              <a:t>9/30/22</a:t>
             </a:fld>
             <a:endParaRPr lang="en-US"/>
           </a:p>
@@ -1453,7 +1455,7 @@
             <a:fld id="{9B297853-24B4-4D05-83E4-0AD2E86C55E5}" type="datetime1">
               <a:rPr lang="en-US" smtClean="0"/>
               <a:pPr/>
-              <a:t>9/23/22</a:t>
+              <a:t>9/30/22</a:t>
             </a:fld>
             <a:endParaRPr lang="en-US"/>
           </a:p>
@@ -1758,7 +1760,7 @@
             <a:fld id="{01FCDD9E-5768-4705-9537-0C020B1BB310}" type="datetime1">
               <a:rPr lang="en-US" smtClean="0"/>
               <a:pPr/>
-              <a:t>9/23/22</a:t>
+              <a:t>9/30/22</a:t>
             </a:fld>
             <a:endParaRPr lang="en-US"/>
           </a:p>
@@ -2008,7 +2010,7 @@
             <a:fld id="{4257C27E-59C2-41CA-9776-94955CBEE440}" type="datetime1">
               <a:rPr lang="en-US" smtClean="0"/>
               <a:pPr/>
-              <a:t>9/23/22</a:t>
+              <a:t>9/30/22</a:t>
             </a:fld>
             <a:endParaRPr lang="en-US"/>
           </a:p>
@@ -2418,7 +2420,7 @@
             <a:fld id="{03180747-A137-49C6-9C74-AB7EE86F4904}" type="datetime1">
               <a:rPr lang="en-US" smtClean="0"/>
               <a:pPr/>
-              <a:t>9/23/22</a:t>
+              <a:t>9/30/22</a:t>
             </a:fld>
             <a:endParaRPr lang="en-US"/>
           </a:p>
@@ -2735,7 +2737,7 @@
             <a:fld id="{EBBA31D9-ADC1-480D-86A8-1EAFB6A86A35}" type="datetime1">
               <a:rPr lang="en-US" smtClean="0"/>
               <a:pPr/>
-              <a:t>9/23/22</a:t>
+              <a:t>9/30/22</a:t>
             </a:fld>
             <a:endParaRPr lang="en-US"/>
           </a:p>
@@ -3282,7 +3284,7 @@
             <a:fld id="{80AAE9AE-3B2F-4DEA-8C41-BDDF4CDF6F40}" type="datetime1">
               <a:rPr lang="en-US" smtClean="0"/>
               <a:pPr/>
-              <a:t>9/23/22</a:t>
+              <a:t>9/30/22</a:t>
             </a:fld>
             <a:endParaRPr lang="en-US"/>
           </a:p>
@@ -3480,7 +3482,7 @@
             <a:fld id="{48252F7F-E8FE-413B-8521-D4ED924C6DE5}" type="datetime1">
               <a:rPr lang="en-US" smtClean="0"/>
               <a:pPr/>
-              <a:t>9/23/22</a:t>
+              <a:t>9/30/22</a:t>
             </a:fld>
             <a:endParaRPr lang="en-US"/>
           </a:p>
@@ -3696,7 +3698,7 @@
             <a:fld id="{2FF1B124-70E3-4E4A-90E2-6B55DB7659B3}" type="datetime1">
               <a:rPr lang="en-US" smtClean="0"/>
               <a:pPr/>
-              <a:t>9/23/22</a:t>
+              <a:t>9/30/22</a:t>
             </a:fld>
             <a:endParaRPr lang="en-US"/>
           </a:p>
@@ -4068,7 +4070,7 @@
             <a:fld id="{4EBF4C98-3CD6-4C87-BD40-5718C2628835}" type="datetime1">
               <a:rPr lang="en-US" smtClean="0"/>
               <a:pPr/>
-              <a:t>9/23/22</a:t>
+              <a:t>9/30/22</a:t>
             </a:fld>
             <a:endParaRPr lang="en-US"/>
           </a:p>
@@ -4474,7 +4476,7 @@
             <a:fld id="{6D6408A8-6B1B-4CDA-875E-7BEECDBA31DF}" type="datetime1">
               <a:rPr lang="en-US" smtClean="0"/>
               <a:pPr/>
-              <a:t>9/23/22</a:t>
+              <a:t>9/30/22</a:t>
             </a:fld>
             <a:endParaRPr lang="en-US"/>
           </a:p>
@@ -4815,7 +4817,7 @@
             <a:fld id="{C55AAF07-D2F5-4B3C-B443-40DE8C337A77}" type="datetime1">
               <a:rPr lang="en-US" smtClean="0"/>
               <a:pPr/>
-              <a:t>9/23/22</a:t>
+              <a:t>9/30/22</a:t>
             </a:fld>
             <a:endParaRPr lang="en-US"/>
           </a:p>
@@ -6217,6 +6219,356 @@
 </p:sld>
 </file>
 
+<file path=ppt/slides/slide14.xml><?xml version="1.0" encoding="utf-8"?>
+<p:sld xmlns:a="http://schemas.openxmlformats.org/drawingml/2006/main" xmlns:r="http://schemas.openxmlformats.org/officeDocument/2006/relationships" xmlns:p="http://schemas.openxmlformats.org/presentationml/2006/main">
+  <p:cSld>
+    <p:spTree>
+      <p:nvGrpSpPr>
+        <p:cNvPr id="1" name=""/>
+        <p:cNvGrpSpPr/>
+        <p:nvPr/>
+      </p:nvGrpSpPr>
+      <p:grpSpPr>
+        <a:xfrm>
+          <a:off x="0" y="0"/>
+          <a:ext cx="0" cy="0"/>
+          <a:chOff x="0" y="0"/>
+          <a:chExt cx="0" cy="0"/>
+        </a:xfrm>
+      </p:grpSpPr>
+      <p:sp>
+        <p:nvSpPr>
+          <p:cNvPr id="6146" name="Rectangle 2"/>
+          <p:cNvSpPr>
+            <a:spLocks noGrp="1" noChangeArrowheads="1"/>
+          </p:cNvSpPr>
+          <p:nvPr>
+            <p:ph type="title"/>
+            <p:custDataLst>
+              <p:tags r:id="rId1"/>
+            </p:custDataLst>
+          </p:nvPr>
+        </p:nvSpPr>
+        <p:spPr>
+          <a:xfrm>
+            <a:off x="2611808" y="533401"/>
+            <a:ext cx="7958331" cy="762000"/>
+          </a:xfrm>
+        </p:spPr>
+        <p:txBody>
+          <a:bodyPr/>
+          <a:lstStyle/>
+          <a:p>
+            <a:r>
+              <a:rPr lang="en-US" dirty="0"/>
+              <a:t>Wednesday, Sep. 28</a:t>
+            </a:r>
+          </a:p>
+        </p:txBody>
+      </p:sp>
+      <p:sp>
+        <p:nvSpPr>
+          <p:cNvPr id="6147" name="Rectangle 3"/>
+          <p:cNvSpPr>
+            <a:spLocks noGrp="1" noChangeArrowheads="1"/>
+          </p:cNvSpPr>
+          <p:nvPr>
+            <p:ph idx="1"/>
+            <p:custDataLst>
+              <p:tags r:id="rId2"/>
+            </p:custDataLst>
+          </p:nvPr>
+        </p:nvSpPr>
+        <p:spPr>
+          <a:xfrm>
+            <a:off x="1600200" y="1066800"/>
+            <a:ext cx="9067800" cy="5638800"/>
+          </a:xfrm>
+        </p:spPr>
+        <p:txBody>
+          <a:bodyPr>
+            <a:normAutofit/>
+          </a:bodyPr>
+          <a:lstStyle/>
+          <a:p>
+            <a:r>
+              <a:rPr lang="en-US" dirty="0"/>
+              <a:t>You should be working on module 2 </a:t>
+            </a:r>
+            <a:r>
+              <a:rPr lang="en-US" dirty="0" err="1"/>
+              <a:t>homeworks</a:t>
+            </a:r>
+            <a:r>
+              <a:rPr lang="en-US" dirty="0"/>
+              <a:t>. </a:t>
+            </a:r>
+          </a:p>
+          <a:p>
+            <a:pPr lvl="1"/>
+            <a:r>
+              <a:rPr lang="en-US" dirty="0"/>
+              <a:t>Written assignment will get feedback if submitted by Thursday</a:t>
+            </a:r>
+          </a:p>
+          <a:p>
+            <a:r>
+              <a:rPr lang="en-US" dirty="0"/>
+              <a:t>Hard deadline for modules 1-2 fast approaching (Oct. 5)</a:t>
+            </a:r>
+          </a:p>
+          <a:p>
+            <a:r>
+              <a:rPr lang="en-US" dirty="0"/>
+              <a:t>The quiz was on Monday</a:t>
+            </a:r>
+          </a:p>
+          <a:p>
+            <a:pPr lvl="1"/>
+            <a:r>
+              <a:rPr lang="en-US" dirty="0"/>
+              <a:t>It will be graded soon (I think by end of the week)</a:t>
+            </a:r>
+          </a:p>
+          <a:p>
+            <a:pPr lvl="1"/>
+            <a:r>
+              <a:rPr lang="en-US" dirty="0"/>
+              <a:t>Quick poll on how the quiz went?</a:t>
+            </a:r>
+          </a:p>
+          <a:p>
+            <a:r>
+              <a:rPr lang="en-US" dirty="0"/>
+              <a:t>If you haven’t watched those sorting reviews, that is bad. You need it today!</a:t>
+            </a:r>
+          </a:p>
+          <a:p>
+            <a:r>
+              <a:rPr lang="en-US" dirty="0"/>
+              <a:t>We are out of the CS2150 / DSA1 Divide now. Yay!</a:t>
+            </a:r>
+          </a:p>
+          <a:p>
+            <a:r>
+              <a:rPr lang="en-US" dirty="0"/>
+              <a:t>Today we continue module 3. Closest pair of points!!</a:t>
+            </a:r>
+          </a:p>
+        </p:txBody>
+      </p:sp>
+      <p:sp>
+        <p:nvSpPr>
+          <p:cNvPr id="4" name="Slide Number Placeholder 3"/>
+          <p:cNvSpPr>
+            <a:spLocks noGrp="1"/>
+          </p:cNvSpPr>
+          <p:nvPr>
+            <p:ph type="sldNum" sz="quarter" idx="12"/>
+          </p:nvPr>
+        </p:nvSpPr>
+        <p:spPr/>
+        <p:txBody>
+          <a:bodyPr/>
+          <a:lstStyle/>
+          <a:p>
+            <a:fld id="{F26D9103-0C5C-48AC-B68E-3ED2C1647047}" type="slidenum">
+              <a:rPr lang="en-US" smtClean="0"/>
+              <a:pPr/>
+              <a:t>14</a:t>
+            </a:fld>
+            <a:endParaRPr lang="en-US" dirty="0"/>
+          </a:p>
+        </p:txBody>
+      </p:sp>
+    </p:spTree>
+    <p:extLst>
+      <p:ext uri="{BB962C8B-B14F-4D97-AF65-F5344CB8AC3E}">
+        <p14:creationId xmlns:p14="http://schemas.microsoft.com/office/powerpoint/2010/main" val="1486485099"/>
+      </p:ext>
+    </p:extLst>
+  </p:cSld>
+  <p:clrMapOvr>
+    <a:masterClrMapping/>
+  </p:clrMapOvr>
+</p:sld>
+</file>
+
+<file path=ppt/slides/slide15.xml><?xml version="1.0" encoding="utf-8"?>
+<p:sld xmlns:a="http://schemas.openxmlformats.org/drawingml/2006/main" xmlns:r="http://schemas.openxmlformats.org/officeDocument/2006/relationships" xmlns:p="http://schemas.openxmlformats.org/presentationml/2006/main">
+  <p:cSld>
+    <p:spTree>
+      <p:nvGrpSpPr>
+        <p:cNvPr id="1" name=""/>
+        <p:cNvGrpSpPr/>
+        <p:nvPr/>
+      </p:nvGrpSpPr>
+      <p:grpSpPr>
+        <a:xfrm>
+          <a:off x="0" y="0"/>
+          <a:ext cx="0" cy="0"/>
+          <a:chOff x="0" y="0"/>
+          <a:chExt cx="0" cy="0"/>
+        </a:xfrm>
+      </p:grpSpPr>
+      <p:sp>
+        <p:nvSpPr>
+          <p:cNvPr id="6146" name="Rectangle 2"/>
+          <p:cNvSpPr>
+            <a:spLocks noGrp="1" noChangeArrowheads="1"/>
+          </p:cNvSpPr>
+          <p:nvPr>
+            <p:ph type="title"/>
+            <p:custDataLst>
+              <p:tags r:id="rId1"/>
+            </p:custDataLst>
+          </p:nvPr>
+        </p:nvSpPr>
+        <p:spPr>
+          <a:xfrm>
+            <a:off x="2611808" y="533401"/>
+            <a:ext cx="7958331" cy="762000"/>
+          </a:xfrm>
+        </p:spPr>
+        <p:txBody>
+          <a:bodyPr/>
+          <a:lstStyle/>
+          <a:p>
+            <a:r>
+              <a:rPr lang="en-US" dirty="0"/>
+              <a:t>Friday, Sep. 30</a:t>
+            </a:r>
+          </a:p>
+        </p:txBody>
+      </p:sp>
+      <p:sp>
+        <p:nvSpPr>
+          <p:cNvPr id="6147" name="Rectangle 3"/>
+          <p:cNvSpPr>
+            <a:spLocks noGrp="1" noChangeArrowheads="1"/>
+          </p:cNvSpPr>
+          <p:nvPr>
+            <p:ph idx="1"/>
+            <p:custDataLst>
+              <p:tags r:id="rId2"/>
+            </p:custDataLst>
+          </p:nvPr>
+        </p:nvSpPr>
+        <p:spPr>
+          <a:xfrm>
+            <a:off x="1600200" y="1066800"/>
+            <a:ext cx="9067800" cy="5638800"/>
+          </a:xfrm>
+        </p:spPr>
+        <p:txBody>
+          <a:bodyPr>
+            <a:normAutofit/>
+          </a:bodyPr>
+          <a:lstStyle/>
+          <a:p>
+            <a:r>
+              <a:rPr lang="en-US" dirty="0"/>
+              <a:t>Many of you submitted written assignment by last night. Good job!!</a:t>
+            </a:r>
+          </a:p>
+          <a:p>
+            <a:r>
+              <a:rPr lang="en-US" dirty="0"/>
+              <a:t>Hard deadline for modules 1-2 fast approaching (Oct. 5). MANY have not submitted wiring yet. It is pretty tough. </a:t>
+            </a:r>
+          </a:p>
+          <a:p>
+            <a:r>
+              <a:rPr lang="en-US" dirty="0"/>
+              <a:t>Module 3 recommended deadline is about 1 week after break</a:t>
+            </a:r>
+          </a:p>
+          <a:p>
+            <a:pPr lvl="1"/>
+            <a:r>
+              <a:rPr lang="en-US" dirty="0"/>
+              <a:t>Schedule says NEXT Friday but no worries if you talk an extra weekend or so.</a:t>
+            </a:r>
+          </a:p>
+          <a:p>
+            <a:pPr lvl="1"/>
+            <a:r>
+              <a:rPr lang="en-US" dirty="0"/>
+              <a:t>You should be starting on this if you are able to.</a:t>
+            </a:r>
+          </a:p>
+          <a:p>
+            <a:r>
+              <a:rPr lang="en-US" dirty="0"/>
+              <a:t>The quiz was on Monday</a:t>
+            </a:r>
+          </a:p>
+          <a:p>
+            <a:pPr lvl="1"/>
+            <a:r>
+              <a:rPr lang="en-US" dirty="0"/>
+              <a:t>It almost graded (but not quite). I’ll send email with passing details, etc. once it is done.</a:t>
+            </a:r>
+          </a:p>
+          <a:p>
+            <a:r>
+              <a:rPr lang="en-US" dirty="0"/>
+              <a:t>We are out of the CS2150 / DSA1 Divide now. Yay!</a:t>
+            </a:r>
+          </a:p>
+          <a:p>
+            <a:r>
+              <a:rPr lang="en-US" dirty="0"/>
+              <a:t>Today we finish module 3. We will be talking about </a:t>
+            </a:r>
+            <a:r>
+              <a:rPr lang="en-US" dirty="0" err="1"/>
+              <a:t>Quickselect</a:t>
+            </a:r>
+            <a:r>
+              <a:rPr lang="en-US" dirty="0"/>
+              <a:t>!!</a:t>
+            </a:r>
+          </a:p>
+        </p:txBody>
+      </p:sp>
+      <p:sp>
+        <p:nvSpPr>
+          <p:cNvPr id="4" name="Slide Number Placeholder 3"/>
+          <p:cNvSpPr>
+            <a:spLocks noGrp="1"/>
+          </p:cNvSpPr>
+          <p:nvPr>
+            <p:ph type="sldNum" sz="quarter" idx="12"/>
+          </p:nvPr>
+        </p:nvSpPr>
+        <p:spPr/>
+        <p:txBody>
+          <a:bodyPr/>
+          <a:lstStyle/>
+          <a:p>
+            <a:fld id="{F26D9103-0C5C-48AC-B68E-3ED2C1647047}" type="slidenum">
+              <a:rPr lang="en-US" smtClean="0"/>
+              <a:pPr/>
+              <a:t>15</a:t>
+            </a:fld>
+            <a:endParaRPr lang="en-US" dirty="0"/>
+          </a:p>
+        </p:txBody>
+      </p:sp>
+    </p:spTree>
+    <p:extLst>
+      <p:ext uri="{BB962C8B-B14F-4D97-AF65-F5344CB8AC3E}">
+        <p14:creationId xmlns:p14="http://schemas.microsoft.com/office/powerpoint/2010/main" val="4035721409"/>
+      </p:ext>
+    </p:extLst>
+  </p:cSld>
+  <p:clrMapOvr>
+    <a:masterClrMapping/>
+  </p:clrMapOvr>
+</p:sld>
+</file>
+
 <file path=ppt/slides/slide2.xml><?xml version="1.0" encoding="utf-8"?>
 <p:sld xmlns:a="http://schemas.openxmlformats.org/drawingml/2006/main" xmlns:r="http://schemas.openxmlformats.org/officeDocument/2006/relationships" xmlns:p="http://schemas.openxmlformats.org/presentationml/2006/main">
   <p:cSld>
@@ -7771,6 +8123,30 @@
 </file>
 
 <file path=ppt/tags/tag25.xml><?xml version="1.0" encoding="utf-8"?>
+<p:tagLst xmlns:a="http://schemas.openxmlformats.org/drawingml/2006/main" xmlns:r="http://schemas.openxmlformats.org/officeDocument/2006/relationships" xmlns:p="http://schemas.openxmlformats.org/presentationml/2006/main">
+  <p:tag name="_INSTRUCTOR VIEW19C14C36-AC8E-43BC-9DB6-C2AAF774C7DC|PANE__TAG" val="_"/>
+</p:tagLst>
+</file>
+
+<file path=ppt/tags/tag26.xml><?xml version="1.0" encoding="utf-8"?>
+<p:tagLst xmlns:a="http://schemas.openxmlformats.org/drawingml/2006/main" xmlns:r="http://schemas.openxmlformats.org/officeDocument/2006/relationships" xmlns:p="http://schemas.openxmlformats.org/presentationml/2006/main">
+  <p:tag name="_INSTRUCTOR VIEW19C14C36-AC8E-43BC-9DB6-C2AAF774C7DC|PANE__TAG" val="_"/>
+</p:tagLst>
+</file>
+
+<file path=ppt/tags/tag27.xml><?xml version="1.0" encoding="utf-8"?>
+<p:tagLst xmlns:a="http://schemas.openxmlformats.org/drawingml/2006/main" xmlns:r="http://schemas.openxmlformats.org/officeDocument/2006/relationships" xmlns:p="http://schemas.openxmlformats.org/presentationml/2006/main">
+  <p:tag name="_INSTRUCTOR VIEW19C14C36-AC8E-43BC-9DB6-C2AAF774C7DC|PANE__TAG" val="_"/>
+</p:tagLst>
+</file>
+
+<file path=ppt/tags/tag28.xml><?xml version="1.0" encoding="utf-8"?>
+<p:tagLst xmlns:a="http://schemas.openxmlformats.org/drawingml/2006/main" xmlns:r="http://schemas.openxmlformats.org/officeDocument/2006/relationships" xmlns:p="http://schemas.openxmlformats.org/presentationml/2006/main">
+  <p:tag name="_INSTRUCTOR VIEW19C14C36-AC8E-43BC-9DB6-C2AAF774C7DC|PANE__TAG" val="_"/>
+</p:tagLst>
+</file>
+
+<file path=ppt/tags/tag29.xml><?xml version="1.0" encoding="utf-8"?>
 <p:tagLst xmlns:a="http://schemas.openxmlformats.org/drawingml/2006/main" xmlns:r="http://schemas.openxmlformats.org/officeDocument/2006/relationships" xmlns:p="http://schemas.openxmlformats.org/presentationml/2006/main">
   <p:tag name="_INSTRUCTOR VIEW19C14C36-AC8E-43BC-9DB6-C2AAF774C7DC|PANE__TAG" val="_"/>
 </p:tagLst>

--- a/slides/dailyannouncements.pptx
+++ b/slides/dailyannouncements.pptx
@@ -5,10 +5,10 @@
     <p:sldMasterId id="2147483752" r:id="rId1"/>
   </p:sldMasterIdLst>
   <p:notesMasterIdLst>
-    <p:notesMasterId r:id="rId17"/>
+    <p:notesMasterId r:id="rId18"/>
   </p:notesMasterIdLst>
   <p:handoutMasterIdLst>
-    <p:handoutMasterId r:id="rId18"/>
+    <p:handoutMasterId r:id="rId19"/>
   </p:handoutMasterIdLst>
   <p:sldIdLst>
     <p:sldId id="447" r:id="rId2"/>
@@ -26,11 +26,12 @@
     <p:sldId id="516" r:id="rId14"/>
     <p:sldId id="517" r:id="rId15"/>
     <p:sldId id="518" r:id="rId16"/>
+    <p:sldId id="519" r:id="rId17"/>
   </p:sldIdLst>
   <p:sldSz cx="12192000" cy="6858000"/>
   <p:notesSz cx="7315200" cy="9601200"/>
   <p:custDataLst>
-    <p:tags r:id="rId19"/>
+    <p:tags r:id="rId20"/>
   </p:custDataLst>
   <p:defaultTextStyle>
     <a:defPPr>
@@ -1118,7 +1119,7 @@
             <a:fld id="{E4886CB5-510A-4EF6-9466-BC7A8F0DDE87}" type="datetime1">
               <a:rPr lang="en-US" smtClean="0"/>
               <a:pPr/>
-              <a:t>9/30/22</a:t>
+              <a:t>10/5/22</a:t>
             </a:fld>
             <a:endParaRPr lang="en-US"/>
           </a:p>
@@ -1455,7 +1456,7 @@
             <a:fld id="{9B297853-24B4-4D05-83E4-0AD2E86C55E5}" type="datetime1">
               <a:rPr lang="en-US" smtClean="0"/>
               <a:pPr/>
-              <a:t>9/30/22</a:t>
+              <a:t>10/5/22</a:t>
             </a:fld>
             <a:endParaRPr lang="en-US"/>
           </a:p>
@@ -1760,7 +1761,7 @@
             <a:fld id="{01FCDD9E-5768-4705-9537-0C020B1BB310}" type="datetime1">
               <a:rPr lang="en-US" smtClean="0"/>
               <a:pPr/>
-              <a:t>9/30/22</a:t>
+              <a:t>10/5/22</a:t>
             </a:fld>
             <a:endParaRPr lang="en-US"/>
           </a:p>
@@ -2010,7 +2011,7 @@
             <a:fld id="{4257C27E-59C2-41CA-9776-94955CBEE440}" type="datetime1">
               <a:rPr lang="en-US" smtClean="0"/>
               <a:pPr/>
-              <a:t>9/30/22</a:t>
+              <a:t>10/5/22</a:t>
             </a:fld>
             <a:endParaRPr lang="en-US"/>
           </a:p>
@@ -2420,7 +2421,7 @@
             <a:fld id="{03180747-A137-49C6-9C74-AB7EE86F4904}" type="datetime1">
               <a:rPr lang="en-US" smtClean="0"/>
               <a:pPr/>
-              <a:t>9/30/22</a:t>
+              <a:t>10/5/22</a:t>
             </a:fld>
             <a:endParaRPr lang="en-US"/>
           </a:p>
@@ -2737,7 +2738,7 @@
             <a:fld id="{EBBA31D9-ADC1-480D-86A8-1EAFB6A86A35}" type="datetime1">
               <a:rPr lang="en-US" smtClean="0"/>
               <a:pPr/>
-              <a:t>9/30/22</a:t>
+              <a:t>10/5/22</a:t>
             </a:fld>
             <a:endParaRPr lang="en-US"/>
           </a:p>
@@ -3284,7 +3285,7 @@
             <a:fld id="{80AAE9AE-3B2F-4DEA-8C41-BDDF4CDF6F40}" type="datetime1">
               <a:rPr lang="en-US" smtClean="0"/>
               <a:pPr/>
-              <a:t>9/30/22</a:t>
+              <a:t>10/5/22</a:t>
             </a:fld>
             <a:endParaRPr lang="en-US"/>
           </a:p>
@@ -3482,7 +3483,7 @@
             <a:fld id="{48252F7F-E8FE-413B-8521-D4ED924C6DE5}" type="datetime1">
               <a:rPr lang="en-US" smtClean="0"/>
               <a:pPr/>
-              <a:t>9/30/22</a:t>
+              <a:t>10/5/22</a:t>
             </a:fld>
             <a:endParaRPr lang="en-US"/>
           </a:p>
@@ -3698,7 +3699,7 @@
             <a:fld id="{2FF1B124-70E3-4E4A-90E2-6B55DB7659B3}" type="datetime1">
               <a:rPr lang="en-US" smtClean="0"/>
               <a:pPr/>
-              <a:t>9/30/22</a:t>
+              <a:t>10/5/22</a:t>
             </a:fld>
             <a:endParaRPr lang="en-US"/>
           </a:p>
@@ -4070,7 +4071,7 @@
             <a:fld id="{4EBF4C98-3CD6-4C87-BD40-5718C2628835}" type="datetime1">
               <a:rPr lang="en-US" smtClean="0"/>
               <a:pPr/>
-              <a:t>9/30/22</a:t>
+              <a:t>10/5/22</a:t>
             </a:fld>
             <a:endParaRPr lang="en-US"/>
           </a:p>
@@ -4476,7 +4477,7 @@
             <a:fld id="{6D6408A8-6B1B-4CDA-875E-7BEECDBA31DF}" type="datetime1">
               <a:rPr lang="en-US" smtClean="0"/>
               <a:pPr/>
-              <a:t>9/30/22</a:t>
+              <a:t>10/5/22</a:t>
             </a:fld>
             <a:endParaRPr lang="en-US"/>
           </a:p>
@@ -4817,7 +4818,7 @@
             <a:fld id="{C55AAF07-D2F5-4B3C-B443-40DE8C337A77}" type="datetime1">
               <a:rPr lang="en-US" smtClean="0"/>
               <a:pPr/>
-              <a:t>9/30/22</a:t>
+              <a:t>10/5/22</a:t>
             </a:fld>
             <a:endParaRPr lang="en-US"/>
           </a:p>
@@ -6569,6 +6570,188 @@
 </p:sld>
 </file>
 
+<file path=ppt/slides/slide16.xml><?xml version="1.0" encoding="utf-8"?>
+<p:sld xmlns:a="http://schemas.openxmlformats.org/drawingml/2006/main" xmlns:r="http://schemas.openxmlformats.org/officeDocument/2006/relationships" xmlns:p="http://schemas.openxmlformats.org/presentationml/2006/main">
+  <p:cSld>
+    <p:spTree>
+      <p:nvGrpSpPr>
+        <p:cNvPr id="1" name=""/>
+        <p:cNvGrpSpPr/>
+        <p:nvPr/>
+      </p:nvGrpSpPr>
+      <p:grpSpPr>
+        <a:xfrm>
+          <a:off x="0" y="0"/>
+          <a:ext cx="0" cy="0"/>
+          <a:chOff x="0" y="0"/>
+          <a:chExt cx="0" cy="0"/>
+        </a:xfrm>
+      </p:grpSpPr>
+      <p:sp>
+        <p:nvSpPr>
+          <p:cNvPr id="6146" name="Rectangle 2"/>
+          <p:cNvSpPr>
+            <a:spLocks noGrp="1" noChangeArrowheads="1"/>
+          </p:cNvSpPr>
+          <p:nvPr>
+            <p:ph type="title"/>
+            <p:custDataLst>
+              <p:tags r:id="rId1"/>
+            </p:custDataLst>
+          </p:nvPr>
+        </p:nvSpPr>
+        <p:spPr>
+          <a:xfrm>
+            <a:off x="2611808" y="533401"/>
+            <a:ext cx="7958331" cy="762000"/>
+          </a:xfrm>
+        </p:spPr>
+        <p:txBody>
+          <a:bodyPr/>
+          <a:lstStyle/>
+          <a:p>
+            <a:r>
+              <a:rPr lang="en-US" dirty="0"/>
+              <a:t>Wednesday, Oct. 5</a:t>
+            </a:r>
+          </a:p>
+        </p:txBody>
+      </p:sp>
+      <p:sp>
+        <p:nvSpPr>
+          <p:cNvPr id="6147" name="Rectangle 3"/>
+          <p:cNvSpPr>
+            <a:spLocks noGrp="1" noChangeArrowheads="1"/>
+          </p:cNvSpPr>
+          <p:nvPr>
+            <p:ph idx="1"/>
+            <p:custDataLst>
+              <p:tags r:id="rId2"/>
+            </p:custDataLst>
+          </p:nvPr>
+        </p:nvSpPr>
+        <p:spPr>
+          <a:xfrm>
+            <a:off x="1600200" y="1066800"/>
+            <a:ext cx="9067800" cy="5638800"/>
+          </a:xfrm>
+        </p:spPr>
+        <p:txBody>
+          <a:bodyPr>
+            <a:normAutofit/>
+          </a:bodyPr>
+          <a:lstStyle/>
+          <a:p>
+            <a:r>
+              <a:rPr lang="en-US" dirty="0"/>
+              <a:t>Written assignments submitted before Thursday are graded. </a:t>
+            </a:r>
+          </a:p>
+          <a:p>
+            <a:r>
+              <a:rPr lang="en-US" dirty="0"/>
+              <a:t>Hard Deadline is Tonight for module 1-2 homework.</a:t>
+            </a:r>
+          </a:p>
+          <a:p>
+            <a:pPr lvl="1"/>
+            <a:r>
+              <a:rPr lang="en-US" dirty="0"/>
+              <a:t>No extensions (you’ve already been given one).</a:t>
+            </a:r>
+          </a:p>
+          <a:p>
+            <a:r>
+              <a:rPr lang="en-US" dirty="0"/>
+              <a:t>Module 3 recommended deadline is this Friday</a:t>
+            </a:r>
+          </a:p>
+          <a:p>
+            <a:pPr lvl="1"/>
+            <a:r>
+              <a:rPr lang="en-US" dirty="0"/>
+              <a:t>But...way more reasonable to shoot for next Monday maybe</a:t>
+            </a:r>
+          </a:p>
+          <a:p>
+            <a:pPr lvl="1"/>
+            <a:r>
+              <a:rPr lang="en-US" dirty="0"/>
+              <a:t>Technically it’s been 2 weeks since we did recurrences and closest pair</a:t>
+            </a:r>
+          </a:p>
+          <a:p>
+            <a:r>
+              <a:rPr lang="en-US" dirty="0"/>
+              <a:t>Quiz was returned. 14/20 pass, 18/20 is high pass. </a:t>
+            </a:r>
+          </a:p>
+          <a:p>
+            <a:pPr lvl="1"/>
+            <a:r>
+              <a:rPr lang="en-US" dirty="0"/>
+              <a:t>If you failed both you are in a hole already. You still have more attempts but now it is already tight. Think about planning out your quiz schedule from here out.</a:t>
+            </a:r>
+          </a:p>
+          <a:p>
+            <a:r>
+              <a:rPr lang="en-US" dirty="0"/>
+              <a:t>New way to pass a module: high-pass the quiz only if </a:t>
+            </a:r>
+            <a:r>
+              <a:rPr lang="en-US" dirty="0" err="1"/>
+              <a:t>hw</a:t>
+            </a:r>
+            <a:r>
+              <a:rPr lang="en-US" dirty="0"/>
+              <a:t> not completed.</a:t>
+            </a:r>
+          </a:p>
+          <a:p>
+            <a:r>
+              <a:rPr lang="en-US" dirty="0"/>
+              <a:t>Today we begin module 4 (Greedy Algorithms)</a:t>
+            </a:r>
+          </a:p>
+        </p:txBody>
+      </p:sp>
+      <p:sp>
+        <p:nvSpPr>
+          <p:cNvPr id="4" name="Slide Number Placeholder 3"/>
+          <p:cNvSpPr>
+            <a:spLocks noGrp="1"/>
+          </p:cNvSpPr>
+          <p:nvPr>
+            <p:ph type="sldNum" sz="quarter" idx="12"/>
+          </p:nvPr>
+        </p:nvSpPr>
+        <p:spPr/>
+        <p:txBody>
+          <a:bodyPr/>
+          <a:lstStyle/>
+          <a:p>
+            <a:fld id="{F26D9103-0C5C-48AC-B68E-3ED2C1647047}" type="slidenum">
+              <a:rPr lang="en-US" smtClean="0"/>
+              <a:pPr/>
+              <a:t>16</a:t>
+            </a:fld>
+            <a:endParaRPr lang="en-US" dirty="0"/>
+          </a:p>
+        </p:txBody>
+      </p:sp>
+    </p:spTree>
+    <p:extLst>
+      <p:ext uri="{BB962C8B-B14F-4D97-AF65-F5344CB8AC3E}">
+        <p14:creationId xmlns:p14="http://schemas.microsoft.com/office/powerpoint/2010/main" val="1077277550"/>
+      </p:ext>
+    </p:extLst>
+  </p:cSld>
+  <p:clrMapOvr>
+    <a:masterClrMapping/>
+  </p:clrMapOvr>
+</p:sld>
+</file>
+
 <file path=ppt/slides/slide2.xml><?xml version="1.0" encoding="utf-8"?>
 <p:sld xmlns:a="http://schemas.openxmlformats.org/drawingml/2006/main" xmlns:r="http://schemas.openxmlformats.org/officeDocument/2006/relationships" xmlns:p="http://schemas.openxmlformats.org/presentationml/2006/main">
   <p:cSld>
@@ -8153,6 +8336,18 @@
 </file>
 
 <file path=ppt/tags/tag3.xml><?xml version="1.0" encoding="utf-8"?>
+<p:tagLst xmlns:a="http://schemas.openxmlformats.org/drawingml/2006/main" xmlns:r="http://schemas.openxmlformats.org/officeDocument/2006/relationships" xmlns:p="http://schemas.openxmlformats.org/presentationml/2006/main">
+  <p:tag name="_INSTRUCTOR VIEW19C14C36-AC8E-43BC-9DB6-C2AAF774C7DC|PANE__TAG" val="_"/>
+</p:tagLst>
+</file>
+
+<file path=ppt/tags/tag30.xml><?xml version="1.0" encoding="utf-8"?>
+<p:tagLst xmlns:a="http://schemas.openxmlformats.org/drawingml/2006/main" xmlns:r="http://schemas.openxmlformats.org/officeDocument/2006/relationships" xmlns:p="http://schemas.openxmlformats.org/presentationml/2006/main">
+  <p:tag name="_INSTRUCTOR VIEW19C14C36-AC8E-43BC-9DB6-C2AAF774C7DC|PANE__TAG" val="_"/>
+</p:tagLst>
+</file>
+
+<file path=ppt/tags/tag31.xml><?xml version="1.0" encoding="utf-8"?>
 <p:tagLst xmlns:a="http://schemas.openxmlformats.org/drawingml/2006/main" xmlns:r="http://schemas.openxmlformats.org/officeDocument/2006/relationships" xmlns:p="http://schemas.openxmlformats.org/presentationml/2006/main">
   <p:tag name="_INSTRUCTOR VIEW19C14C36-AC8E-43BC-9DB6-C2AAF774C7DC|PANE__TAG" val="_"/>
 </p:tagLst>

--- a/slides/dailyannouncements.pptx
+++ b/slides/dailyannouncements.pptx
@@ -5,10 +5,10 @@
     <p:sldMasterId id="2147483752" r:id="rId1"/>
   </p:sldMasterIdLst>
   <p:notesMasterIdLst>
-    <p:notesMasterId r:id="rId18"/>
+    <p:notesMasterId r:id="rId19"/>
   </p:notesMasterIdLst>
   <p:handoutMasterIdLst>
-    <p:handoutMasterId r:id="rId19"/>
+    <p:handoutMasterId r:id="rId20"/>
   </p:handoutMasterIdLst>
   <p:sldIdLst>
     <p:sldId id="447" r:id="rId2"/>
@@ -27,11 +27,12 @@
     <p:sldId id="517" r:id="rId15"/>
     <p:sldId id="518" r:id="rId16"/>
     <p:sldId id="519" r:id="rId17"/>
+    <p:sldId id="520" r:id="rId18"/>
   </p:sldIdLst>
   <p:sldSz cx="12192000" cy="6858000"/>
   <p:notesSz cx="7315200" cy="9601200"/>
   <p:custDataLst>
-    <p:tags r:id="rId20"/>
+    <p:tags r:id="rId21"/>
   </p:custDataLst>
   <p:defaultTextStyle>
     <a:defPPr>
@@ -1119,7 +1120,7 @@
             <a:fld id="{E4886CB5-510A-4EF6-9466-BC7A8F0DDE87}" type="datetime1">
               <a:rPr lang="en-US" smtClean="0"/>
               <a:pPr/>
-              <a:t>10/5/22</a:t>
+              <a:t>10/7/22</a:t>
             </a:fld>
             <a:endParaRPr lang="en-US"/>
           </a:p>
@@ -1456,7 +1457,7 @@
             <a:fld id="{9B297853-24B4-4D05-83E4-0AD2E86C55E5}" type="datetime1">
               <a:rPr lang="en-US" smtClean="0"/>
               <a:pPr/>
-              <a:t>10/5/22</a:t>
+              <a:t>10/7/22</a:t>
             </a:fld>
             <a:endParaRPr lang="en-US"/>
           </a:p>
@@ -1761,7 +1762,7 @@
             <a:fld id="{01FCDD9E-5768-4705-9537-0C020B1BB310}" type="datetime1">
               <a:rPr lang="en-US" smtClean="0"/>
               <a:pPr/>
-              <a:t>10/5/22</a:t>
+              <a:t>10/7/22</a:t>
             </a:fld>
             <a:endParaRPr lang="en-US"/>
           </a:p>
@@ -2011,7 +2012,7 @@
             <a:fld id="{4257C27E-59C2-41CA-9776-94955CBEE440}" type="datetime1">
               <a:rPr lang="en-US" smtClean="0"/>
               <a:pPr/>
-              <a:t>10/5/22</a:t>
+              <a:t>10/7/22</a:t>
             </a:fld>
             <a:endParaRPr lang="en-US"/>
           </a:p>
@@ -2421,7 +2422,7 @@
             <a:fld id="{03180747-A137-49C6-9C74-AB7EE86F4904}" type="datetime1">
               <a:rPr lang="en-US" smtClean="0"/>
               <a:pPr/>
-              <a:t>10/5/22</a:t>
+              <a:t>10/7/22</a:t>
             </a:fld>
             <a:endParaRPr lang="en-US"/>
           </a:p>
@@ -2738,7 +2739,7 @@
             <a:fld id="{EBBA31D9-ADC1-480D-86A8-1EAFB6A86A35}" type="datetime1">
               <a:rPr lang="en-US" smtClean="0"/>
               <a:pPr/>
-              <a:t>10/5/22</a:t>
+              <a:t>10/7/22</a:t>
             </a:fld>
             <a:endParaRPr lang="en-US"/>
           </a:p>
@@ -3285,7 +3286,7 @@
             <a:fld id="{80AAE9AE-3B2F-4DEA-8C41-BDDF4CDF6F40}" type="datetime1">
               <a:rPr lang="en-US" smtClean="0"/>
               <a:pPr/>
-              <a:t>10/5/22</a:t>
+              <a:t>10/7/22</a:t>
             </a:fld>
             <a:endParaRPr lang="en-US"/>
           </a:p>
@@ -3483,7 +3484,7 @@
             <a:fld id="{48252F7F-E8FE-413B-8521-D4ED924C6DE5}" type="datetime1">
               <a:rPr lang="en-US" smtClean="0"/>
               <a:pPr/>
-              <a:t>10/5/22</a:t>
+              <a:t>10/7/22</a:t>
             </a:fld>
             <a:endParaRPr lang="en-US"/>
           </a:p>
@@ -3699,7 +3700,7 @@
             <a:fld id="{2FF1B124-70E3-4E4A-90E2-6B55DB7659B3}" type="datetime1">
               <a:rPr lang="en-US" smtClean="0"/>
               <a:pPr/>
-              <a:t>10/5/22</a:t>
+              <a:t>10/7/22</a:t>
             </a:fld>
             <a:endParaRPr lang="en-US"/>
           </a:p>
@@ -4071,7 +4072,7 @@
             <a:fld id="{4EBF4C98-3CD6-4C87-BD40-5718C2628835}" type="datetime1">
               <a:rPr lang="en-US" smtClean="0"/>
               <a:pPr/>
-              <a:t>10/5/22</a:t>
+              <a:t>10/7/22</a:t>
             </a:fld>
             <a:endParaRPr lang="en-US"/>
           </a:p>
@@ -4477,7 +4478,7 @@
             <a:fld id="{6D6408A8-6B1B-4CDA-875E-7BEECDBA31DF}" type="datetime1">
               <a:rPr lang="en-US" smtClean="0"/>
               <a:pPr/>
-              <a:t>10/5/22</a:t>
+              <a:t>10/7/22</a:t>
             </a:fld>
             <a:endParaRPr lang="en-US"/>
           </a:p>
@@ -4818,7 +4819,7 @@
             <a:fld id="{C55AAF07-D2F5-4B3C-B443-40DE8C337A77}" type="datetime1">
               <a:rPr lang="en-US" smtClean="0"/>
               <a:pPr/>
-              <a:t>10/5/22</a:t>
+              <a:t>10/7/22</a:t>
             </a:fld>
             <a:endParaRPr lang="en-US"/>
           </a:p>
@@ -6752,6 +6753,211 @@
 </p:sld>
 </file>
 
+<file path=ppt/slides/slide17.xml><?xml version="1.0" encoding="utf-8"?>
+<p:sld xmlns:a="http://schemas.openxmlformats.org/drawingml/2006/main" xmlns:r="http://schemas.openxmlformats.org/officeDocument/2006/relationships" xmlns:p="http://schemas.openxmlformats.org/presentationml/2006/main">
+  <p:cSld>
+    <p:spTree>
+      <p:nvGrpSpPr>
+        <p:cNvPr id="1" name=""/>
+        <p:cNvGrpSpPr/>
+        <p:nvPr/>
+      </p:nvGrpSpPr>
+      <p:grpSpPr>
+        <a:xfrm>
+          <a:off x="0" y="0"/>
+          <a:ext cx="0" cy="0"/>
+          <a:chOff x="0" y="0"/>
+          <a:chExt cx="0" cy="0"/>
+        </a:xfrm>
+      </p:grpSpPr>
+      <p:sp>
+        <p:nvSpPr>
+          <p:cNvPr id="6146" name="Rectangle 2"/>
+          <p:cNvSpPr>
+            <a:spLocks noGrp="1" noChangeArrowheads="1"/>
+          </p:cNvSpPr>
+          <p:nvPr>
+            <p:ph type="title"/>
+            <p:custDataLst>
+              <p:tags r:id="rId1"/>
+            </p:custDataLst>
+          </p:nvPr>
+        </p:nvSpPr>
+        <p:spPr>
+          <a:xfrm>
+            <a:off x="2611808" y="533401"/>
+            <a:ext cx="7958331" cy="762000"/>
+          </a:xfrm>
+        </p:spPr>
+        <p:txBody>
+          <a:bodyPr/>
+          <a:lstStyle/>
+          <a:p>
+            <a:r>
+              <a:rPr lang="en-US" dirty="0"/>
+              <a:t>Friday, Oct. 7</a:t>
+            </a:r>
+          </a:p>
+        </p:txBody>
+      </p:sp>
+      <p:sp>
+        <p:nvSpPr>
+          <p:cNvPr id="6147" name="Rectangle 3"/>
+          <p:cNvSpPr>
+            <a:spLocks noGrp="1" noChangeArrowheads="1"/>
+          </p:cNvSpPr>
+          <p:nvPr>
+            <p:ph idx="1"/>
+            <p:custDataLst>
+              <p:tags r:id="rId2"/>
+            </p:custDataLst>
+          </p:nvPr>
+        </p:nvSpPr>
+        <p:spPr>
+          <a:xfrm>
+            <a:off x="1600200" y="1066800"/>
+            <a:ext cx="9067800" cy="5638800"/>
+          </a:xfrm>
+        </p:spPr>
+        <p:txBody>
+          <a:bodyPr>
+            <a:normAutofit/>
+          </a:bodyPr>
+          <a:lstStyle/>
+          <a:p>
+            <a:r>
+              <a:rPr lang="en-US" dirty="0"/>
+              <a:t>We will try to grade all written assignments before the drop deadline </a:t>
+            </a:r>
+          </a:p>
+          <a:p>
+            <a:r>
+              <a:rPr lang="en-US" dirty="0"/>
+              <a:t>Hard Deadline has passed for modules 1-2.</a:t>
+            </a:r>
+          </a:p>
+          <a:p>
+            <a:r>
+              <a:rPr lang="en-US" dirty="0"/>
+              <a:t>Module 3 recommended deadline is this Friday</a:t>
+            </a:r>
+          </a:p>
+          <a:p>
+            <a:pPr lvl="1"/>
+            <a:r>
+              <a:rPr lang="en-US" dirty="0"/>
+              <a:t>You should be done with one of the two </a:t>
+            </a:r>
+            <a:r>
+              <a:rPr lang="en-US" dirty="0" err="1"/>
+              <a:t>homeworks</a:t>
+            </a:r>
+            <a:r>
+              <a:rPr lang="en-US" dirty="0"/>
+              <a:t> and working on the other</a:t>
+            </a:r>
+          </a:p>
+          <a:p>
+            <a:r>
+              <a:rPr lang="en-US" dirty="0"/>
+              <a:t>Module 4 </a:t>
+            </a:r>
+            <a:r>
+              <a:rPr lang="en-US" dirty="0" err="1"/>
+              <a:t>homeworks</a:t>
+            </a:r>
+            <a:r>
+              <a:rPr lang="en-US" dirty="0"/>
+              <a:t>	</a:t>
+            </a:r>
+          </a:p>
+          <a:p>
+            <a:pPr lvl="1"/>
+            <a:r>
+              <a:rPr lang="en-US" dirty="0"/>
+              <a:t>You can start the first one after today’s lecture (Moving Boxes)</a:t>
+            </a:r>
+          </a:p>
+          <a:p>
+            <a:r>
+              <a:rPr lang="en-US" dirty="0"/>
+              <a:t>Quiz was returned. 14/20 pass, 18/20 is high pass. </a:t>
+            </a:r>
+          </a:p>
+          <a:p>
+            <a:pPr lvl="1"/>
+            <a:r>
+              <a:rPr lang="en-US" dirty="0"/>
+              <a:t>If you failed both you are in a hole already. You still have more attempts but now it is already tight. Think about planning out your quiz schedule from here out.</a:t>
+            </a:r>
+          </a:p>
+          <a:p>
+            <a:r>
+              <a:rPr lang="en-US" dirty="0"/>
+              <a:t>New way to pass a module: high-pass the quiz only if </a:t>
+            </a:r>
+            <a:r>
+              <a:rPr lang="en-US" dirty="0" err="1"/>
+              <a:t>hw</a:t>
+            </a:r>
+            <a:r>
+              <a:rPr lang="en-US" dirty="0"/>
+              <a:t> not completed.</a:t>
+            </a:r>
+          </a:p>
+          <a:p>
+            <a:r>
+              <a:rPr lang="en-US" dirty="0"/>
+              <a:t>Today </a:t>
+            </a:r>
+            <a:r>
+              <a:rPr lang="en-US"/>
+              <a:t>we continue </a:t>
+            </a:r>
+            <a:r>
+              <a:rPr lang="en-US" dirty="0"/>
+              <a:t>module 4 (Greedy Algorithms)</a:t>
+            </a:r>
+          </a:p>
+        </p:txBody>
+      </p:sp>
+      <p:sp>
+        <p:nvSpPr>
+          <p:cNvPr id="4" name="Slide Number Placeholder 3"/>
+          <p:cNvSpPr>
+            <a:spLocks noGrp="1"/>
+          </p:cNvSpPr>
+          <p:nvPr>
+            <p:ph type="sldNum" sz="quarter" idx="12"/>
+          </p:nvPr>
+        </p:nvSpPr>
+        <p:spPr/>
+        <p:txBody>
+          <a:bodyPr/>
+          <a:lstStyle/>
+          <a:p>
+            <a:fld id="{F26D9103-0C5C-48AC-B68E-3ED2C1647047}" type="slidenum">
+              <a:rPr lang="en-US" smtClean="0"/>
+              <a:pPr/>
+              <a:t>17</a:t>
+            </a:fld>
+            <a:endParaRPr lang="en-US" dirty="0"/>
+          </a:p>
+        </p:txBody>
+      </p:sp>
+    </p:spTree>
+    <p:extLst>
+      <p:ext uri="{BB962C8B-B14F-4D97-AF65-F5344CB8AC3E}">
+        <p14:creationId xmlns:p14="http://schemas.microsoft.com/office/powerpoint/2010/main" val="1031364182"/>
+      </p:ext>
+    </p:extLst>
+  </p:cSld>
+  <p:clrMapOvr>
+    <a:masterClrMapping/>
+  </p:clrMapOvr>
+</p:sld>
+</file>
+
 <file path=ppt/slides/slide2.xml><?xml version="1.0" encoding="utf-8"?>
 <p:sld xmlns:a="http://schemas.openxmlformats.org/drawingml/2006/main" xmlns:r="http://schemas.openxmlformats.org/officeDocument/2006/relationships" xmlns:p="http://schemas.openxmlformats.org/presentationml/2006/main">
   <p:cSld>
@@ -8348,6 +8554,18 @@
 </file>
 
 <file path=ppt/tags/tag31.xml><?xml version="1.0" encoding="utf-8"?>
+<p:tagLst xmlns:a="http://schemas.openxmlformats.org/drawingml/2006/main" xmlns:r="http://schemas.openxmlformats.org/officeDocument/2006/relationships" xmlns:p="http://schemas.openxmlformats.org/presentationml/2006/main">
+  <p:tag name="_INSTRUCTOR VIEW19C14C36-AC8E-43BC-9DB6-C2AAF774C7DC|PANE__TAG" val="_"/>
+</p:tagLst>
+</file>
+
+<file path=ppt/tags/tag32.xml><?xml version="1.0" encoding="utf-8"?>
+<p:tagLst xmlns:a="http://schemas.openxmlformats.org/drawingml/2006/main" xmlns:r="http://schemas.openxmlformats.org/officeDocument/2006/relationships" xmlns:p="http://schemas.openxmlformats.org/presentationml/2006/main">
+  <p:tag name="_INSTRUCTOR VIEW19C14C36-AC8E-43BC-9DB6-C2AAF774C7DC|PANE__TAG" val="_"/>
+</p:tagLst>
+</file>
+
+<file path=ppt/tags/tag33.xml><?xml version="1.0" encoding="utf-8"?>
 <p:tagLst xmlns:a="http://schemas.openxmlformats.org/drawingml/2006/main" xmlns:r="http://schemas.openxmlformats.org/officeDocument/2006/relationships" xmlns:p="http://schemas.openxmlformats.org/presentationml/2006/main">
   <p:tag name="_INSTRUCTOR VIEW19C14C36-AC8E-43BC-9DB6-C2AAF774C7DC|PANE__TAG" val="_"/>
 </p:tagLst>

--- a/slides/dailyannouncements.pptx
+++ b/slides/dailyannouncements.pptx
@@ -5,10 +5,10 @@
     <p:sldMasterId id="2147483752" r:id="rId1"/>
   </p:sldMasterIdLst>
   <p:notesMasterIdLst>
-    <p:notesMasterId r:id="rId19"/>
+    <p:notesMasterId r:id="rId20"/>
   </p:notesMasterIdLst>
   <p:handoutMasterIdLst>
-    <p:handoutMasterId r:id="rId20"/>
+    <p:handoutMasterId r:id="rId21"/>
   </p:handoutMasterIdLst>
   <p:sldIdLst>
     <p:sldId id="447" r:id="rId2"/>
@@ -28,11 +28,12 @@
     <p:sldId id="518" r:id="rId16"/>
     <p:sldId id="519" r:id="rId17"/>
     <p:sldId id="520" r:id="rId18"/>
+    <p:sldId id="521" r:id="rId19"/>
   </p:sldIdLst>
   <p:sldSz cx="12192000" cy="6858000"/>
   <p:notesSz cx="7315200" cy="9601200"/>
   <p:custDataLst>
-    <p:tags r:id="rId21"/>
+    <p:tags r:id="rId22"/>
   </p:custDataLst>
   <p:defaultTextStyle>
     <a:defPPr>
@@ -1120,7 +1121,7 @@
             <a:fld id="{E4886CB5-510A-4EF6-9466-BC7A8F0DDE87}" type="datetime1">
               <a:rPr lang="en-US" smtClean="0"/>
               <a:pPr/>
-              <a:t>10/7/22</a:t>
+              <a:t>10/10/22</a:t>
             </a:fld>
             <a:endParaRPr lang="en-US"/>
           </a:p>
@@ -1457,7 +1458,7 @@
             <a:fld id="{9B297853-24B4-4D05-83E4-0AD2E86C55E5}" type="datetime1">
               <a:rPr lang="en-US" smtClean="0"/>
               <a:pPr/>
-              <a:t>10/7/22</a:t>
+              <a:t>10/10/22</a:t>
             </a:fld>
             <a:endParaRPr lang="en-US"/>
           </a:p>
@@ -1762,7 +1763,7 @@
             <a:fld id="{01FCDD9E-5768-4705-9537-0C020B1BB310}" type="datetime1">
               <a:rPr lang="en-US" smtClean="0"/>
               <a:pPr/>
-              <a:t>10/7/22</a:t>
+              <a:t>10/10/22</a:t>
             </a:fld>
             <a:endParaRPr lang="en-US"/>
           </a:p>
@@ -2012,7 +2013,7 @@
             <a:fld id="{4257C27E-59C2-41CA-9776-94955CBEE440}" type="datetime1">
               <a:rPr lang="en-US" smtClean="0"/>
               <a:pPr/>
-              <a:t>10/7/22</a:t>
+              <a:t>10/10/22</a:t>
             </a:fld>
             <a:endParaRPr lang="en-US"/>
           </a:p>
@@ -2422,7 +2423,7 @@
             <a:fld id="{03180747-A137-49C6-9C74-AB7EE86F4904}" type="datetime1">
               <a:rPr lang="en-US" smtClean="0"/>
               <a:pPr/>
-              <a:t>10/7/22</a:t>
+              <a:t>10/10/22</a:t>
             </a:fld>
             <a:endParaRPr lang="en-US"/>
           </a:p>
@@ -2739,7 +2740,7 @@
             <a:fld id="{EBBA31D9-ADC1-480D-86A8-1EAFB6A86A35}" type="datetime1">
               <a:rPr lang="en-US" smtClean="0"/>
               <a:pPr/>
-              <a:t>10/7/22</a:t>
+              <a:t>10/10/22</a:t>
             </a:fld>
             <a:endParaRPr lang="en-US"/>
           </a:p>
@@ -3286,7 +3287,7 @@
             <a:fld id="{80AAE9AE-3B2F-4DEA-8C41-BDDF4CDF6F40}" type="datetime1">
               <a:rPr lang="en-US" smtClean="0"/>
               <a:pPr/>
-              <a:t>10/7/22</a:t>
+              <a:t>10/10/22</a:t>
             </a:fld>
             <a:endParaRPr lang="en-US"/>
           </a:p>
@@ -3484,7 +3485,7 @@
             <a:fld id="{48252F7F-E8FE-413B-8521-D4ED924C6DE5}" type="datetime1">
               <a:rPr lang="en-US" smtClean="0"/>
               <a:pPr/>
-              <a:t>10/7/22</a:t>
+              <a:t>10/10/22</a:t>
             </a:fld>
             <a:endParaRPr lang="en-US"/>
           </a:p>
@@ -3700,7 +3701,7 @@
             <a:fld id="{2FF1B124-70E3-4E4A-90E2-6B55DB7659B3}" type="datetime1">
               <a:rPr lang="en-US" smtClean="0"/>
               <a:pPr/>
-              <a:t>10/7/22</a:t>
+              <a:t>10/10/22</a:t>
             </a:fld>
             <a:endParaRPr lang="en-US"/>
           </a:p>
@@ -4072,7 +4073,7 @@
             <a:fld id="{4EBF4C98-3CD6-4C87-BD40-5718C2628835}" type="datetime1">
               <a:rPr lang="en-US" smtClean="0"/>
               <a:pPr/>
-              <a:t>10/7/22</a:t>
+              <a:t>10/10/22</a:t>
             </a:fld>
             <a:endParaRPr lang="en-US"/>
           </a:p>
@@ -4478,7 +4479,7 @@
             <a:fld id="{6D6408A8-6B1B-4CDA-875E-7BEECDBA31DF}" type="datetime1">
               <a:rPr lang="en-US" smtClean="0"/>
               <a:pPr/>
-              <a:t>10/7/22</a:t>
+              <a:t>10/10/22</a:t>
             </a:fld>
             <a:endParaRPr lang="en-US"/>
           </a:p>
@@ -4819,7 +4820,7 @@
             <a:fld id="{C55AAF07-D2F5-4B3C-B443-40DE8C337A77}" type="datetime1">
               <a:rPr lang="en-US" smtClean="0"/>
               <a:pPr/>
-              <a:t>10/7/22</a:t>
+              <a:t>10/10/22</a:t>
             </a:fld>
             <a:endParaRPr lang="en-US"/>
           </a:p>
@@ -6958,6 +6959,239 @@
 </p:sld>
 </file>
 
+<file path=ppt/slides/slide18.xml><?xml version="1.0" encoding="utf-8"?>
+<p:sld xmlns:a="http://schemas.openxmlformats.org/drawingml/2006/main" xmlns:r="http://schemas.openxmlformats.org/officeDocument/2006/relationships" xmlns:p="http://schemas.openxmlformats.org/presentationml/2006/main">
+  <p:cSld>
+    <p:spTree>
+      <p:nvGrpSpPr>
+        <p:cNvPr id="1" name=""/>
+        <p:cNvGrpSpPr/>
+        <p:nvPr/>
+      </p:nvGrpSpPr>
+      <p:grpSpPr>
+        <a:xfrm>
+          <a:off x="0" y="0"/>
+          <a:ext cx="0" cy="0"/>
+          <a:chOff x="0" y="0"/>
+          <a:chExt cx="0" cy="0"/>
+        </a:xfrm>
+      </p:grpSpPr>
+      <p:sp>
+        <p:nvSpPr>
+          <p:cNvPr id="6146" name="Rectangle 2"/>
+          <p:cNvSpPr>
+            <a:spLocks noGrp="1" noChangeArrowheads="1"/>
+          </p:cNvSpPr>
+          <p:nvPr>
+            <p:ph type="title"/>
+            <p:custDataLst>
+              <p:tags r:id="rId1"/>
+            </p:custDataLst>
+          </p:nvPr>
+        </p:nvSpPr>
+        <p:spPr>
+          <a:xfrm>
+            <a:off x="2611808" y="533401"/>
+            <a:ext cx="7958331" cy="762000"/>
+          </a:xfrm>
+        </p:spPr>
+        <p:txBody>
+          <a:bodyPr/>
+          <a:lstStyle/>
+          <a:p>
+            <a:r>
+              <a:rPr lang="en-US" dirty="0"/>
+              <a:t>Monday, Oct. 10</a:t>
+            </a:r>
+          </a:p>
+        </p:txBody>
+      </p:sp>
+      <p:sp>
+        <p:nvSpPr>
+          <p:cNvPr id="6147" name="Rectangle 3"/>
+          <p:cNvSpPr>
+            <a:spLocks noGrp="1" noChangeArrowheads="1"/>
+          </p:cNvSpPr>
+          <p:nvPr>
+            <p:ph idx="1"/>
+            <p:custDataLst>
+              <p:tags r:id="rId2"/>
+            </p:custDataLst>
+          </p:nvPr>
+        </p:nvSpPr>
+        <p:spPr>
+          <a:xfrm>
+            <a:off x="1600200" y="1066800"/>
+            <a:ext cx="9067800" cy="5638800"/>
+          </a:xfrm>
+        </p:spPr>
+        <p:txBody>
+          <a:bodyPr>
+            <a:normAutofit fontScale="92500" lnSpcReduction="20000"/>
+          </a:bodyPr>
+          <a:lstStyle/>
+          <a:p>
+            <a:r>
+              <a:rPr lang="en-US" dirty="0"/>
+              <a:t>We will try to grade all written assignments before the drop deadline</a:t>
+            </a:r>
+          </a:p>
+          <a:p>
+            <a:pPr lvl="1"/>
+            <a:r>
+              <a:rPr lang="en-US" dirty="0"/>
+              <a:t>many of you already have it returned. About 40 left to grade. </a:t>
+            </a:r>
+          </a:p>
+          <a:p>
+            <a:r>
+              <a:rPr lang="en-US" dirty="0"/>
+              <a:t>Module 3 recommended deadline is passed us</a:t>
+            </a:r>
+          </a:p>
+          <a:p>
+            <a:pPr lvl="1"/>
+            <a:r>
+              <a:rPr lang="en-US" dirty="0"/>
+              <a:t>You should be done with one of the two </a:t>
+            </a:r>
+            <a:r>
+              <a:rPr lang="en-US" dirty="0" err="1"/>
+              <a:t>homeworks</a:t>
+            </a:r>
+            <a:r>
+              <a:rPr lang="en-US" dirty="0"/>
+              <a:t> and working on the other</a:t>
+            </a:r>
+          </a:p>
+          <a:p>
+            <a:r>
+              <a:rPr lang="en-US" dirty="0"/>
+              <a:t>Recommended schedule moving forward</a:t>
+            </a:r>
+          </a:p>
+          <a:p>
+            <a:pPr lvl="1"/>
+            <a:r>
+              <a:rPr lang="en-US" dirty="0"/>
+              <a:t>Finish module 3 </a:t>
+            </a:r>
+            <a:r>
+              <a:rPr lang="en-US" dirty="0" err="1"/>
+              <a:t>hw</a:t>
+            </a:r>
+            <a:r>
+              <a:rPr lang="en-US" dirty="0"/>
+              <a:t> if you haven’t already THIS WEEK</a:t>
+            </a:r>
+          </a:p>
+          <a:p>
+            <a:pPr lvl="1"/>
+            <a:r>
+              <a:rPr lang="en-US" dirty="0"/>
+              <a:t>Do programming </a:t>
+            </a:r>
+            <a:r>
+              <a:rPr lang="en-US" dirty="0" err="1"/>
+              <a:t>hw</a:t>
+            </a:r>
+            <a:r>
+              <a:rPr lang="en-US" dirty="0"/>
+              <a:t> for module 4 (Moving Boxes) THIS WEEK</a:t>
+            </a:r>
+          </a:p>
+          <a:p>
+            <a:pPr lvl="1"/>
+            <a:r>
+              <a:rPr lang="en-US" dirty="0"/>
+              <a:t>Do </a:t>
+            </a:r>
+            <a:r>
+              <a:rPr lang="en-US" dirty="0" err="1"/>
+              <a:t>hw</a:t>
+            </a:r>
+            <a:r>
+              <a:rPr lang="en-US" dirty="0"/>
+              <a:t> 4 number two next week (daycare </a:t>
+            </a:r>
+            <a:r>
+              <a:rPr lang="en-US"/>
+              <a:t>/ nursery)</a:t>
+            </a:r>
+            <a:endParaRPr lang="en-US" dirty="0"/>
+          </a:p>
+          <a:p>
+            <a:r>
+              <a:rPr lang="en-US" dirty="0"/>
+              <a:t>Quiz was returned. 14/20 pass, 18/20 is high pass. </a:t>
+            </a:r>
+          </a:p>
+          <a:p>
+            <a:pPr lvl="1"/>
+            <a:r>
+              <a:rPr lang="en-US" dirty="0"/>
+              <a:t>If you failed both you are in a hole already. You still have more attempts but now it is already tight. Think about planning out your quiz schedule from here out.</a:t>
+            </a:r>
+          </a:p>
+          <a:p>
+            <a:r>
+              <a:rPr lang="en-US" dirty="0"/>
+              <a:t>New way to pass a module: high-pass the quiz only if </a:t>
+            </a:r>
+            <a:r>
+              <a:rPr lang="en-US" dirty="0" err="1"/>
+              <a:t>hw</a:t>
+            </a:r>
+            <a:r>
+              <a:rPr lang="en-US" dirty="0"/>
+              <a:t> not completed.</a:t>
+            </a:r>
+          </a:p>
+          <a:p>
+            <a:r>
+              <a:rPr lang="en-US" dirty="0"/>
+              <a:t>Today we continue module 4 (Greedy Algorithms)</a:t>
+            </a:r>
+          </a:p>
+        </p:txBody>
+      </p:sp>
+      <p:sp>
+        <p:nvSpPr>
+          <p:cNvPr id="4" name="Slide Number Placeholder 3"/>
+          <p:cNvSpPr>
+            <a:spLocks noGrp="1"/>
+          </p:cNvSpPr>
+          <p:nvPr>
+            <p:ph type="sldNum" sz="quarter" idx="12"/>
+          </p:nvPr>
+        </p:nvSpPr>
+        <p:spPr/>
+        <p:txBody>
+          <a:bodyPr/>
+          <a:lstStyle/>
+          <a:p>
+            <a:fld id="{F26D9103-0C5C-48AC-B68E-3ED2C1647047}" type="slidenum">
+              <a:rPr lang="en-US" smtClean="0"/>
+              <a:pPr/>
+              <a:t>18</a:t>
+            </a:fld>
+            <a:endParaRPr lang="en-US" dirty="0"/>
+          </a:p>
+        </p:txBody>
+      </p:sp>
+    </p:spTree>
+    <p:extLst>
+      <p:ext uri="{BB962C8B-B14F-4D97-AF65-F5344CB8AC3E}">
+        <p14:creationId xmlns:p14="http://schemas.microsoft.com/office/powerpoint/2010/main" val="1750312035"/>
+      </p:ext>
+    </p:extLst>
+  </p:cSld>
+  <p:clrMapOvr>
+    <a:masterClrMapping/>
+  </p:clrMapOvr>
+</p:sld>
+</file>
+
 <file path=ppt/slides/slide2.xml><?xml version="1.0" encoding="utf-8"?>
 <p:sld xmlns:a="http://schemas.openxmlformats.org/drawingml/2006/main" xmlns:r="http://schemas.openxmlformats.org/officeDocument/2006/relationships" xmlns:p="http://schemas.openxmlformats.org/presentationml/2006/main">
   <p:cSld>
@@ -8566,6 +8800,18 @@
 </file>
 
 <file path=ppt/tags/tag33.xml><?xml version="1.0" encoding="utf-8"?>
+<p:tagLst xmlns:a="http://schemas.openxmlformats.org/drawingml/2006/main" xmlns:r="http://schemas.openxmlformats.org/officeDocument/2006/relationships" xmlns:p="http://schemas.openxmlformats.org/presentationml/2006/main">
+  <p:tag name="_INSTRUCTOR VIEW19C14C36-AC8E-43BC-9DB6-C2AAF774C7DC|PANE__TAG" val="_"/>
+</p:tagLst>
+</file>
+
+<file path=ppt/tags/tag34.xml><?xml version="1.0" encoding="utf-8"?>
+<p:tagLst xmlns:a="http://schemas.openxmlformats.org/drawingml/2006/main" xmlns:r="http://schemas.openxmlformats.org/officeDocument/2006/relationships" xmlns:p="http://schemas.openxmlformats.org/presentationml/2006/main">
+  <p:tag name="_INSTRUCTOR VIEW19C14C36-AC8E-43BC-9DB6-C2AAF774C7DC|PANE__TAG" val="_"/>
+</p:tagLst>
+</file>
+
+<file path=ppt/tags/tag35.xml><?xml version="1.0" encoding="utf-8"?>
 <p:tagLst xmlns:a="http://schemas.openxmlformats.org/drawingml/2006/main" xmlns:r="http://schemas.openxmlformats.org/officeDocument/2006/relationships" xmlns:p="http://schemas.openxmlformats.org/presentationml/2006/main">
   <p:tag name="_INSTRUCTOR VIEW19C14C36-AC8E-43BC-9DB6-C2AAF774C7DC|PANE__TAG" val="_"/>
 </p:tagLst>

--- a/slides/dailyannouncements.pptx
+++ b/slides/dailyannouncements.pptx
@@ -5,10 +5,10 @@
     <p:sldMasterId id="2147483752" r:id="rId1"/>
   </p:sldMasterIdLst>
   <p:notesMasterIdLst>
-    <p:notesMasterId r:id="rId20"/>
+    <p:notesMasterId r:id="rId21"/>
   </p:notesMasterIdLst>
   <p:handoutMasterIdLst>
-    <p:handoutMasterId r:id="rId21"/>
+    <p:handoutMasterId r:id="rId22"/>
   </p:handoutMasterIdLst>
   <p:sldIdLst>
     <p:sldId id="447" r:id="rId2"/>
@@ -29,11 +29,12 @@
     <p:sldId id="519" r:id="rId17"/>
     <p:sldId id="520" r:id="rId18"/>
     <p:sldId id="521" r:id="rId19"/>
+    <p:sldId id="522" r:id="rId20"/>
   </p:sldIdLst>
   <p:sldSz cx="12192000" cy="6858000"/>
   <p:notesSz cx="7315200" cy="9601200"/>
   <p:custDataLst>
-    <p:tags r:id="rId22"/>
+    <p:tags r:id="rId23"/>
   </p:custDataLst>
   <p:defaultTextStyle>
     <a:defPPr>
@@ -1121,7 +1122,7 @@
             <a:fld id="{E4886CB5-510A-4EF6-9466-BC7A8F0DDE87}" type="datetime1">
               <a:rPr lang="en-US" smtClean="0"/>
               <a:pPr/>
-              <a:t>10/10/22</a:t>
+              <a:t>10/12/22</a:t>
             </a:fld>
             <a:endParaRPr lang="en-US"/>
           </a:p>
@@ -1458,7 +1459,7 @@
             <a:fld id="{9B297853-24B4-4D05-83E4-0AD2E86C55E5}" type="datetime1">
               <a:rPr lang="en-US" smtClean="0"/>
               <a:pPr/>
-              <a:t>10/10/22</a:t>
+              <a:t>10/12/22</a:t>
             </a:fld>
             <a:endParaRPr lang="en-US"/>
           </a:p>
@@ -1763,7 +1764,7 @@
             <a:fld id="{01FCDD9E-5768-4705-9537-0C020B1BB310}" type="datetime1">
               <a:rPr lang="en-US" smtClean="0"/>
               <a:pPr/>
-              <a:t>10/10/22</a:t>
+              <a:t>10/12/22</a:t>
             </a:fld>
             <a:endParaRPr lang="en-US"/>
           </a:p>
@@ -2013,7 +2014,7 @@
             <a:fld id="{4257C27E-59C2-41CA-9776-94955CBEE440}" type="datetime1">
               <a:rPr lang="en-US" smtClean="0"/>
               <a:pPr/>
-              <a:t>10/10/22</a:t>
+              <a:t>10/12/22</a:t>
             </a:fld>
             <a:endParaRPr lang="en-US"/>
           </a:p>
@@ -2423,7 +2424,7 @@
             <a:fld id="{03180747-A137-49C6-9C74-AB7EE86F4904}" type="datetime1">
               <a:rPr lang="en-US" smtClean="0"/>
               <a:pPr/>
-              <a:t>10/10/22</a:t>
+              <a:t>10/12/22</a:t>
             </a:fld>
             <a:endParaRPr lang="en-US"/>
           </a:p>
@@ -2740,7 +2741,7 @@
             <a:fld id="{EBBA31D9-ADC1-480D-86A8-1EAFB6A86A35}" type="datetime1">
               <a:rPr lang="en-US" smtClean="0"/>
               <a:pPr/>
-              <a:t>10/10/22</a:t>
+              <a:t>10/12/22</a:t>
             </a:fld>
             <a:endParaRPr lang="en-US"/>
           </a:p>
@@ -3287,7 +3288,7 @@
             <a:fld id="{80AAE9AE-3B2F-4DEA-8C41-BDDF4CDF6F40}" type="datetime1">
               <a:rPr lang="en-US" smtClean="0"/>
               <a:pPr/>
-              <a:t>10/10/22</a:t>
+              <a:t>10/12/22</a:t>
             </a:fld>
             <a:endParaRPr lang="en-US"/>
           </a:p>
@@ -3485,7 +3486,7 @@
             <a:fld id="{48252F7F-E8FE-413B-8521-D4ED924C6DE5}" type="datetime1">
               <a:rPr lang="en-US" smtClean="0"/>
               <a:pPr/>
-              <a:t>10/10/22</a:t>
+              <a:t>10/12/22</a:t>
             </a:fld>
             <a:endParaRPr lang="en-US"/>
           </a:p>
@@ -3701,7 +3702,7 @@
             <a:fld id="{2FF1B124-70E3-4E4A-90E2-6B55DB7659B3}" type="datetime1">
               <a:rPr lang="en-US" smtClean="0"/>
               <a:pPr/>
-              <a:t>10/10/22</a:t>
+              <a:t>10/12/22</a:t>
             </a:fld>
             <a:endParaRPr lang="en-US"/>
           </a:p>
@@ -4073,7 +4074,7 @@
             <a:fld id="{4EBF4C98-3CD6-4C87-BD40-5718C2628835}" type="datetime1">
               <a:rPr lang="en-US" smtClean="0"/>
               <a:pPr/>
-              <a:t>10/10/22</a:t>
+              <a:t>10/12/22</a:t>
             </a:fld>
             <a:endParaRPr lang="en-US"/>
           </a:p>
@@ -4479,7 +4480,7 @@
             <a:fld id="{6D6408A8-6B1B-4CDA-875E-7BEECDBA31DF}" type="datetime1">
               <a:rPr lang="en-US" smtClean="0"/>
               <a:pPr/>
-              <a:t>10/10/22</a:t>
+              <a:t>10/12/22</a:t>
             </a:fld>
             <a:endParaRPr lang="en-US"/>
           </a:p>
@@ -4820,7 +4821,7 @@
             <a:fld id="{C55AAF07-D2F5-4B3C-B443-40DE8C337A77}" type="datetime1">
               <a:rPr lang="en-US" smtClean="0"/>
               <a:pPr/>
-              <a:t>10/10/22</a:t>
+              <a:t>10/12/22</a:t>
             </a:fld>
             <a:endParaRPr lang="en-US"/>
           </a:p>
@@ -7192,6 +7193,211 @@
 </p:sld>
 </file>
 
+<file path=ppt/slides/slide19.xml><?xml version="1.0" encoding="utf-8"?>
+<p:sld xmlns:a="http://schemas.openxmlformats.org/drawingml/2006/main" xmlns:r="http://schemas.openxmlformats.org/officeDocument/2006/relationships" xmlns:p="http://schemas.openxmlformats.org/presentationml/2006/main">
+  <p:cSld>
+    <p:spTree>
+      <p:nvGrpSpPr>
+        <p:cNvPr id="1" name=""/>
+        <p:cNvGrpSpPr/>
+        <p:nvPr/>
+      </p:nvGrpSpPr>
+      <p:grpSpPr>
+        <a:xfrm>
+          <a:off x="0" y="0"/>
+          <a:ext cx="0" cy="0"/>
+          <a:chOff x="0" y="0"/>
+          <a:chExt cx="0" cy="0"/>
+        </a:xfrm>
+      </p:grpSpPr>
+      <p:sp>
+        <p:nvSpPr>
+          <p:cNvPr id="6146" name="Rectangle 2"/>
+          <p:cNvSpPr>
+            <a:spLocks noGrp="1" noChangeArrowheads="1"/>
+          </p:cNvSpPr>
+          <p:nvPr>
+            <p:ph type="title"/>
+            <p:custDataLst>
+              <p:tags r:id="rId1"/>
+            </p:custDataLst>
+          </p:nvPr>
+        </p:nvSpPr>
+        <p:spPr>
+          <a:xfrm>
+            <a:off x="2611808" y="533401"/>
+            <a:ext cx="7958331" cy="762000"/>
+          </a:xfrm>
+        </p:spPr>
+        <p:txBody>
+          <a:bodyPr/>
+          <a:lstStyle/>
+          <a:p>
+            <a:r>
+              <a:rPr lang="en-US" dirty="0"/>
+              <a:t>Wednesday, Oct. 12</a:t>
+            </a:r>
+          </a:p>
+        </p:txBody>
+      </p:sp>
+      <p:sp>
+        <p:nvSpPr>
+          <p:cNvPr id="6147" name="Rectangle 3"/>
+          <p:cNvSpPr>
+            <a:spLocks noGrp="1" noChangeArrowheads="1"/>
+          </p:cNvSpPr>
+          <p:nvPr>
+            <p:ph idx="1"/>
+            <p:custDataLst>
+              <p:tags r:id="rId2"/>
+            </p:custDataLst>
+          </p:nvPr>
+        </p:nvSpPr>
+        <p:spPr>
+          <a:xfrm>
+            <a:off x="1600200" y="1066800"/>
+            <a:ext cx="9067800" cy="5638800"/>
+          </a:xfrm>
+        </p:spPr>
+        <p:txBody>
+          <a:bodyPr>
+            <a:normAutofit lnSpcReduction="10000"/>
+          </a:bodyPr>
+          <a:lstStyle/>
+          <a:p>
+            <a:r>
+              <a:rPr lang="en-US" dirty="0"/>
+              <a:t>All written assignments were graded in time for the drop deadline as promised! </a:t>
+            </a:r>
+          </a:p>
+          <a:p>
+            <a:r>
+              <a:rPr lang="en-US" dirty="0"/>
+              <a:t>Module 3 recommended deadline is passed us</a:t>
+            </a:r>
+          </a:p>
+          <a:p>
+            <a:pPr lvl="1"/>
+            <a:r>
+              <a:rPr lang="en-US" dirty="0"/>
+              <a:t>You really should be done or finishing up module 3 right now</a:t>
+            </a:r>
+          </a:p>
+          <a:p>
+            <a:r>
+              <a:rPr lang="en-US" dirty="0"/>
+              <a:t>Recommended schedule moving forward</a:t>
+            </a:r>
+          </a:p>
+          <a:p>
+            <a:pPr lvl="1"/>
+            <a:r>
+              <a:rPr lang="en-US" dirty="0"/>
+              <a:t>Finish module 3 </a:t>
+            </a:r>
+            <a:r>
+              <a:rPr lang="en-US" dirty="0" err="1"/>
+              <a:t>hw</a:t>
+            </a:r>
+            <a:r>
+              <a:rPr lang="en-US" dirty="0"/>
+              <a:t> if you haven’t already THIS WEEK</a:t>
+            </a:r>
+          </a:p>
+          <a:p>
+            <a:pPr lvl="1"/>
+            <a:r>
+              <a:rPr lang="en-US" dirty="0"/>
+              <a:t>Do programming </a:t>
+            </a:r>
+            <a:r>
+              <a:rPr lang="en-US" dirty="0" err="1"/>
+              <a:t>hw</a:t>
+            </a:r>
+            <a:r>
+              <a:rPr lang="en-US" dirty="0"/>
+              <a:t> for module 4 (Moving Boxes) THIS WEEK</a:t>
+            </a:r>
+          </a:p>
+          <a:p>
+            <a:pPr lvl="1"/>
+            <a:r>
+              <a:rPr lang="en-US" dirty="0"/>
+              <a:t>Do </a:t>
+            </a:r>
+            <a:r>
+              <a:rPr lang="en-US" dirty="0" err="1"/>
+              <a:t>hw</a:t>
+            </a:r>
+            <a:r>
+              <a:rPr lang="en-US" dirty="0"/>
+              <a:t> 4 number two next week (daycare / nursery)</a:t>
+            </a:r>
+          </a:p>
+          <a:p>
+            <a:r>
+              <a:rPr lang="en-US" dirty="0"/>
+              <a:t>Quick tip / clarification for Moving Boxes…</a:t>
+            </a:r>
+          </a:p>
+          <a:p>
+            <a:r>
+              <a:rPr lang="en-US" dirty="0"/>
+              <a:t>Quiz day 2 is fast approaching (Oct. 24), one week from next Mon.</a:t>
+            </a:r>
+          </a:p>
+          <a:p>
+            <a:pPr lvl="1"/>
+            <a:r>
+              <a:rPr lang="en-US" dirty="0"/>
+              <a:t>Best quiz strategy?</a:t>
+            </a:r>
+          </a:p>
+          <a:p>
+            <a:r>
+              <a:rPr lang="en-US" dirty="0"/>
+              <a:t>Today we continue module 4 (Greedy Algorithms)</a:t>
+            </a:r>
+          </a:p>
+        </p:txBody>
+      </p:sp>
+      <p:sp>
+        <p:nvSpPr>
+          <p:cNvPr id="4" name="Slide Number Placeholder 3"/>
+          <p:cNvSpPr>
+            <a:spLocks noGrp="1"/>
+          </p:cNvSpPr>
+          <p:nvPr>
+            <p:ph type="sldNum" sz="quarter" idx="12"/>
+          </p:nvPr>
+        </p:nvSpPr>
+        <p:spPr/>
+        <p:txBody>
+          <a:bodyPr/>
+          <a:lstStyle/>
+          <a:p>
+            <a:fld id="{F26D9103-0C5C-48AC-B68E-3ED2C1647047}" type="slidenum">
+              <a:rPr lang="en-US" smtClean="0"/>
+              <a:pPr/>
+              <a:t>19</a:t>
+            </a:fld>
+            <a:endParaRPr lang="en-US" dirty="0"/>
+          </a:p>
+        </p:txBody>
+      </p:sp>
+    </p:spTree>
+    <p:extLst>
+      <p:ext uri="{BB962C8B-B14F-4D97-AF65-F5344CB8AC3E}">
+        <p14:creationId xmlns:p14="http://schemas.microsoft.com/office/powerpoint/2010/main" val="1486872358"/>
+      </p:ext>
+    </p:extLst>
+  </p:cSld>
+  <p:clrMapOvr>
+    <a:masterClrMapping/>
+  </p:clrMapOvr>
+</p:sld>
+</file>
+
 <file path=ppt/slides/slide2.xml><?xml version="1.0" encoding="utf-8"?>
 <p:sld xmlns:a="http://schemas.openxmlformats.org/drawingml/2006/main" xmlns:r="http://schemas.openxmlformats.org/officeDocument/2006/relationships" xmlns:p="http://schemas.openxmlformats.org/presentationml/2006/main">
   <p:cSld>
@@ -8812,6 +9018,18 @@
 </file>
 
 <file path=ppt/tags/tag35.xml><?xml version="1.0" encoding="utf-8"?>
+<p:tagLst xmlns:a="http://schemas.openxmlformats.org/drawingml/2006/main" xmlns:r="http://schemas.openxmlformats.org/officeDocument/2006/relationships" xmlns:p="http://schemas.openxmlformats.org/presentationml/2006/main">
+  <p:tag name="_INSTRUCTOR VIEW19C14C36-AC8E-43BC-9DB6-C2AAF774C7DC|PANE__TAG" val="_"/>
+</p:tagLst>
+</file>
+
+<file path=ppt/tags/tag36.xml><?xml version="1.0" encoding="utf-8"?>
+<p:tagLst xmlns:a="http://schemas.openxmlformats.org/drawingml/2006/main" xmlns:r="http://schemas.openxmlformats.org/officeDocument/2006/relationships" xmlns:p="http://schemas.openxmlformats.org/presentationml/2006/main">
+  <p:tag name="_INSTRUCTOR VIEW19C14C36-AC8E-43BC-9DB6-C2AAF774C7DC|PANE__TAG" val="_"/>
+</p:tagLst>
+</file>
+
+<file path=ppt/tags/tag37.xml><?xml version="1.0" encoding="utf-8"?>
 <p:tagLst xmlns:a="http://schemas.openxmlformats.org/drawingml/2006/main" xmlns:r="http://schemas.openxmlformats.org/officeDocument/2006/relationships" xmlns:p="http://schemas.openxmlformats.org/presentationml/2006/main">
   <p:tag name="_INSTRUCTOR VIEW19C14C36-AC8E-43BC-9DB6-C2AAF774C7DC|PANE__TAG" val="_"/>
 </p:tagLst>

--- a/slides/dailyannouncements.pptx
+++ b/slides/dailyannouncements.pptx
@@ -5,10 +5,10 @@
     <p:sldMasterId id="2147483752" r:id="rId1"/>
   </p:sldMasterIdLst>
   <p:notesMasterIdLst>
-    <p:notesMasterId r:id="rId21"/>
+    <p:notesMasterId r:id="rId22"/>
   </p:notesMasterIdLst>
   <p:handoutMasterIdLst>
-    <p:handoutMasterId r:id="rId22"/>
+    <p:handoutMasterId r:id="rId23"/>
   </p:handoutMasterIdLst>
   <p:sldIdLst>
     <p:sldId id="447" r:id="rId2"/>
@@ -30,11 +30,12 @@
     <p:sldId id="520" r:id="rId18"/>
     <p:sldId id="521" r:id="rId19"/>
     <p:sldId id="522" r:id="rId20"/>
+    <p:sldId id="523" r:id="rId21"/>
   </p:sldIdLst>
   <p:sldSz cx="12192000" cy="6858000"/>
   <p:notesSz cx="7315200" cy="9601200"/>
   <p:custDataLst>
-    <p:tags r:id="rId23"/>
+    <p:tags r:id="rId24"/>
   </p:custDataLst>
   <p:defaultTextStyle>
     <a:defPPr>
@@ -1122,7 +1123,7 @@
             <a:fld id="{E4886CB5-510A-4EF6-9466-BC7A8F0DDE87}" type="datetime1">
               <a:rPr lang="en-US" smtClean="0"/>
               <a:pPr/>
-              <a:t>10/12/22</a:t>
+              <a:t>10/17/22</a:t>
             </a:fld>
             <a:endParaRPr lang="en-US"/>
           </a:p>
@@ -1459,7 +1460,7 @@
             <a:fld id="{9B297853-24B4-4D05-83E4-0AD2E86C55E5}" type="datetime1">
               <a:rPr lang="en-US" smtClean="0"/>
               <a:pPr/>
-              <a:t>10/12/22</a:t>
+              <a:t>10/17/22</a:t>
             </a:fld>
             <a:endParaRPr lang="en-US"/>
           </a:p>
@@ -1764,7 +1765,7 @@
             <a:fld id="{01FCDD9E-5768-4705-9537-0C020B1BB310}" type="datetime1">
               <a:rPr lang="en-US" smtClean="0"/>
               <a:pPr/>
-              <a:t>10/12/22</a:t>
+              <a:t>10/17/22</a:t>
             </a:fld>
             <a:endParaRPr lang="en-US"/>
           </a:p>
@@ -2014,7 +2015,7 @@
             <a:fld id="{4257C27E-59C2-41CA-9776-94955CBEE440}" type="datetime1">
               <a:rPr lang="en-US" smtClean="0"/>
               <a:pPr/>
-              <a:t>10/12/22</a:t>
+              <a:t>10/17/22</a:t>
             </a:fld>
             <a:endParaRPr lang="en-US"/>
           </a:p>
@@ -2424,7 +2425,7 @@
             <a:fld id="{03180747-A137-49C6-9C74-AB7EE86F4904}" type="datetime1">
               <a:rPr lang="en-US" smtClean="0"/>
               <a:pPr/>
-              <a:t>10/12/22</a:t>
+              <a:t>10/17/22</a:t>
             </a:fld>
             <a:endParaRPr lang="en-US"/>
           </a:p>
@@ -2741,7 +2742,7 @@
             <a:fld id="{EBBA31D9-ADC1-480D-86A8-1EAFB6A86A35}" type="datetime1">
               <a:rPr lang="en-US" smtClean="0"/>
               <a:pPr/>
-              <a:t>10/12/22</a:t>
+              <a:t>10/17/22</a:t>
             </a:fld>
             <a:endParaRPr lang="en-US"/>
           </a:p>
@@ -3288,7 +3289,7 @@
             <a:fld id="{80AAE9AE-3B2F-4DEA-8C41-BDDF4CDF6F40}" type="datetime1">
               <a:rPr lang="en-US" smtClean="0"/>
               <a:pPr/>
-              <a:t>10/12/22</a:t>
+              <a:t>10/17/22</a:t>
             </a:fld>
             <a:endParaRPr lang="en-US"/>
           </a:p>
@@ -3486,7 +3487,7 @@
             <a:fld id="{48252F7F-E8FE-413B-8521-D4ED924C6DE5}" type="datetime1">
               <a:rPr lang="en-US" smtClean="0"/>
               <a:pPr/>
-              <a:t>10/12/22</a:t>
+              <a:t>10/17/22</a:t>
             </a:fld>
             <a:endParaRPr lang="en-US"/>
           </a:p>
@@ -3702,7 +3703,7 @@
             <a:fld id="{2FF1B124-70E3-4E4A-90E2-6B55DB7659B3}" type="datetime1">
               <a:rPr lang="en-US" smtClean="0"/>
               <a:pPr/>
-              <a:t>10/12/22</a:t>
+              <a:t>10/17/22</a:t>
             </a:fld>
             <a:endParaRPr lang="en-US"/>
           </a:p>
@@ -4074,7 +4075,7 @@
             <a:fld id="{4EBF4C98-3CD6-4C87-BD40-5718C2628835}" type="datetime1">
               <a:rPr lang="en-US" smtClean="0"/>
               <a:pPr/>
-              <a:t>10/12/22</a:t>
+              <a:t>10/17/22</a:t>
             </a:fld>
             <a:endParaRPr lang="en-US"/>
           </a:p>
@@ -4480,7 +4481,7 @@
             <a:fld id="{6D6408A8-6B1B-4CDA-875E-7BEECDBA31DF}" type="datetime1">
               <a:rPr lang="en-US" smtClean="0"/>
               <a:pPr/>
-              <a:t>10/12/22</a:t>
+              <a:t>10/17/22</a:t>
             </a:fld>
             <a:endParaRPr lang="en-US"/>
           </a:p>
@@ -4821,7 +4822,7 @@
             <a:fld id="{C55AAF07-D2F5-4B3C-B443-40DE8C337A77}" type="datetime1">
               <a:rPr lang="en-US" smtClean="0"/>
               <a:pPr/>
-              <a:t>10/12/22</a:t>
+              <a:t>10/17/22</a:t>
             </a:fld>
             <a:endParaRPr lang="en-US"/>
           </a:p>
@@ -7601,6 +7602,167 @@
 </p:sld>
 </file>
 
+<file path=ppt/slides/slide20.xml><?xml version="1.0" encoding="utf-8"?>
+<p:sld xmlns:a="http://schemas.openxmlformats.org/drawingml/2006/main" xmlns:r="http://schemas.openxmlformats.org/officeDocument/2006/relationships" xmlns:p="http://schemas.openxmlformats.org/presentationml/2006/main">
+  <p:cSld>
+    <p:spTree>
+      <p:nvGrpSpPr>
+        <p:cNvPr id="1" name=""/>
+        <p:cNvGrpSpPr/>
+        <p:nvPr/>
+      </p:nvGrpSpPr>
+      <p:grpSpPr>
+        <a:xfrm>
+          <a:off x="0" y="0"/>
+          <a:ext cx="0" cy="0"/>
+          <a:chOff x="0" y="0"/>
+          <a:chExt cx="0" cy="0"/>
+        </a:xfrm>
+      </p:grpSpPr>
+      <p:sp>
+        <p:nvSpPr>
+          <p:cNvPr id="6146" name="Rectangle 2"/>
+          <p:cNvSpPr>
+            <a:spLocks noGrp="1" noChangeArrowheads="1"/>
+          </p:cNvSpPr>
+          <p:nvPr>
+            <p:ph type="title"/>
+            <p:custDataLst>
+              <p:tags r:id="rId1"/>
+            </p:custDataLst>
+          </p:nvPr>
+        </p:nvSpPr>
+        <p:spPr>
+          <a:xfrm>
+            <a:off x="2611808" y="533401"/>
+            <a:ext cx="7958331" cy="762000"/>
+          </a:xfrm>
+        </p:spPr>
+        <p:txBody>
+          <a:bodyPr/>
+          <a:lstStyle/>
+          <a:p>
+            <a:r>
+              <a:rPr lang="en-US" dirty="0"/>
+              <a:t>Monday, Oct. 17</a:t>
+            </a:r>
+          </a:p>
+        </p:txBody>
+      </p:sp>
+      <p:sp>
+        <p:nvSpPr>
+          <p:cNvPr id="6147" name="Rectangle 3"/>
+          <p:cNvSpPr>
+            <a:spLocks noGrp="1" noChangeArrowheads="1"/>
+          </p:cNvSpPr>
+          <p:nvPr>
+            <p:ph idx="1"/>
+            <p:custDataLst>
+              <p:tags r:id="rId2"/>
+            </p:custDataLst>
+          </p:nvPr>
+        </p:nvSpPr>
+        <p:spPr>
+          <a:xfrm>
+            <a:off x="1600200" y="1066800"/>
+            <a:ext cx="9067800" cy="5638800"/>
+          </a:xfrm>
+        </p:spPr>
+        <p:txBody>
+          <a:bodyPr>
+            <a:normAutofit/>
+          </a:bodyPr>
+          <a:lstStyle/>
+          <a:p>
+            <a:r>
+              <a:rPr lang="en-US" dirty="0"/>
+              <a:t>You should be done with module 3 HW by now.</a:t>
+            </a:r>
+          </a:p>
+          <a:p>
+            <a:r>
+              <a:rPr lang="en-US" dirty="0"/>
+              <a:t>You should be working on your second module 4 homework this week</a:t>
+            </a:r>
+          </a:p>
+          <a:p>
+            <a:pPr lvl="1"/>
+            <a:r>
+              <a:rPr lang="en-US" dirty="0"/>
+              <a:t>Probably Daycare / Nursery</a:t>
+            </a:r>
+          </a:p>
+          <a:p>
+            <a:r>
+              <a:rPr lang="en-US" dirty="0"/>
+              <a:t>For Daycare: Make sure you think about the greedy choice property carefully. It is a little bit complicated (but not too bad)</a:t>
+            </a:r>
+          </a:p>
+          <a:p>
+            <a:r>
+              <a:rPr lang="en-US" dirty="0"/>
+              <a:t>Quiz day 2 is NEXT Monday</a:t>
+            </a:r>
+          </a:p>
+          <a:p>
+            <a:pPr lvl="1"/>
+            <a:r>
+              <a:rPr lang="en-US" dirty="0"/>
+              <a:t>New quiz attempt at modules 3,4</a:t>
+            </a:r>
+          </a:p>
+          <a:p>
+            <a:pPr lvl="1"/>
+            <a:r>
+              <a:rPr lang="en-US" dirty="0"/>
+              <a:t>Retakes available for modules 1,2</a:t>
+            </a:r>
+          </a:p>
+          <a:p>
+            <a:r>
+              <a:rPr lang="en-US" dirty="0"/>
+              <a:t>Today we begin module 5 (dynamic programming!)</a:t>
+            </a:r>
+          </a:p>
+        </p:txBody>
+      </p:sp>
+      <p:sp>
+        <p:nvSpPr>
+          <p:cNvPr id="4" name="Slide Number Placeholder 3"/>
+          <p:cNvSpPr>
+            <a:spLocks noGrp="1"/>
+          </p:cNvSpPr>
+          <p:nvPr>
+            <p:ph type="sldNum" sz="quarter" idx="12"/>
+          </p:nvPr>
+        </p:nvSpPr>
+        <p:spPr/>
+        <p:txBody>
+          <a:bodyPr/>
+          <a:lstStyle/>
+          <a:p>
+            <a:fld id="{F26D9103-0C5C-48AC-B68E-3ED2C1647047}" type="slidenum">
+              <a:rPr lang="en-US" smtClean="0"/>
+              <a:pPr/>
+              <a:t>20</a:t>
+            </a:fld>
+            <a:endParaRPr lang="en-US" dirty="0"/>
+          </a:p>
+        </p:txBody>
+      </p:sp>
+    </p:spTree>
+    <p:extLst>
+      <p:ext uri="{BB962C8B-B14F-4D97-AF65-F5344CB8AC3E}">
+        <p14:creationId xmlns:p14="http://schemas.microsoft.com/office/powerpoint/2010/main" val="2913511730"/>
+      </p:ext>
+    </p:extLst>
+  </p:cSld>
+  <p:clrMapOvr>
+    <a:masterClrMapping/>
+  </p:clrMapOvr>
+</p:sld>
+</file>
+
 <file path=ppt/slides/slide3.xml><?xml version="1.0" encoding="utf-8"?>
 <p:sld xmlns:a="http://schemas.openxmlformats.org/drawingml/2006/main" xmlns:r="http://schemas.openxmlformats.org/officeDocument/2006/relationships" xmlns:p="http://schemas.openxmlformats.org/presentationml/2006/main">
   <p:cSld>
@@ -9030,6 +9192,18 @@
 </file>
 
 <file path=ppt/tags/tag37.xml><?xml version="1.0" encoding="utf-8"?>
+<p:tagLst xmlns:a="http://schemas.openxmlformats.org/drawingml/2006/main" xmlns:r="http://schemas.openxmlformats.org/officeDocument/2006/relationships" xmlns:p="http://schemas.openxmlformats.org/presentationml/2006/main">
+  <p:tag name="_INSTRUCTOR VIEW19C14C36-AC8E-43BC-9DB6-C2AAF774C7DC|PANE__TAG" val="_"/>
+</p:tagLst>
+</file>
+
+<file path=ppt/tags/tag38.xml><?xml version="1.0" encoding="utf-8"?>
+<p:tagLst xmlns:a="http://schemas.openxmlformats.org/drawingml/2006/main" xmlns:r="http://schemas.openxmlformats.org/officeDocument/2006/relationships" xmlns:p="http://schemas.openxmlformats.org/presentationml/2006/main">
+  <p:tag name="_INSTRUCTOR VIEW19C14C36-AC8E-43BC-9DB6-C2AAF774C7DC|PANE__TAG" val="_"/>
+</p:tagLst>
+</file>
+
+<file path=ppt/tags/tag39.xml><?xml version="1.0" encoding="utf-8"?>
 <p:tagLst xmlns:a="http://schemas.openxmlformats.org/drawingml/2006/main" xmlns:r="http://schemas.openxmlformats.org/officeDocument/2006/relationships" xmlns:p="http://schemas.openxmlformats.org/presentationml/2006/main">
   <p:tag name="_INSTRUCTOR VIEW19C14C36-AC8E-43BC-9DB6-C2AAF774C7DC|PANE__TAG" val="_"/>
 </p:tagLst>

--- a/slides/dailyannouncements.pptx
+++ b/slides/dailyannouncements.pptx
@@ -5,10 +5,10 @@
     <p:sldMasterId id="2147483752" r:id="rId1"/>
   </p:sldMasterIdLst>
   <p:notesMasterIdLst>
-    <p:notesMasterId r:id="rId22"/>
+    <p:notesMasterId r:id="rId23"/>
   </p:notesMasterIdLst>
   <p:handoutMasterIdLst>
-    <p:handoutMasterId r:id="rId23"/>
+    <p:handoutMasterId r:id="rId24"/>
   </p:handoutMasterIdLst>
   <p:sldIdLst>
     <p:sldId id="447" r:id="rId2"/>
@@ -31,11 +31,12 @@
     <p:sldId id="521" r:id="rId19"/>
     <p:sldId id="522" r:id="rId20"/>
     <p:sldId id="523" r:id="rId21"/>
+    <p:sldId id="524" r:id="rId22"/>
   </p:sldIdLst>
   <p:sldSz cx="12192000" cy="6858000"/>
   <p:notesSz cx="7315200" cy="9601200"/>
   <p:custDataLst>
-    <p:tags r:id="rId24"/>
+    <p:tags r:id="rId25"/>
   </p:custDataLst>
   <p:defaultTextStyle>
     <a:defPPr>
@@ -1123,7 +1124,7 @@
             <a:fld id="{E4886CB5-510A-4EF6-9466-BC7A8F0DDE87}" type="datetime1">
               <a:rPr lang="en-US" smtClean="0"/>
               <a:pPr/>
-              <a:t>10/17/22</a:t>
+              <a:t>10/19/22</a:t>
             </a:fld>
             <a:endParaRPr lang="en-US"/>
           </a:p>
@@ -1460,7 +1461,7 @@
             <a:fld id="{9B297853-24B4-4D05-83E4-0AD2E86C55E5}" type="datetime1">
               <a:rPr lang="en-US" smtClean="0"/>
               <a:pPr/>
-              <a:t>10/17/22</a:t>
+              <a:t>10/19/22</a:t>
             </a:fld>
             <a:endParaRPr lang="en-US"/>
           </a:p>
@@ -1765,7 +1766,7 @@
             <a:fld id="{01FCDD9E-5768-4705-9537-0C020B1BB310}" type="datetime1">
               <a:rPr lang="en-US" smtClean="0"/>
               <a:pPr/>
-              <a:t>10/17/22</a:t>
+              <a:t>10/19/22</a:t>
             </a:fld>
             <a:endParaRPr lang="en-US"/>
           </a:p>
@@ -2015,7 +2016,7 @@
             <a:fld id="{4257C27E-59C2-41CA-9776-94955CBEE440}" type="datetime1">
               <a:rPr lang="en-US" smtClean="0"/>
               <a:pPr/>
-              <a:t>10/17/22</a:t>
+              <a:t>10/19/22</a:t>
             </a:fld>
             <a:endParaRPr lang="en-US"/>
           </a:p>
@@ -2425,7 +2426,7 @@
             <a:fld id="{03180747-A137-49C6-9C74-AB7EE86F4904}" type="datetime1">
               <a:rPr lang="en-US" smtClean="0"/>
               <a:pPr/>
-              <a:t>10/17/22</a:t>
+              <a:t>10/19/22</a:t>
             </a:fld>
             <a:endParaRPr lang="en-US"/>
           </a:p>
@@ -2742,7 +2743,7 @@
             <a:fld id="{EBBA31D9-ADC1-480D-86A8-1EAFB6A86A35}" type="datetime1">
               <a:rPr lang="en-US" smtClean="0"/>
               <a:pPr/>
-              <a:t>10/17/22</a:t>
+              <a:t>10/19/22</a:t>
             </a:fld>
             <a:endParaRPr lang="en-US"/>
           </a:p>
@@ -3289,7 +3290,7 @@
             <a:fld id="{80AAE9AE-3B2F-4DEA-8C41-BDDF4CDF6F40}" type="datetime1">
               <a:rPr lang="en-US" smtClean="0"/>
               <a:pPr/>
-              <a:t>10/17/22</a:t>
+              <a:t>10/19/22</a:t>
             </a:fld>
             <a:endParaRPr lang="en-US"/>
           </a:p>
@@ -3487,7 +3488,7 @@
             <a:fld id="{48252F7F-E8FE-413B-8521-D4ED924C6DE5}" type="datetime1">
               <a:rPr lang="en-US" smtClean="0"/>
               <a:pPr/>
-              <a:t>10/17/22</a:t>
+              <a:t>10/19/22</a:t>
             </a:fld>
             <a:endParaRPr lang="en-US"/>
           </a:p>
@@ -3703,7 +3704,7 @@
             <a:fld id="{2FF1B124-70E3-4E4A-90E2-6B55DB7659B3}" type="datetime1">
               <a:rPr lang="en-US" smtClean="0"/>
               <a:pPr/>
-              <a:t>10/17/22</a:t>
+              <a:t>10/19/22</a:t>
             </a:fld>
             <a:endParaRPr lang="en-US"/>
           </a:p>
@@ -4075,7 +4076,7 @@
             <a:fld id="{4EBF4C98-3CD6-4C87-BD40-5718C2628835}" type="datetime1">
               <a:rPr lang="en-US" smtClean="0"/>
               <a:pPr/>
-              <a:t>10/17/22</a:t>
+              <a:t>10/19/22</a:t>
             </a:fld>
             <a:endParaRPr lang="en-US"/>
           </a:p>
@@ -4481,7 +4482,7 @@
             <a:fld id="{6D6408A8-6B1B-4CDA-875E-7BEECDBA31DF}" type="datetime1">
               <a:rPr lang="en-US" smtClean="0"/>
               <a:pPr/>
-              <a:t>10/17/22</a:t>
+              <a:t>10/19/22</a:t>
             </a:fld>
             <a:endParaRPr lang="en-US"/>
           </a:p>
@@ -4822,7 +4823,7 @@
             <a:fld id="{C55AAF07-D2F5-4B3C-B443-40DE8C337A77}" type="datetime1">
               <a:rPr lang="en-US" smtClean="0"/>
               <a:pPr/>
-              <a:t>10/17/22</a:t>
+              <a:t>10/19/22</a:t>
             </a:fld>
             <a:endParaRPr lang="en-US"/>
           </a:p>
@@ -7763,6 +7764,167 @@
 </p:sld>
 </file>
 
+<file path=ppt/slides/slide21.xml><?xml version="1.0" encoding="utf-8"?>
+<p:sld xmlns:a="http://schemas.openxmlformats.org/drawingml/2006/main" xmlns:r="http://schemas.openxmlformats.org/officeDocument/2006/relationships" xmlns:p="http://schemas.openxmlformats.org/presentationml/2006/main">
+  <p:cSld>
+    <p:spTree>
+      <p:nvGrpSpPr>
+        <p:cNvPr id="1" name=""/>
+        <p:cNvGrpSpPr/>
+        <p:nvPr/>
+      </p:nvGrpSpPr>
+      <p:grpSpPr>
+        <a:xfrm>
+          <a:off x="0" y="0"/>
+          <a:ext cx="0" cy="0"/>
+          <a:chOff x="0" y="0"/>
+          <a:chExt cx="0" cy="0"/>
+        </a:xfrm>
+      </p:grpSpPr>
+      <p:sp>
+        <p:nvSpPr>
+          <p:cNvPr id="6146" name="Rectangle 2"/>
+          <p:cNvSpPr>
+            <a:spLocks noGrp="1" noChangeArrowheads="1"/>
+          </p:cNvSpPr>
+          <p:nvPr>
+            <p:ph type="title"/>
+            <p:custDataLst>
+              <p:tags r:id="rId1"/>
+            </p:custDataLst>
+          </p:nvPr>
+        </p:nvSpPr>
+        <p:spPr>
+          <a:xfrm>
+            <a:off x="2611808" y="533401"/>
+            <a:ext cx="7958331" cy="762000"/>
+          </a:xfrm>
+        </p:spPr>
+        <p:txBody>
+          <a:bodyPr/>
+          <a:lstStyle/>
+          <a:p>
+            <a:r>
+              <a:rPr lang="en-US" dirty="0"/>
+              <a:t>Wednesday, Oct. 19</a:t>
+            </a:r>
+          </a:p>
+        </p:txBody>
+      </p:sp>
+      <p:sp>
+        <p:nvSpPr>
+          <p:cNvPr id="6147" name="Rectangle 3"/>
+          <p:cNvSpPr>
+            <a:spLocks noGrp="1" noChangeArrowheads="1"/>
+          </p:cNvSpPr>
+          <p:nvPr>
+            <p:ph idx="1"/>
+            <p:custDataLst>
+              <p:tags r:id="rId2"/>
+            </p:custDataLst>
+          </p:nvPr>
+        </p:nvSpPr>
+        <p:spPr>
+          <a:xfrm>
+            <a:off x="1600200" y="1066800"/>
+            <a:ext cx="9067800" cy="5638800"/>
+          </a:xfrm>
+        </p:spPr>
+        <p:txBody>
+          <a:bodyPr>
+            <a:normAutofit/>
+          </a:bodyPr>
+          <a:lstStyle/>
+          <a:p>
+            <a:r>
+              <a:rPr lang="en-US" dirty="0"/>
+              <a:t>You should be done with module 3 HW by now.</a:t>
+            </a:r>
+          </a:p>
+          <a:p>
+            <a:r>
+              <a:rPr lang="en-US" dirty="0"/>
+              <a:t>You should be working on your second module 4 homework this week</a:t>
+            </a:r>
+          </a:p>
+          <a:p>
+            <a:pPr lvl="1"/>
+            <a:r>
+              <a:rPr lang="en-US" dirty="0"/>
+              <a:t>Probably Daycare / Nursery</a:t>
+            </a:r>
+          </a:p>
+          <a:p>
+            <a:r>
+              <a:rPr lang="en-US" dirty="0"/>
+              <a:t>For Daycare: Make sure you think about the greedy choice property carefully. It is a little bit complicated (but not too bad)</a:t>
+            </a:r>
+          </a:p>
+          <a:p>
+            <a:r>
+              <a:rPr lang="en-US" dirty="0"/>
+              <a:t>Quiz day 2 is NEXT Monday</a:t>
+            </a:r>
+          </a:p>
+          <a:p>
+            <a:pPr lvl="1"/>
+            <a:r>
+              <a:rPr lang="en-US" dirty="0"/>
+              <a:t>New quiz attempt at modules 3,4</a:t>
+            </a:r>
+          </a:p>
+          <a:p>
+            <a:pPr lvl="1"/>
+            <a:r>
+              <a:rPr lang="en-US" dirty="0"/>
+              <a:t>Retakes available for modules 1,2</a:t>
+            </a:r>
+          </a:p>
+          <a:p>
+            <a:r>
+              <a:rPr lang="en-US" dirty="0"/>
+              <a:t>Today we continue with module 5 (dynamic programming!)</a:t>
+            </a:r>
+          </a:p>
+        </p:txBody>
+      </p:sp>
+      <p:sp>
+        <p:nvSpPr>
+          <p:cNvPr id="4" name="Slide Number Placeholder 3"/>
+          <p:cNvSpPr>
+            <a:spLocks noGrp="1"/>
+          </p:cNvSpPr>
+          <p:nvPr>
+            <p:ph type="sldNum" sz="quarter" idx="12"/>
+          </p:nvPr>
+        </p:nvSpPr>
+        <p:spPr/>
+        <p:txBody>
+          <a:bodyPr/>
+          <a:lstStyle/>
+          <a:p>
+            <a:fld id="{F26D9103-0C5C-48AC-B68E-3ED2C1647047}" type="slidenum">
+              <a:rPr lang="en-US" smtClean="0"/>
+              <a:pPr/>
+              <a:t>21</a:t>
+            </a:fld>
+            <a:endParaRPr lang="en-US" dirty="0"/>
+          </a:p>
+        </p:txBody>
+      </p:sp>
+    </p:spTree>
+    <p:extLst>
+      <p:ext uri="{BB962C8B-B14F-4D97-AF65-F5344CB8AC3E}">
+        <p14:creationId xmlns:p14="http://schemas.microsoft.com/office/powerpoint/2010/main" val="2519136800"/>
+      </p:ext>
+    </p:extLst>
+  </p:cSld>
+  <p:clrMapOvr>
+    <a:masterClrMapping/>
+  </p:clrMapOvr>
+</p:sld>
+</file>
+
 <file path=ppt/slides/slide3.xml><?xml version="1.0" encoding="utf-8"?>
 <p:sld xmlns:a="http://schemas.openxmlformats.org/drawingml/2006/main" xmlns:r="http://schemas.openxmlformats.org/officeDocument/2006/relationships" xmlns:p="http://schemas.openxmlformats.org/presentationml/2006/main">
   <p:cSld>
@@ -9210,6 +9372,18 @@
 </file>
 
 <file path=ppt/tags/tag4.xml><?xml version="1.0" encoding="utf-8"?>
+<p:tagLst xmlns:a="http://schemas.openxmlformats.org/drawingml/2006/main" xmlns:r="http://schemas.openxmlformats.org/officeDocument/2006/relationships" xmlns:p="http://schemas.openxmlformats.org/presentationml/2006/main">
+  <p:tag name="_INSTRUCTOR VIEW19C14C36-AC8E-43BC-9DB6-C2AAF774C7DC|PANE__TAG" val="_"/>
+</p:tagLst>
+</file>
+
+<file path=ppt/tags/tag40.xml><?xml version="1.0" encoding="utf-8"?>
+<p:tagLst xmlns:a="http://schemas.openxmlformats.org/drawingml/2006/main" xmlns:r="http://schemas.openxmlformats.org/officeDocument/2006/relationships" xmlns:p="http://schemas.openxmlformats.org/presentationml/2006/main">
+  <p:tag name="_INSTRUCTOR VIEW19C14C36-AC8E-43BC-9DB6-C2AAF774C7DC|PANE__TAG" val="_"/>
+</p:tagLst>
+</file>
+
+<file path=ppt/tags/tag41.xml><?xml version="1.0" encoding="utf-8"?>
 <p:tagLst xmlns:a="http://schemas.openxmlformats.org/drawingml/2006/main" xmlns:r="http://schemas.openxmlformats.org/officeDocument/2006/relationships" xmlns:p="http://schemas.openxmlformats.org/presentationml/2006/main">
   <p:tag name="_INSTRUCTOR VIEW19C14C36-AC8E-43BC-9DB6-C2AAF774C7DC|PANE__TAG" val="_"/>
 </p:tagLst>

--- a/slides/dailyannouncements.pptx
+++ b/slides/dailyannouncements.pptx
@@ -5,10 +5,10 @@
     <p:sldMasterId id="2147483752" r:id="rId1"/>
   </p:sldMasterIdLst>
   <p:notesMasterIdLst>
-    <p:notesMasterId r:id="rId23"/>
+    <p:notesMasterId r:id="rId24"/>
   </p:notesMasterIdLst>
   <p:handoutMasterIdLst>
-    <p:handoutMasterId r:id="rId24"/>
+    <p:handoutMasterId r:id="rId25"/>
   </p:handoutMasterIdLst>
   <p:sldIdLst>
     <p:sldId id="447" r:id="rId2"/>
@@ -32,11 +32,12 @@
     <p:sldId id="522" r:id="rId20"/>
     <p:sldId id="523" r:id="rId21"/>
     <p:sldId id="524" r:id="rId22"/>
+    <p:sldId id="525" r:id="rId23"/>
   </p:sldIdLst>
   <p:sldSz cx="12192000" cy="6858000"/>
   <p:notesSz cx="7315200" cy="9601200"/>
   <p:custDataLst>
-    <p:tags r:id="rId25"/>
+    <p:tags r:id="rId26"/>
   </p:custDataLst>
   <p:defaultTextStyle>
     <a:defPPr>
@@ -1124,7 +1125,7 @@
             <a:fld id="{E4886CB5-510A-4EF6-9466-BC7A8F0DDE87}" type="datetime1">
               <a:rPr lang="en-US" smtClean="0"/>
               <a:pPr/>
-              <a:t>10/19/22</a:t>
+              <a:t>10/26/22</a:t>
             </a:fld>
             <a:endParaRPr lang="en-US"/>
           </a:p>
@@ -1461,7 +1462,7 @@
             <a:fld id="{9B297853-24B4-4D05-83E4-0AD2E86C55E5}" type="datetime1">
               <a:rPr lang="en-US" smtClean="0"/>
               <a:pPr/>
-              <a:t>10/19/22</a:t>
+              <a:t>10/26/22</a:t>
             </a:fld>
             <a:endParaRPr lang="en-US"/>
           </a:p>
@@ -1766,7 +1767,7 @@
             <a:fld id="{01FCDD9E-5768-4705-9537-0C020B1BB310}" type="datetime1">
               <a:rPr lang="en-US" smtClean="0"/>
               <a:pPr/>
-              <a:t>10/19/22</a:t>
+              <a:t>10/26/22</a:t>
             </a:fld>
             <a:endParaRPr lang="en-US"/>
           </a:p>
@@ -2016,7 +2017,7 @@
             <a:fld id="{4257C27E-59C2-41CA-9776-94955CBEE440}" type="datetime1">
               <a:rPr lang="en-US" smtClean="0"/>
               <a:pPr/>
-              <a:t>10/19/22</a:t>
+              <a:t>10/26/22</a:t>
             </a:fld>
             <a:endParaRPr lang="en-US"/>
           </a:p>
@@ -2426,7 +2427,7 @@
             <a:fld id="{03180747-A137-49C6-9C74-AB7EE86F4904}" type="datetime1">
               <a:rPr lang="en-US" smtClean="0"/>
               <a:pPr/>
-              <a:t>10/19/22</a:t>
+              <a:t>10/26/22</a:t>
             </a:fld>
             <a:endParaRPr lang="en-US"/>
           </a:p>
@@ -2743,7 +2744,7 @@
             <a:fld id="{EBBA31D9-ADC1-480D-86A8-1EAFB6A86A35}" type="datetime1">
               <a:rPr lang="en-US" smtClean="0"/>
               <a:pPr/>
-              <a:t>10/19/22</a:t>
+              <a:t>10/26/22</a:t>
             </a:fld>
             <a:endParaRPr lang="en-US"/>
           </a:p>
@@ -3290,7 +3291,7 @@
             <a:fld id="{80AAE9AE-3B2F-4DEA-8C41-BDDF4CDF6F40}" type="datetime1">
               <a:rPr lang="en-US" smtClean="0"/>
               <a:pPr/>
-              <a:t>10/19/22</a:t>
+              <a:t>10/26/22</a:t>
             </a:fld>
             <a:endParaRPr lang="en-US"/>
           </a:p>
@@ -3488,7 +3489,7 @@
             <a:fld id="{48252F7F-E8FE-413B-8521-D4ED924C6DE5}" type="datetime1">
               <a:rPr lang="en-US" smtClean="0"/>
               <a:pPr/>
-              <a:t>10/19/22</a:t>
+              <a:t>10/26/22</a:t>
             </a:fld>
             <a:endParaRPr lang="en-US"/>
           </a:p>
@@ -3704,7 +3705,7 @@
             <a:fld id="{2FF1B124-70E3-4E4A-90E2-6B55DB7659B3}" type="datetime1">
               <a:rPr lang="en-US" smtClean="0"/>
               <a:pPr/>
-              <a:t>10/19/22</a:t>
+              <a:t>10/26/22</a:t>
             </a:fld>
             <a:endParaRPr lang="en-US"/>
           </a:p>
@@ -4076,7 +4077,7 @@
             <a:fld id="{4EBF4C98-3CD6-4C87-BD40-5718C2628835}" type="datetime1">
               <a:rPr lang="en-US" smtClean="0"/>
               <a:pPr/>
-              <a:t>10/19/22</a:t>
+              <a:t>10/26/22</a:t>
             </a:fld>
             <a:endParaRPr lang="en-US"/>
           </a:p>
@@ -4482,7 +4483,7 @@
             <a:fld id="{6D6408A8-6B1B-4CDA-875E-7BEECDBA31DF}" type="datetime1">
               <a:rPr lang="en-US" smtClean="0"/>
               <a:pPr/>
-              <a:t>10/19/22</a:t>
+              <a:t>10/26/22</a:t>
             </a:fld>
             <a:endParaRPr lang="en-US"/>
           </a:p>
@@ -4823,7 +4824,7 @@
             <a:fld id="{C55AAF07-D2F5-4B3C-B443-40DE8C337A77}" type="datetime1">
               <a:rPr lang="en-US" smtClean="0"/>
               <a:pPr/>
-              <a:t>10/19/22</a:t>
+              <a:t>10/26/22</a:t>
             </a:fld>
             <a:endParaRPr lang="en-US"/>
           </a:p>
@@ -7925,6 +7926,184 @@
 </p:sld>
 </file>
 
+<file path=ppt/slides/slide22.xml><?xml version="1.0" encoding="utf-8"?>
+<p:sld xmlns:a="http://schemas.openxmlformats.org/drawingml/2006/main" xmlns:r="http://schemas.openxmlformats.org/officeDocument/2006/relationships" xmlns:p="http://schemas.openxmlformats.org/presentationml/2006/main">
+  <p:cSld>
+    <p:spTree>
+      <p:nvGrpSpPr>
+        <p:cNvPr id="1" name=""/>
+        <p:cNvGrpSpPr/>
+        <p:nvPr/>
+      </p:nvGrpSpPr>
+      <p:grpSpPr>
+        <a:xfrm>
+          <a:off x="0" y="0"/>
+          <a:ext cx="0" cy="0"/>
+          <a:chOff x="0" y="0"/>
+          <a:chExt cx="0" cy="0"/>
+        </a:xfrm>
+      </p:grpSpPr>
+      <p:sp>
+        <p:nvSpPr>
+          <p:cNvPr id="6146" name="Rectangle 2"/>
+          <p:cNvSpPr>
+            <a:spLocks noGrp="1" noChangeArrowheads="1"/>
+          </p:cNvSpPr>
+          <p:nvPr>
+            <p:ph type="title"/>
+            <p:custDataLst>
+              <p:tags r:id="rId1"/>
+            </p:custDataLst>
+          </p:nvPr>
+        </p:nvSpPr>
+        <p:spPr>
+          <a:xfrm>
+            <a:off x="2611808" y="533401"/>
+            <a:ext cx="7958331" cy="762000"/>
+          </a:xfrm>
+        </p:spPr>
+        <p:txBody>
+          <a:bodyPr/>
+          <a:lstStyle/>
+          <a:p>
+            <a:r>
+              <a:rPr lang="en-US" dirty="0"/>
+              <a:t>Wednesday, Oct. 26</a:t>
+            </a:r>
+          </a:p>
+        </p:txBody>
+      </p:sp>
+      <p:sp>
+        <p:nvSpPr>
+          <p:cNvPr id="6147" name="Rectangle 3"/>
+          <p:cNvSpPr>
+            <a:spLocks noGrp="1" noChangeArrowheads="1"/>
+          </p:cNvSpPr>
+          <p:nvPr>
+            <p:ph idx="1"/>
+            <p:custDataLst>
+              <p:tags r:id="rId2"/>
+            </p:custDataLst>
+          </p:nvPr>
+        </p:nvSpPr>
+        <p:spPr>
+          <a:xfrm>
+            <a:off x="1143000" y="990600"/>
+            <a:ext cx="10134600" cy="5715000"/>
+          </a:xfrm>
+        </p:spPr>
+        <p:txBody>
+          <a:bodyPr>
+            <a:normAutofit/>
+          </a:bodyPr>
+          <a:lstStyle/>
+          <a:p>
+            <a:r>
+              <a:rPr lang="en-US" dirty="0"/>
+              <a:t>You should be done with module 4 HW by now.</a:t>
+            </a:r>
+          </a:p>
+          <a:p>
+            <a:pPr lvl="1"/>
+            <a:r>
+              <a:rPr lang="en-US" dirty="0"/>
+              <a:t>You should be working on module 5 </a:t>
+            </a:r>
+            <a:r>
+              <a:rPr lang="en-US" dirty="0" err="1"/>
+              <a:t>hw</a:t>
+            </a:r>
+            <a:r>
+              <a:rPr lang="en-US" dirty="0"/>
+              <a:t> this week and next week.</a:t>
+            </a:r>
+          </a:p>
+          <a:p>
+            <a:r>
+              <a:rPr lang="en-US" dirty="0"/>
+              <a:t>Quiz day 2 was on Monday</a:t>
+            </a:r>
+          </a:p>
+          <a:p>
+            <a:pPr lvl="1"/>
+            <a:r>
+              <a:rPr lang="en-US" dirty="0"/>
+              <a:t>How did it go? Length / difficulty of quizzes? How is morale?</a:t>
+            </a:r>
+          </a:p>
+          <a:p>
+            <a:pPr lvl="1"/>
+            <a:r>
+              <a:rPr lang="en-US" dirty="0"/>
+              <a:t>Floryan is going to give you a bit of a pep talk!!</a:t>
+            </a:r>
+          </a:p>
+          <a:p>
+            <a:pPr lvl="1"/>
+            <a:r>
+              <a:rPr lang="en-US" dirty="0"/>
+              <a:t>Likely won’t have it graded until next week (sorry!)</a:t>
+            </a:r>
+          </a:p>
+          <a:p>
+            <a:r>
+              <a:rPr lang="en-US" dirty="0"/>
+              <a:t>Today we finish module 5 (dynamic programming!)</a:t>
+            </a:r>
+          </a:p>
+          <a:p>
+            <a:pPr lvl="1"/>
+            <a:r>
+              <a:rPr lang="en-US" dirty="0"/>
+              <a:t>Coin Change Problem (again)</a:t>
+            </a:r>
+          </a:p>
+          <a:p>
+            <a:pPr lvl="1"/>
+            <a:r>
+              <a:rPr lang="en-US" dirty="0"/>
+              <a:t>String Edit Distance</a:t>
+            </a:r>
+          </a:p>
+        </p:txBody>
+      </p:sp>
+      <p:sp>
+        <p:nvSpPr>
+          <p:cNvPr id="4" name="Slide Number Placeholder 3"/>
+          <p:cNvSpPr>
+            <a:spLocks noGrp="1"/>
+          </p:cNvSpPr>
+          <p:nvPr>
+            <p:ph type="sldNum" sz="quarter" idx="12"/>
+          </p:nvPr>
+        </p:nvSpPr>
+        <p:spPr/>
+        <p:txBody>
+          <a:bodyPr/>
+          <a:lstStyle/>
+          <a:p>
+            <a:fld id="{F26D9103-0C5C-48AC-B68E-3ED2C1647047}" type="slidenum">
+              <a:rPr lang="en-US" smtClean="0"/>
+              <a:pPr/>
+              <a:t>22</a:t>
+            </a:fld>
+            <a:endParaRPr lang="en-US" dirty="0"/>
+          </a:p>
+        </p:txBody>
+      </p:sp>
+    </p:spTree>
+    <p:extLst>
+      <p:ext uri="{BB962C8B-B14F-4D97-AF65-F5344CB8AC3E}">
+        <p14:creationId xmlns:p14="http://schemas.microsoft.com/office/powerpoint/2010/main" val="3263197533"/>
+      </p:ext>
+    </p:extLst>
+  </p:cSld>
+  <p:clrMapOvr>
+    <a:masterClrMapping/>
+  </p:clrMapOvr>
+</p:sld>
+</file>
+
 <file path=ppt/slides/slide3.xml><?xml version="1.0" encoding="utf-8"?>
 <p:sld xmlns:a="http://schemas.openxmlformats.org/drawingml/2006/main" xmlns:r="http://schemas.openxmlformats.org/officeDocument/2006/relationships" xmlns:p="http://schemas.openxmlformats.org/presentationml/2006/main">
   <p:cSld>
@@ -9384,6 +9563,18 @@
 </file>
 
 <file path=ppt/tags/tag41.xml><?xml version="1.0" encoding="utf-8"?>
+<p:tagLst xmlns:a="http://schemas.openxmlformats.org/drawingml/2006/main" xmlns:r="http://schemas.openxmlformats.org/officeDocument/2006/relationships" xmlns:p="http://schemas.openxmlformats.org/presentationml/2006/main">
+  <p:tag name="_INSTRUCTOR VIEW19C14C36-AC8E-43BC-9DB6-C2AAF774C7DC|PANE__TAG" val="_"/>
+</p:tagLst>
+</file>
+
+<file path=ppt/tags/tag42.xml><?xml version="1.0" encoding="utf-8"?>
+<p:tagLst xmlns:a="http://schemas.openxmlformats.org/drawingml/2006/main" xmlns:r="http://schemas.openxmlformats.org/officeDocument/2006/relationships" xmlns:p="http://schemas.openxmlformats.org/presentationml/2006/main">
+  <p:tag name="_INSTRUCTOR VIEW19C14C36-AC8E-43BC-9DB6-C2AAF774C7DC|PANE__TAG" val="_"/>
+</p:tagLst>
+</file>
+
+<file path=ppt/tags/tag43.xml><?xml version="1.0" encoding="utf-8"?>
 <p:tagLst xmlns:a="http://schemas.openxmlformats.org/drawingml/2006/main" xmlns:r="http://schemas.openxmlformats.org/officeDocument/2006/relationships" xmlns:p="http://schemas.openxmlformats.org/presentationml/2006/main">
   <p:tag name="_INSTRUCTOR VIEW19C14C36-AC8E-43BC-9DB6-C2AAF774C7DC|PANE__TAG" val="_"/>
 </p:tagLst>

--- a/slides/dailyannouncements.pptx
+++ b/slides/dailyannouncements.pptx
@@ -5,10 +5,10 @@
     <p:sldMasterId id="2147483752" r:id="rId1"/>
   </p:sldMasterIdLst>
   <p:notesMasterIdLst>
-    <p:notesMasterId r:id="rId24"/>
+    <p:notesMasterId r:id="rId25"/>
   </p:notesMasterIdLst>
   <p:handoutMasterIdLst>
-    <p:handoutMasterId r:id="rId25"/>
+    <p:handoutMasterId r:id="rId26"/>
   </p:handoutMasterIdLst>
   <p:sldIdLst>
     <p:sldId id="447" r:id="rId2"/>
@@ -33,11 +33,12 @@
     <p:sldId id="523" r:id="rId21"/>
     <p:sldId id="524" r:id="rId22"/>
     <p:sldId id="525" r:id="rId23"/>
+    <p:sldId id="526" r:id="rId24"/>
   </p:sldIdLst>
   <p:sldSz cx="12192000" cy="6858000"/>
   <p:notesSz cx="7315200" cy="9601200"/>
   <p:custDataLst>
-    <p:tags r:id="rId26"/>
+    <p:tags r:id="rId27"/>
   </p:custDataLst>
   <p:defaultTextStyle>
     <a:defPPr>
@@ -1125,7 +1126,7 @@
             <a:fld id="{E4886CB5-510A-4EF6-9466-BC7A8F0DDE87}" type="datetime1">
               <a:rPr lang="en-US" smtClean="0"/>
               <a:pPr/>
-              <a:t>10/26/22</a:t>
+              <a:t>10/28/22</a:t>
             </a:fld>
             <a:endParaRPr lang="en-US"/>
           </a:p>
@@ -1462,7 +1463,7 @@
             <a:fld id="{9B297853-24B4-4D05-83E4-0AD2E86C55E5}" type="datetime1">
               <a:rPr lang="en-US" smtClean="0"/>
               <a:pPr/>
-              <a:t>10/26/22</a:t>
+              <a:t>10/28/22</a:t>
             </a:fld>
             <a:endParaRPr lang="en-US"/>
           </a:p>
@@ -1767,7 +1768,7 @@
             <a:fld id="{01FCDD9E-5768-4705-9537-0C020B1BB310}" type="datetime1">
               <a:rPr lang="en-US" smtClean="0"/>
               <a:pPr/>
-              <a:t>10/26/22</a:t>
+              <a:t>10/28/22</a:t>
             </a:fld>
             <a:endParaRPr lang="en-US"/>
           </a:p>
@@ -2017,7 +2018,7 @@
             <a:fld id="{4257C27E-59C2-41CA-9776-94955CBEE440}" type="datetime1">
               <a:rPr lang="en-US" smtClean="0"/>
               <a:pPr/>
-              <a:t>10/26/22</a:t>
+              <a:t>10/28/22</a:t>
             </a:fld>
             <a:endParaRPr lang="en-US"/>
           </a:p>
@@ -2427,7 +2428,7 @@
             <a:fld id="{03180747-A137-49C6-9C74-AB7EE86F4904}" type="datetime1">
               <a:rPr lang="en-US" smtClean="0"/>
               <a:pPr/>
-              <a:t>10/26/22</a:t>
+              <a:t>10/28/22</a:t>
             </a:fld>
             <a:endParaRPr lang="en-US"/>
           </a:p>
@@ -2744,7 +2745,7 @@
             <a:fld id="{EBBA31D9-ADC1-480D-86A8-1EAFB6A86A35}" type="datetime1">
               <a:rPr lang="en-US" smtClean="0"/>
               <a:pPr/>
-              <a:t>10/26/22</a:t>
+              <a:t>10/28/22</a:t>
             </a:fld>
             <a:endParaRPr lang="en-US"/>
           </a:p>
@@ -3291,7 +3292,7 @@
             <a:fld id="{80AAE9AE-3B2F-4DEA-8C41-BDDF4CDF6F40}" type="datetime1">
               <a:rPr lang="en-US" smtClean="0"/>
               <a:pPr/>
-              <a:t>10/26/22</a:t>
+              <a:t>10/28/22</a:t>
             </a:fld>
             <a:endParaRPr lang="en-US"/>
           </a:p>
@@ -3489,7 +3490,7 @@
             <a:fld id="{48252F7F-E8FE-413B-8521-D4ED924C6DE5}" type="datetime1">
               <a:rPr lang="en-US" smtClean="0"/>
               <a:pPr/>
-              <a:t>10/26/22</a:t>
+              <a:t>10/28/22</a:t>
             </a:fld>
             <a:endParaRPr lang="en-US"/>
           </a:p>
@@ -3705,7 +3706,7 @@
             <a:fld id="{2FF1B124-70E3-4E4A-90E2-6B55DB7659B3}" type="datetime1">
               <a:rPr lang="en-US" smtClean="0"/>
               <a:pPr/>
-              <a:t>10/26/22</a:t>
+              <a:t>10/28/22</a:t>
             </a:fld>
             <a:endParaRPr lang="en-US"/>
           </a:p>
@@ -4077,7 +4078,7 @@
             <a:fld id="{4EBF4C98-3CD6-4C87-BD40-5718C2628835}" type="datetime1">
               <a:rPr lang="en-US" smtClean="0"/>
               <a:pPr/>
-              <a:t>10/26/22</a:t>
+              <a:t>10/28/22</a:t>
             </a:fld>
             <a:endParaRPr lang="en-US"/>
           </a:p>
@@ -4483,7 +4484,7 @@
             <a:fld id="{6D6408A8-6B1B-4CDA-875E-7BEECDBA31DF}" type="datetime1">
               <a:rPr lang="en-US" smtClean="0"/>
               <a:pPr/>
-              <a:t>10/26/22</a:t>
+              <a:t>10/28/22</a:t>
             </a:fld>
             <a:endParaRPr lang="en-US"/>
           </a:p>
@@ -4824,7 +4825,7 @@
             <a:fld id="{C55AAF07-D2F5-4B3C-B443-40DE8C337A77}" type="datetime1">
               <a:rPr lang="en-US" smtClean="0"/>
               <a:pPr/>
-              <a:t>10/26/22</a:t>
+              <a:t>10/28/22</a:t>
             </a:fld>
             <a:endParaRPr lang="en-US"/>
           </a:p>
@@ -8104,6 +8105,176 @@
 </p:sld>
 </file>
 
+<file path=ppt/slides/slide23.xml><?xml version="1.0" encoding="utf-8"?>
+<p:sld xmlns:a="http://schemas.openxmlformats.org/drawingml/2006/main" xmlns:r="http://schemas.openxmlformats.org/officeDocument/2006/relationships" xmlns:p="http://schemas.openxmlformats.org/presentationml/2006/main">
+  <p:cSld>
+    <p:spTree>
+      <p:nvGrpSpPr>
+        <p:cNvPr id="1" name=""/>
+        <p:cNvGrpSpPr/>
+        <p:nvPr/>
+      </p:nvGrpSpPr>
+      <p:grpSpPr>
+        <a:xfrm>
+          <a:off x="0" y="0"/>
+          <a:ext cx="0" cy="0"/>
+          <a:chOff x="0" y="0"/>
+          <a:chExt cx="0" cy="0"/>
+        </a:xfrm>
+      </p:grpSpPr>
+      <p:sp>
+        <p:nvSpPr>
+          <p:cNvPr id="6146" name="Rectangle 2"/>
+          <p:cNvSpPr>
+            <a:spLocks noGrp="1" noChangeArrowheads="1"/>
+          </p:cNvSpPr>
+          <p:nvPr>
+            <p:ph type="title"/>
+            <p:custDataLst>
+              <p:tags r:id="rId1"/>
+            </p:custDataLst>
+          </p:nvPr>
+        </p:nvSpPr>
+        <p:spPr>
+          <a:xfrm>
+            <a:off x="2611808" y="533401"/>
+            <a:ext cx="7958331" cy="762000"/>
+          </a:xfrm>
+        </p:spPr>
+        <p:txBody>
+          <a:bodyPr/>
+          <a:lstStyle/>
+          <a:p>
+            <a:r>
+              <a:rPr lang="en-US" dirty="0"/>
+              <a:t>Friday, Oct. 28</a:t>
+            </a:r>
+          </a:p>
+        </p:txBody>
+      </p:sp>
+      <p:sp>
+        <p:nvSpPr>
+          <p:cNvPr id="6147" name="Rectangle 3"/>
+          <p:cNvSpPr>
+            <a:spLocks noGrp="1" noChangeArrowheads="1"/>
+          </p:cNvSpPr>
+          <p:nvPr>
+            <p:ph idx="1"/>
+            <p:custDataLst>
+              <p:tags r:id="rId2"/>
+            </p:custDataLst>
+          </p:nvPr>
+        </p:nvSpPr>
+        <p:spPr>
+          <a:xfrm>
+            <a:off x="1143000" y="990600"/>
+            <a:ext cx="10134600" cy="5715000"/>
+          </a:xfrm>
+        </p:spPr>
+        <p:txBody>
+          <a:bodyPr>
+            <a:normAutofit/>
+          </a:bodyPr>
+          <a:lstStyle/>
+          <a:p>
+            <a:r>
+              <a:rPr lang="en-US" dirty="0"/>
+              <a:t>Happy Birthday Floryan!</a:t>
+            </a:r>
+          </a:p>
+          <a:p>
+            <a:pPr lvl="1"/>
+            <a:r>
+              <a:rPr lang="en-US" dirty="0"/>
+              <a:t>Can you guess how old I am? Do you even want to know?</a:t>
+            </a:r>
+          </a:p>
+          <a:p>
+            <a:r>
+              <a:rPr lang="en-US" dirty="0"/>
+              <a:t>You should be done with module 4 HW by now.</a:t>
+            </a:r>
+          </a:p>
+          <a:p>
+            <a:pPr lvl="1"/>
+            <a:r>
+              <a:rPr lang="en-US" dirty="0"/>
+              <a:t>You should be working on module 5 </a:t>
+            </a:r>
+            <a:r>
+              <a:rPr lang="en-US" dirty="0" err="1"/>
+              <a:t>hw</a:t>
+            </a:r>
+            <a:r>
+              <a:rPr lang="en-US" dirty="0"/>
+              <a:t> this week (drainage) and next week (written).</a:t>
+            </a:r>
+          </a:p>
+          <a:p>
+            <a:r>
+              <a:rPr lang="en-US" dirty="0"/>
+              <a:t>Quiz Grading will hopefully be done by end of next week</a:t>
+            </a:r>
+          </a:p>
+          <a:p>
+            <a:pPr lvl="1"/>
+            <a:r>
+              <a:rPr lang="en-US" dirty="0"/>
+              <a:t>It naturally takes longer due to extra quizzes.</a:t>
+            </a:r>
+          </a:p>
+          <a:p>
+            <a:r>
+              <a:rPr lang="en-US" dirty="0"/>
+              <a:t>Today we start module 6 (Network Flow)</a:t>
+            </a:r>
+          </a:p>
+          <a:p>
+            <a:pPr lvl="1"/>
+            <a:r>
+              <a:rPr lang="en-US" dirty="0"/>
+              <a:t>Really fun module!!</a:t>
+            </a:r>
+          </a:p>
+        </p:txBody>
+      </p:sp>
+      <p:sp>
+        <p:nvSpPr>
+          <p:cNvPr id="4" name="Slide Number Placeholder 3"/>
+          <p:cNvSpPr>
+            <a:spLocks noGrp="1"/>
+          </p:cNvSpPr>
+          <p:nvPr>
+            <p:ph type="sldNum" sz="quarter" idx="12"/>
+          </p:nvPr>
+        </p:nvSpPr>
+        <p:spPr/>
+        <p:txBody>
+          <a:bodyPr/>
+          <a:lstStyle/>
+          <a:p>
+            <a:fld id="{F26D9103-0C5C-48AC-B68E-3ED2C1647047}" type="slidenum">
+              <a:rPr lang="en-US" smtClean="0"/>
+              <a:pPr/>
+              <a:t>23</a:t>
+            </a:fld>
+            <a:endParaRPr lang="en-US" dirty="0"/>
+          </a:p>
+        </p:txBody>
+      </p:sp>
+    </p:spTree>
+    <p:extLst>
+      <p:ext uri="{BB962C8B-B14F-4D97-AF65-F5344CB8AC3E}">
+        <p14:creationId xmlns:p14="http://schemas.microsoft.com/office/powerpoint/2010/main" val="1524717660"/>
+      </p:ext>
+    </p:extLst>
+  </p:cSld>
+  <p:clrMapOvr>
+    <a:masterClrMapping/>
+  </p:clrMapOvr>
+</p:sld>
+</file>
+
 <file path=ppt/slides/slide3.xml><?xml version="1.0" encoding="utf-8"?>
 <p:sld xmlns:a="http://schemas.openxmlformats.org/drawingml/2006/main" xmlns:r="http://schemas.openxmlformats.org/officeDocument/2006/relationships" xmlns:p="http://schemas.openxmlformats.org/presentationml/2006/main">
   <p:cSld>
@@ -9575,6 +9746,18 @@
 </file>
 
 <file path=ppt/tags/tag43.xml><?xml version="1.0" encoding="utf-8"?>
+<p:tagLst xmlns:a="http://schemas.openxmlformats.org/drawingml/2006/main" xmlns:r="http://schemas.openxmlformats.org/officeDocument/2006/relationships" xmlns:p="http://schemas.openxmlformats.org/presentationml/2006/main">
+  <p:tag name="_INSTRUCTOR VIEW19C14C36-AC8E-43BC-9DB6-C2AAF774C7DC|PANE__TAG" val="_"/>
+</p:tagLst>
+</file>
+
+<file path=ppt/tags/tag44.xml><?xml version="1.0" encoding="utf-8"?>
+<p:tagLst xmlns:a="http://schemas.openxmlformats.org/drawingml/2006/main" xmlns:r="http://schemas.openxmlformats.org/officeDocument/2006/relationships" xmlns:p="http://schemas.openxmlformats.org/presentationml/2006/main">
+  <p:tag name="_INSTRUCTOR VIEW19C14C36-AC8E-43BC-9DB6-C2AAF774C7DC|PANE__TAG" val="_"/>
+</p:tagLst>
+</file>
+
+<file path=ppt/tags/tag45.xml><?xml version="1.0" encoding="utf-8"?>
 <p:tagLst xmlns:a="http://schemas.openxmlformats.org/drawingml/2006/main" xmlns:r="http://schemas.openxmlformats.org/officeDocument/2006/relationships" xmlns:p="http://schemas.openxmlformats.org/presentationml/2006/main">
   <p:tag name="_INSTRUCTOR VIEW19C14C36-AC8E-43BC-9DB6-C2AAF774C7DC|PANE__TAG" val="_"/>
 </p:tagLst>

--- a/slides/dailyannouncements.pptx
+++ b/slides/dailyannouncements.pptx
@@ -8187,6 +8187,12 @@
             <a:r>
               <a:rPr lang="en-US" dirty="0"/>
               <a:t>Can you guess how old I am? Do you even want to know?</a:t>
+            </a:r>
+          </a:p>
+          <a:p>
+            <a:r>
+              <a:rPr lang="en-US" dirty="0"/>
+              <a:t>I’ve decided to reopen Module 1-2 programming assignments for those who didn’t finish them.</a:t>
             </a:r>
           </a:p>
           <a:p>

--- a/slides/dailyannouncements.pptx
+++ b/slides/dailyannouncements.pptx
@@ -5,10 +5,10 @@
     <p:sldMasterId id="2147483752" r:id="rId1"/>
   </p:sldMasterIdLst>
   <p:notesMasterIdLst>
-    <p:notesMasterId r:id="rId25"/>
+    <p:notesMasterId r:id="rId26"/>
   </p:notesMasterIdLst>
   <p:handoutMasterIdLst>
-    <p:handoutMasterId r:id="rId26"/>
+    <p:handoutMasterId r:id="rId27"/>
   </p:handoutMasterIdLst>
   <p:sldIdLst>
     <p:sldId id="447" r:id="rId2"/>
@@ -34,11 +34,12 @@
     <p:sldId id="524" r:id="rId22"/>
     <p:sldId id="525" r:id="rId23"/>
     <p:sldId id="526" r:id="rId24"/>
+    <p:sldId id="527" r:id="rId25"/>
   </p:sldIdLst>
   <p:sldSz cx="12192000" cy="6858000"/>
   <p:notesSz cx="7315200" cy="9601200"/>
   <p:custDataLst>
-    <p:tags r:id="rId27"/>
+    <p:tags r:id="rId28"/>
   </p:custDataLst>
   <p:defaultTextStyle>
     <a:defPPr>
@@ -1126,7 +1127,7 @@
             <a:fld id="{E4886CB5-510A-4EF6-9466-BC7A8F0DDE87}" type="datetime1">
               <a:rPr lang="en-US" smtClean="0"/>
               <a:pPr/>
-              <a:t>10/28/22</a:t>
+              <a:t>10/31/22</a:t>
             </a:fld>
             <a:endParaRPr lang="en-US"/>
           </a:p>
@@ -1463,7 +1464,7 @@
             <a:fld id="{9B297853-24B4-4D05-83E4-0AD2E86C55E5}" type="datetime1">
               <a:rPr lang="en-US" smtClean="0"/>
               <a:pPr/>
-              <a:t>10/28/22</a:t>
+              <a:t>10/31/22</a:t>
             </a:fld>
             <a:endParaRPr lang="en-US"/>
           </a:p>
@@ -1768,7 +1769,7 @@
             <a:fld id="{01FCDD9E-5768-4705-9537-0C020B1BB310}" type="datetime1">
               <a:rPr lang="en-US" smtClean="0"/>
               <a:pPr/>
-              <a:t>10/28/22</a:t>
+              <a:t>10/31/22</a:t>
             </a:fld>
             <a:endParaRPr lang="en-US"/>
           </a:p>
@@ -2018,7 +2019,7 @@
             <a:fld id="{4257C27E-59C2-41CA-9776-94955CBEE440}" type="datetime1">
               <a:rPr lang="en-US" smtClean="0"/>
               <a:pPr/>
-              <a:t>10/28/22</a:t>
+              <a:t>10/31/22</a:t>
             </a:fld>
             <a:endParaRPr lang="en-US"/>
           </a:p>
@@ -2428,7 +2429,7 @@
             <a:fld id="{03180747-A137-49C6-9C74-AB7EE86F4904}" type="datetime1">
               <a:rPr lang="en-US" smtClean="0"/>
               <a:pPr/>
-              <a:t>10/28/22</a:t>
+              <a:t>10/31/22</a:t>
             </a:fld>
             <a:endParaRPr lang="en-US"/>
           </a:p>
@@ -2745,7 +2746,7 @@
             <a:fld id="{EBBA31D9-ADC1-480D-86A8-1EAFB6A86A35}" type="datetime1">
               <a:rPr lang="en-US" smtClean="0"/>
               <a:pPr/>
-              <a:t>10/28/22</a:t>
+              <a:t>10/31/22</a:t>
             </a:fld>
             <a:endParaRPr lang="en-US"/>
           </a:p>
@@ -3292,7 +3293,7 @@
             <a:fld id="{80AAE9AE-3B2F-4DEA-8C41-BDDF4CDF6F40}" type="datetime1">
               <a:rPr lang="en-US" smtClean="0"/>
               <a:pPr/>
-              <a:t>10/28/22</a:t>
+              <a:t>10/31/22</a:t>
             </a:fld>
             <a:endParaRPr lang="en-US"/>
           </a:p>
@@ -3490,7 +3491,7 @@
             <a:fld id="{48252F7F-E8FE-413B-8521-D4ED924C6DE5}" type="datetime1">
               <a:rPr lang="en-US" smtClean="0"/>
               <a:pPr/>
-              <a:t>10/28/22</a:t>
+              <a:t>10/31/22</a:t>
             </a:fld>
             <a:endParaRPr lang="en-US"/>
           </a:p>
@@ -3706,7 +3707,7 @@
             <a:fld id="{2FF1B124-70E3-4E4A-90E2-6B55DB7659B3}" type="datetime1">
               <a:rPr lang="en-US" smtClean="0"/>
               <a:pPr/>
-              <a:t>10/28/22</a:t>
+              <a:t>10/31/22</a:t>
             </a:fld>
             <a:endParaRPr lang="en-US"/>
           </a:p>
@@ -4078,7 +4079,7 @@
             <a:fld id="{4EBF4C98-3CD6-4C87-BD40-5718C2628835}" type="datetime1">
               <a:rPr lang="en-US" smtClean="0"/>
               <a:pPr/>
-              <a:t>10/28/22</a:t>
+              <a:t>10/31/22</a:t>
             </a:fld>
             <a:endParaRPr lang="en-US"/>
           </a:p>
@@ -4484,7 +4485,7 @@
             <a:fld id="{6D6408A8-6B1B-4CDA-875E-7BEECDBA31DF}" type="datetime1">
               <a:rPr lang="en-US" smtClean="0"/>
               <a:pPr/>
-              <a:t>10/28/22</a:t>
+              <a:t>10/31/22</a:t>
             </a:fld>
             <a:endParaRPr lang="en-US"/>
           </a:p>
@@ -4825,7 +4826,7 @@
             <a:fld id="{C55AAF07-D2F5-4B3C-B443-40DE8C337A77}" type="datetime1">
               <a:rPr lang="en-US" smtClean="0"/>
               <a:pPr/>
-              <a:t>10/28/22</a:t>
+              <a:t>10/31/22</a:t>
             </a:fld>
             <a:endParaRPr lang="en-US"/>
           </a:p>
@@ -8281,6 +8282,159 @@
 </p:sld>
 </file>
 
+<file path=ppt/slides/slide24.xml><?xml version="1.0" encoding="utf-8"?>
+<p:sld xmlns:a="http://schemas.openxmlformats.org/drawingml/2006/main" xmlns:r="http://schemas.openxmlformats.org/officeDocument/2006/relationships" xmlns:p="http://schemas.openxmlformats.org/presentationml/2006/main">
+  <p:cSld>
+    <p:spTree>
+      <p:nvGrpSpPr>
+        <p:cNvPr id="1" name=""/>
+        <p:cNvGrpSpPr/>
+        <p:nvPr/>
+      </p:nvGrpSpPr>
+      <p:grpSpPr>
+        <a:xfrm>
+          <a:off x="0" y="0"/>
+          <a:ext cx="0" cy="0"/>
+          <a:chOff x="0" y="0"/>
+          <a:chExt cx="0" cy="0"/>
+        </a:xfrm>
+      </p:grpSpPr>
+      <p:sp>
+        <p:nvSpPr>
+          <p:cNvPr id="6146" name="Rectangle 2"/>
+          <p:cNvSpPr>
+            <a:spLocks noGrp="1" noChangeArrowheads="1"/>
+          </p:cNvSpPr>
+          <p:nvPr>
+            <p:ph type="title"/>
+            <p:custDataLst>
+              <p:tags r:id="rId1"/>
+            </p:custDataLst>
+          </p:nvPr>
+        </p:nvSpPr>
+        <p:spPr>
+          <a:xfrm>
+            <a:off x="2611808" y="533401"/>
+            <a:ext cx="7958331" cy="762000"/>
+          </a:xfrm>
+        </p:spPr>
+        <p:txBody>
+          <a:bodyPr/>
+          <a:lstStyle/>
+          <a:p>
+            <a:r>
+              <a:rPr lang="en-US" dirty="0"/>
+              <a:t>Monday, Oct. 31</a:t>
+            </a:r>
+          </a:p>
+        </p:txBody>
+      </p:sp>
+      <p:sp>
+        <p:nvSpPr>
+          <p:cNvPr id="6147" name="Rectangle 3"/>
+          <p:cNvSpPr>
+            <a:spLocks noGrp="1" noChangeArrowheads="1"/>
+          </p:cNvSpPr>
+          <p:nvPr>
+            <p:ph idx="1"/>
+            <p:custDataLst>
+              <p:tags r:id="rId2"/>
+            </p:custDataLst>
+          </p:nvPr>
+        </p:nvSpPr>
+        <p:spPr>
+          <a:xfrm>
+            <a:off x="1143000" y="990600"/>
+            <a:ext cx="10134600" cy="5715000"/>
+          </a:xfrm>
+        </p:spPr>
+        <p:txBody>
+          <a:bodyPr>
+            <a:normAutofit/>
+          </a:bodyPr>
+          <a:lstStyle/>
+          <a:p>
+            <a:r>
+              <a:rPr lang="en-US" dirty="0"/>
+              <a:t>Happy Halloween!</a:t>
+            </a:r>
+          </a:p>
+          <a:p>
+            <a:r>
+              <a:rPr lang="en-US" dirty="0"/>
+              <a:t>I’ve decided to reopen Module 1-2 programming assignments for those who didn’t finish them.</a:t>
+            </a:r>
+          </a:p>
+          <a:p>
+            <a:r>
+              <a:rPr lang="en-US" dirty="0"/>
+              <a:t>You should be working on your second module 5 homework by now.</a:t>
+            </a:r>
+          </a:p>
+          <a:p>
+            <a:r>
+              <a:rPr lang="en-US" dirty="0"/>
+              <a:t>We are working on grading your quizzes this week. </a:t>
+            </a:r>
+          </a:p>
+          <a:p>
+            <a:r>
+              <a:rPr lang="en-US" dirty="0"/>
+              <a:t>Schedule has been updated with the new “split” quiz days. Take a look and let me know if you see any issues.</a:t>
+            </a:r>
+          </a:p>
+          <a:p>
+            <a:r>
+              <a:rPr lang="en-US" dirty="0"/>
+              <a:t>Today we continue module 6 (Network Flow)</a:t>
+            </a:r>
+          </a:p>
+          <a:p>
+            <a:pPr lvl="1"/>
+            <a:r>
+              <a:rPr lang="en-US" dirty="0"/>
+              <a:t>Really fun module!!</a:t>
+            </a:r>
+          </a:p>
+        </p:txBody>
+      </p:sp>
+      <p:sp>
+        <p:nvSpPr>
+          <p:cNvPr id="4" name="Slide Number Placeholder 3"/>
+          <p:cNvSpPr>
+            <a:spLocks noGrp="1"/>
+          </p:cNvSpPr>
+          <p:nvPr>
+            <p:ph type="sldNum" sz="quarter" idx="12"/>
+          </p:nvPr>
+        </p:nvSpPr>
+        <p:spPr/>
+        <p:txBody>
+          <a:bodyPr/>
+          <a:lstStyle/>
+          <a:p>
+            <a:fld id="{F26D9103-0C5C-48AC-B68E-3ED2C1647047}" type="slidenum">
+              <a:rPr lang="en-US" smtClean="0"/>
+              <a:pPr/>
+              <a:t>24</a:t>
+            </a:fld>
+            <a:endParaRPr lang="en-US" dirty="0"/>
+          </a:p>
+        </p:txBody>
+      </p:sp>
+    </p:spTree>
+    <p:extLst>
+      <p:ext uri="{BB962C8B-B14F-4D97-AF65-F5344CB8AC3E}">
+        <p14:creationId xmlns:p14="http://schemas.microsoft.com/office/powerpoint/2010/main" val="339392929"/>
+      </p:ext>
+    </p:extLst>
+  </p:cSld>
+  <p:clrMapOvr>
+    <a:masterClrMapping/>
+  </p:clrMapOvr>
+</p:sld>
+</file>
+
 <file path=ppt/slides/slide3.xml><?xml version="1.0" encoding="utf-8"?>
 <p:sld xmlns:a="http://schemas.openxmlformats.org/drawingml/2006/main" xmlns:r="http://schemas.openxmlformats.org/officeDocument/2006/relationships" xmlns:p="http://schemas.openxmlformats.org/presentationml/2006/main">
   <p:cSld>
@@ -9764,6 +9918,18 @@
 </file>
 
 <file path=ppt/tags/tag45.xml><?xml version="1.0" encoding="utf-8"?>
+<p:tagLst xmlns:a="http://schemas.openxmlformats.org/drawingml/2006/main" xmlns:r="http://schemas.openxmlformats.org/officeDocument/2006/relationships" xmlns:p="http://schemas.openxmlformats.org/presentationml/2006/main">
+  <p:tag name="_INSTRUCTOR VIEW19C14C36-AC8E-43BC-9DB6-C2AAF774C7DC|PANE__TAG" val="_"/>
+</p:tagLst>
+</file>
+
+<file path=ppt/tags/tag46.xml><?xml version="1.0" encoding="utf-8"?>
+<p:tagLst xmlns:a="http://schemas.openxmlformats.org/drawingml/2006/main" xmlns:r="http://schemas.openxmlformats.org/officeDocument/2006/relationships" xmlns:p="http://schemas.openxmlformats.org/presentationml/2006/main">
+  <p:tag name="_INSTRUCTOR VIEW19C14C36-AC8E-43BC-9DB6-C2AAF774C7DC|PANE__TAG" val="_"/>
+</p:tagLst>
+</file>
+
+<file path=ppt/tags/tag47.xml><?xml version="1.0" encoding="utf-8"?>
 <p:tagLst xmlns:a="http://schemas.openxmlformats.org/drawingml/2006/main" xmlns:r="http://schemas.openxmlformats.org/officeDocument/2006/relationships" xmlns:p="http://schemas.openxmlformats.org/presentationml/2006/main">
   <p:tag name="_INSTRUCTOR VIEW19C14C36-AC8E-43BC-9DB6-C2AAF774C7DC|PANE__TAG" val="_"/>
 </p:tagLst>

--- a/slides/dailyannouncements.pptx
+++ b/slides/dailyannouncements.pptx
@@ -5,10 +5,10 @@
     <p:sldMasterId id="2147483752" r:id="rId1"/>
   </p:sldMasterIdLst>
   <p:notesMasterIdLst>
-    <p:notesMasterId r:id="rId26"/>
+    <p:notesMasterId r:id="rId27"/>
   </p:notesMasterIdLst>
   <p:handoutMasterIdLst>
-    <p:handoutMasterId r:id="rId27"/>
+    <p:handoutMasterId r:id="rId28"/>
   </p:handoutMasterIdLst>
   <p:sldIdLst>
     <p:sldId id="447" r:id="rId2"/>
@@ -35,11 +35,12 @@
     <p:sldId id="525" r:id="rId23"/>
     <p:sldId id="526" r:id="rId24"/>
     <p:sldId id="527" r:id="rId25"/>
+    <p:sldId id="528" r:id="rId26"/>
   </p:sldIdLst>
   <p:sldSz cx="12192000" cy="6858000"/>
   <p:notesSz cx="7315200" cy="9601200"/>
   <p:custDataLst>
-    <p:tags r:id="rId28"/>
+    <p:tags r:id="rId29"/>
   </p:custDataLst>
   <p:defaultTextStyle>
     <a:defPPr>
@@ -1127,7 +1128,7 @@
             <a:fld id="{E4886CB5-510A-4EF6-9466-BC7A8F0DDE87}" type="datetime1">
               <a:rPr lang="en-US" smtClean="0"/>
               <a:pPr/>
-              <a:t>10/31/22</a:t>
+              <a:t>11/2/22</a:t>
             </a:fld>
             <a:endParaRPr lang="en-US"/>
           </a:p>
@@ -1464,7 +1465,7 @@
             <a:fld id="{9B297853-24B4-4D05-83E4-0AD2E86C55E5}" type="datetime1">
               <a:rPr lang="en-US" smtClean="0"/>
               <a:pPr/>
-              <a:t>10/31/22</a:t>
+              <a:t>11/2/22</a:t>
             </a:fld>
             <a:endParaRPr lang="en-US"/>
           </a:p>
@@ -1769,7 +1770,7 @@
             <a:fld id="{01FCDD9E-5768-4705-9537-0C020B1BB310}" type="datetime1">
               <a:rPr lang="en-US" smtClean="0"/>
               <a:pPr/>
-              <a:t>10/31/22</a:t>
+              <a:t>11/2/22</a:t>
             </a:fld>
             <a:endParaRPr lang="en-US"/>
           </a:p>
@@ -2019,7 +2020,7 @@
             <a:fld id="{4257C27E-59C2-41CA-9776-94955CBEE440}" type="datetime1">
               <a:rPr lang="en-US" smtClean="0"/>
               <a:pPr/>
-              <a:t>10/31/22</a:t>
+              <a:t>11/2/22</a:t>
             </a:fld>
             <a:endParaRPr lang="en-US"/>
           </a:p>
@@ -2429,7 +2430,7 @@
             <a:fld id="{03180747-A137-49C6-9C74-AB7EE86F4904}" type="datetime1">
               <a:rPr lang="en-US" smtClean="0"/>
               <a:pPr/>
-              <a:t>10/31/22</a:t>
+              <a:t>11/2/22</a:t>
             </a:fld>
             <a:endParaRPr lang="en-US"/>
           </a:p>
@@ -2746,7 +2747,7 @@
             <a:fld id="{EBBA31D9-ADC1-480D-86A8-1EAFB6A86A35}" type="datetime1">
               <a:rPr lang="en-US" smtClean="0"/>
               <a:pPr/>
-              <a:t>10/31/22</a:t>
+              <a:t>11/2/22</a:t>
             </a:fld>
             <a:endParaRPr lang="en-US"/>
           </a:p>
@@ -3293,7 +3294,7 @@
             <a:fld id="{80AAE9AE-3B2F-4DEA-8C41-BDDF4CDF6F40}" type="datetime1">
               <a:rPr lang="en-US" smtClean="0"/>
               <a:pPr/>
-              <a:t>10/31/22</a:t>
+              <a:t>11/2/22</a:t>
             </a:fld>
             <a:endParaRPr lang="en-US"/>
           </a:p>
@@ -3491,7 +3492,7 @@
             <a:fld id="{48252F7F-E8FE-413B-8521-D4ED924C6DE5}" type="datetime1">
               <a:rPr lang="en-US" smtClean="0"/>
               <a:pPr/>
-              <a:t>10/31/22</a:t>
+              <a:t>11/2/22</a:t>
             </a:fld>
             <a:endParaRPr lang="en-US"/>
           </a:p>
@@ -3707,7 +3708,7 @@
             <a:fld id="{2FF1B124-70E3-4E4A-90E2-6B55DB7659B3}" type="datetime1">
               <a:rPr lang="en-US" smtClean="0"/>
               <a:pPr/>
-              <a:t>10/31/22</a:t>
+              <a:t>11/2/22</a:t>
             </a:fld>
             <a:endParaRPr lang="en-US"/>
           </a:p>
@@ -4079,7 +4080,7 @@
             <a:fld id="{4EBF4C98-3CD6-4C87-BD40-5718C2628835}" type="datetime1">
               <a:rPr lang="en-US" smtClean="0"/>
               <a:pPr/>
-              <a:t>10/31/22</a:t>
+              <a:t>11/2/22</a:t>
             </a:fld>
             <a:endParaRPr lang="en-US"/>
           </a:p>
@@ -4485,7 +4486,7 @@
             <a:fld id="{6D6408A8-6B1B-4CDA-875E-7BEECDBA31DF}" type="datetime1">
               <a:rPr lang="en-US" smtClean="0"/>
               <a:pPr/>
-              <a:t>10/31/22</a:t>
+              <a:t>11/2/22</a:t>
             </a:fld>
             <a:endParaRPr lang="en-US"/>
           </a:p>
@@ -4826,7 +4827,7 @@
             <a:fld id="{C55AAF07-D2F5-4B3C-B443-40DE8C337A77}" type="datetime1">
               <a:rPr lang="en-US" smtClean="0"/>
               <a:pPr/>
-              <a:t>10/31/22</a:t>
+              <a:t>11/2/22</a:t>
             </a:fld>
             <a:endParaRPr lang="en-US"/>
           </a:p>
@@ -8435,6 +8436,153 @@
 </p:sld>
 </file>
 
+<file path=ppt/slides/slide25.xml><?xml version="1.0" encoding="utf-8"?>
+<p:sld xmlns:a="http://schemas.openxmlformats.org/drawingml/2006/main" xmlns:r="http://schemas.openxmlformats.org/officeDocument/2006/relationships" xmlns:p="http://schemas.openxmlformats.org/presentationml/2006/main">
+  <p:cSld>
+    <p:spTree>
+      <p:nvGrpSpPr>
+        <p:cNvPr id="1" name=""/>
+        <p:cNvGrpSpPr/>
+        <p:nvPr/>
+      </p:nvGrpSpPr>
+      <p:grpSpPr>
+        <a:xfrm>
+          <a:off x="0" y="0"/>
+          <a:ext cx="0" cy="0"/>
+          <a:chOff x="0" y="0"/>
+          <a:chExt cx="0" cy="0"/>
+        </a:xfrm>
+      </p:grpSpPr>
+      <p:sp>
+        <p:nvSpPr>
+          <p:cNvPr id="6146" name="Rectangle 2"/>
+          <p:cNvSpPr>
+            <a:spLocks noGrp="1" noChangeArrowheads="1"/>
+          </p:cNvSpPr>
+          <p:nvPr>
+            <p:ph type="title"/>
+            <p:custDataLst>
+              <p:tags r:id="rId1"/>
+            </p:custDataLst>
+          </p:nvPr>
+        </p:nvSpPr>
+        <p:spPr>
+          <a:xfrm>
+            <a:off x="2611808" y="533401"/>
+            <a:ext cx="7958331" cy="762000"/>
+          </a:xfrm>
+        </p:spPr>
+        <p:txBody>
+          <a:bodyPr/>
+          <a:lstStyle/>
+          <a:p>
+            <a:r>
+              <a:rPr lang="en-US" dirty="0"/>
+              <a:t>Wednesday, Nov. 2</a:t>
+            </a:r>
+          </a:p>
+        </p:txBody>
+      </p:sp>
+      <p:sp>
+        <p:nvSpPr>
+          <p:cNvPr id="6147" name="Rectangle 3"/>
+          <p:cNvSpPr>
+            <a:spLocks noGrp="1" noChangeArrowheads="1"/>
+          </p:cNvSpPr>
+          <p:nvPr>
+            <p:ph idx="1"/>
+            <p:custDataLst>
+              <p:tags r:id="rId2"/>
+            </p:custDataLst>
+          </p:nvPr>
+        </p:nvSpPr>
+        <p:spPr>
+          <a:xfrm>
+            <a:off x="1143000" y="990600"/>
+            <a:ext cx="10134600" cy="5715000"/>
+          </a:xfrm>
+        </p:spPr>
+        <p:txBody>
+          <a:bodyPr>
+            <a:normAutofit/>
+          </a:bodyPr>
+          <a:lstStyle/>
+          <a:p>
+            <a:r>
+              <a:rPr lang="en-US" dirty="0"/>
+              <a:t>Welcome to November!</a:t>
+            </a:r>
+          </a:p>
+          <a:p>
+            <a:r>
+              <a:rPr lang="en-US" dirty="0"/>
+              <a:t>You should be working on your second module 5 homework by now.</a:t>
+            </a:r>
+          </a:p>
+          <a:p>
+            <a:r>
+              <a:rPr lang="en-US" dirty="0"/>
+              <a:t>We are working on grading your quizzes this week. </a:t>
+            </a:r>
+          </a:p>
+          <a:p>
+            <a:r>
+              <a:rPr lang="en-US" dirty="0"/>
+              <a:t>Schedule has been updated with the new “split” quiz days. Take a look and let me know if you see any issues.</a:t>
+            </a:r>
+          </a:p>
+          <a:p>
+            <a:r>
+              <a:rPr lang="en-US" dirty="0"/>
+              <a:t>Today we continue module 6 (Network Flow)</a:t>
+            </a:r>
+          </a:p>
+          <a:p>
+            <a:pPr lvl="1"/>
+            <a:r>
+              <a:rPr lang="en-US" dirty="0"/>
+              <a:t>Really fun module!!</a:t>
+            </a:r>
+          </a:p>
+        </p:txBody>
+      </p:sp>
+      <p:sp>
+        <p:nvSpPr>
+          <p:cNvPr id="4" name="Slide Number Placeholder 3"/>
+          <p:cNvSpPr>
+            <a:spLocks noGrp="1"/>
+          </p:cNvSpPr>
+          <p:nvPr>
+            <p:ph type="sldNum" sz="quarter" idx="12"/>
+          </p:nvPr>
+        </p:nvSpPr>
+        <p:spPr/>
+        <p:txBody>
+          <a:bodyPr/>
+          <a:lstStyle/>
+          <a:p>
+            <a:fld id="{F26D9103-0C5C-48AC-B68E-3ED2C1647047}" type="slidenum">
+              <a:rPr lang="en-US" smtClean="0"/>
+              <a:pPr/>
+              <a:t>25</a:t>
+            </a:fld>
+            <a:endParaRPr lang="en-US" dirty="0"/>
+          </a:p>
+        </p:txBody>
+      </p:sp>
+    </p:spTree>
+    <p:extLst>
+      <p:ext uri="{BB962C8B-B14F-4D97-AF65-F5344CB8AC3E}">
+        <p14:creationId xmlns:p14="http://schemas.microsoft.com/office/powerpoint/2010/main" val="2686408167"/>
+      </p:ext>
+    </p:extLst>
+  </p:cSld>
+  <p:clrMapOvr>
+    <a:masterClrMapping/>
+  </p:clrMapOvr>
+</p:sld>
+</file>
+
 <file path=ppt/slides/slide3.xml><?xml version="1.0" encoding="utf-8"?>
 <p:sld xmlns:a="http://schemas.openxmlformats.org/drawingml/2006/main" xmlns:r="http://schemas.openxmlformats.org/officeDocument/2006/relationships" xmlns:p="http://schemas.openxmlformats.org/presentationml/2006/main">
   <p:cSld>
@@ -9930,6 +10078,18 @@
 </file>
 
 <file path=ppt/tags/tag47.xml><?xml version="1.0" encoding="utf-8"?>
+<p:tagLst xmlns:a="http://schemas.openxmlformats.org/drawingml/2006/main" xmlns:r="http://schemas.openxmlformats.org/officeDocument/2006/relationships" xmlns:p="http://schemas.openxmlformats.org/presentationml/2006/main">
+  <p:tag name="_INSTRUCTOR VIEW19C14C36-AC8E-43BC-9DB6-C2AAF774C7DC|PANE__TAG" val="_"/>
+</p:tagLst>
+</file>
+
+<file path=ppt/tags/tag48.xml><?xml version="1.0" encoding="utf-8"?>
+<p:tagLst xmlns:a="http://schemas.openxmlformats.org/drawingml/2006/main" xmlns:r="http://schemas.openxmlformats.org/officeDocument/2006/relationships" xmlns:p="http://schemas.openxmlformats.org/presentationml/2006/main">
+  <p:tag name="_INSTRUCTOR VIEW19C14C36-AC8E-43BC-9DB6-C2AAF774C7DC|PANE__TAG" val="_"/>
+</p:tagLst>
+</file>
+
+<file path=ppt/tags/tag49.xml><?xml version="1.0" encoding="utf-8"?>
 <p:tagLst xmlns:a="http://schemas.openxmlformats.org/drawingml/2006/main" xmlns:r="http://schemas.openxmlformats.org/officeDocument/2006/relationships" xmlns:p="http://schemas.openxmlformats.org/presentationml/2006/main">
   <p:tag name="_INSTRUCTOR VIEW19C14C36-AC8E-43BC-9DB6-C2AAF774C7DC|PANE__TAG" val="_"/>
 </p:tagLst>

--- a/slides/dailyannouncements.pptx
+++ b/slides/dailyannouncements.pptx
@@ -5,10 +5,10 @@
     <p:sldMasterId id="2147483752" r:id="rId1"/>
   </p:sldMasterIdLst>
   <p:notesMasterIdLst>
-    <p:notesMasterId r:id="rId27"/>
+    <p:notesMasterId r:id="rId28"/>
   </p:notesMasterIdLst>
   <p:handoutMasterIdLst>
-    <p:handoutMasterId r:id="rId28"/>
+    <p:handoutMasterId r:id="rId29"/>
   </p:handoutMasterIdLst>
   <p:sldIdLst>
     <p:sldId id="447" r:id="rId2"/>
@@ -36,11 +36,12 @@
     <p:sldId id="526" r:id="rId24"/>
     <p:sldId id="527" r:id="rId25"/>
     <p:sldId id="528" r:id="rId26"/>
+    <p:sldId id="529" r:id="rId27"/>
   </p:sldIdLst>
   <p:sldSz cx="12192000" cy="6858000"/>
   <p:notesSz cx="7315200" cy="9601200"/>
   <p:custDataLst>
-    <p:tags r:id="rId29"/>
+    <p:tags r:id="rId30"/>
   </p:custDataLst>
   <p:defaultTextStyle>
     <a:defPPr>
@@ -1128,7 +1129,7 @@
             <a:fld id="{E4886CB5-510A-4EF6-9466-BC7A8F0DDE87}" type="datetime1">
               <a:rPr lang="en-US" smtClean="0"/>
               <a:pPr/>
-              <a:t>11/2/22</a:t>
+              <a:t>11/4/22</a:t>
             </a:fld>
             <a:endParaRPr lang="en-US"/>
           </a:p>
@@ -1465,7 +1466,7 @@
             <a:fld id="{9B297853-24B4-4D05-83E4-0AD2E86C55E5}" type="datetime1">
               <a:rPr lang="en-US" smtClean="0"/>
               <a:pPr/>
-              <a:t>11/2/22</a:t>
+              <a:t>11/4/22</a:t>
             </a:fld>
             <a:endParaRPr lang="en-US"/>
           </a:p>
@@ -1770,7 +1771,7 @@
             <a:fld id="{01FCDD9E-5768-4705-9537-0C020B1BB310}" type="datetime1">
               <a:rPr lang="en-US" smtClean="0"/>
               <a:pPr/>
-              <a:t>11/2/22</a:t>
+              <a:t>11/4/22</a:t>
             </a:fld>
             <a:endParaRPr lang="en-US"/>
           </a:p>
@@ -2020,7 +2021,7 @@
             <a:fld id="{4257C27E-59C2-41CA-9776-94955CBEE440}" type="datetime1">
               <a:rPr lang="en-US" smtClean="0"/>
               <a:pPr/>
-              <a:t>11/2/22</a:t>
+              <a:t>11/4/22</a:t>
             </a:fld>
             <a:endParaRPr lang="en-US"/>
           </a:p>
@@ -2430,7 +2431,7 @@
             <a:fld id="{03180747-A137-49C6-9C74-AB7EE86F4904}" type="datetime1">
               <a:rPr lang="en-US" smtClean="0"/>
               <a:pPr/>
-              <a:t>11/2/22</a:t>
+              <a:t>11/4/22</a:t>
             </a:fld>
             <a:endParaRPr lang="en-US"/>
           </a:p>
@@ -2747,7 +2748,7 @@
             <a:fld id="{EBBA31D9-ADC1-480D-86A8-1EAFB6A86A35}" type="datetime1">
               <a:rPr lang="en-US" smtClean="0"/>
               <a:pPr/>
-              <a:t>11/2/22</a:t>
+              <a:t>11/4/22</a:t>
             </a:fld>
             <a:endParaRPr lang="en-US"/>
           </a:p>
@@ -3294,7 +3295,7 @@
             <a:fld id="{80AAE9AE-3B2F-4DEA-8C41-BDDF4CDF6F40}" type="datetime1">
               <a:rPr lang="en-US" smtClean="0"/>
               <a:pPr/>
-              <a:t>11/2/22</a:t>
+              <a:t>11/4/22</a:t>
             </a:fld>
             <a:endParaRPr lang="en-US"/>
           </a:p>
@@ -3492,7 +3493,7 @@
             <a:fld id="{48252F7F-E8FE-413B-8521-D4ED924C6DE5}" type="datetime1">
               <a:rPr lang="en-US" smtClean="0"/>
               <a:pPr/>
-              <a:t>11/2/22</a:t>
+              <a:t>11/4/22</a:t>
             </a:fld>
             <a:endParaRPr lang="en-US"/>
           </a:p>
@@ -3708,7 +3709,7 @@
             <a:fld id="{2FF1B124-70E3-4E4A-90E2-6B55DB7659B3}" type="datetime1">
               <a:rPr lang="en-US" smtClean="0"/>
               <a:pPr/>
-              <a:t>11/2/22</a:t>
+              <a:t>11/4/22</a:t>
             </a:fld>
             <a:endParaRPr lang="en-US"/>
           </a:p>
@@ -4080,7 +4081,7 @@
             <a:fld id="{4EBF4C98-3CD6-4C87-BD40-5718C2628835}" type="datetime1">
               <a:rPr lang="en-US" smtClean="0"/>
               <a:pPr/>
-              <a:t>11/2/22</a:t>
+              <a:t>11/4/22</a:t>
             </a:fld>
             <a:endParaRPr lang="en-US"/>
           </a:p>
@@ -4486,7 +4487,7 @@
             <a:fld id="{6D6408A8-6B1B-4CDA-875E-7BEECDBA31DF}" type="datetime1">
               <a:rPr lang="en-US" smtClean="0"/>
               <a:pPr/>
-              <a:t>11/2/22</a:t>
+              <a:t>11/4/22</a:t>
             </a:fld>
             <a:endParaRPr lang="en-US"/>
           </a:p>
@@ -4827,7 +4828,7 @@
             <a:fld id="{C55AAF07-D2F5-4B3C-B443-40DE8C337A77}" type="datetime1">
               <a:rPr lang="en-US" smtClean="0"/>
               <a:pPr/>
-              <a:t>11/2/22</a:t>
+              <a:t>11/4/22</a:t>
             </a:fld>
             <a:endParaRPr lang="en-US"/>
           </a:p>
@@ -8583,6 +8584,167 @@
 </p:sld>
 </file>
 
+<file path=ppt/slides/slide26.xml><?xml version="1.0" encoding="utf-8"?>
+<p:sld xmlns:a="http://schemas.openxmlformats.org/drawingml/2006/main" xmlns:r="http://schemas.openxmlformats.org/officeDocument/2006/relationships" xmlns:p="http://schemas.openxmlformats.org/presentationml/2006/main">
+  <p:cSld>
+    <p:spTree>
+      <p:nvGrpSpPr>
+        <p:cNvPr id="1" name=""/>
+        <p:cNvGrpSpPr/>
+        <p:nvPr/>
+      </p:nvGrpSpPr>
+      <p:grpSpPr>
+        <a:xfrm>
+          <a:off x="0" y="0"/>
+          <a:ext cx="0" cy="0"/>
+          <a:chOff x="0" y="0"/>
+          <a:chExt cx="0" cy="0"/>
+        </a:xfrm>
+      </p:grpSpPr>
+      <p:sp>
+        <p:nvSpPr>
+          <p:cNvPr id="6146" name="Rectangle 2"/>
+          <p:cNvSpPr>
+            <a:spLocks noGrp="1" noChangeArrowheads="1"/>
+          </p:cNvSpPr>
+          <p:nvPr>
+            <p:ph type="title"/>
+            <p:custDataLst>
+              <p:tags r:id="rId1"/>
+            </p:custDataLst>
+          </p:nvPr>
+        </p:nvSpPr>
+        <p:spPr>
+          <a:xfrm>
+            <a:off x="2611808" y="533401"/>
+            <a:ext cx="7958331" cy="762000"/>
+          </a:xfrm>
+        </p:spPr>
+        <p:txBody>
+          <a:bodyPr/>
+          <a:lstStyle/>
+          <a:p>
+            <a:r>
+              <a:rPr lang="en-US" dirty="0"/>
+              <a:t>Friday, Nov. 4</a:t>
+            </a:r>
+          </a:p>
+        </p:txBody>
+      </p:sp>
+      <p:sp>
+        <p:nvSpPr>
+          <p:cNvPr id="6147" name="Rectangle 3"/>
+          <p:cNvSpPr>
+            <a:spLocks noGrp="1" noChangeArrowheads="1"/>
+          </p:cNvSpPr>
+          <p:nvPr>
+            <p:ph idx="1"/>
+            <p:custDataLst>
+              <p:tags r:id="rId2"/>
+            </p:custDataLst>
+          </p:nvPr>
+        </p:nvSpPr>
+        <p:spPr>
+          <a:xfrm>
+            <a:off x="1143000" y="990600"/>
+            <a:ext cx="10134600" cy="5715000"/>
+          </a:xfrm>
+        </p:spPr>
+        <p:txBody>
+          <a:bodyPr>
+            <a:normAutofit/>
+          </a:bodyPr>
+          <a:lstStyle/>
+          <a:p>
+            <a:r>
+              <a:rPr lang="en-US" dirty="0"/>
+              <a:t>Welcome to November!</a:t>
+            </a:r>
+          </a:p>
+          <a:p>
+            <a:r>
+              <a:rPr lang="en-US" dirty="0"/>
+              <a:t>You should be finishing up module 5 homework now.</a:t>
+            </a:r>
+          </a:p>
+          <a:p>
+            <a:pPr lvl="1"/>
+            <a:r>
+              <a:rPr lang="en-US" dirty="0"/>
+              <a:t>You should start scheduling (module 6) next week.</a:t>
+            </a:r>
+          </a:p>
+          <a:p>
+            <a:pPr lvl="1"/>
+            <a:r>
+              <a:rPr lang="en-US" dirty="0"/>
+              <a:t>Notice that each module 6-8 only has one homework each (Yay!)</a:t>
+            </a:r>
+          </a:p>
+          <a:p>
+            <a:r>
+              <a:rPr lang="en-US" dirty="0"/>
+              <a:t>We are working on grading your quizzes this week. We’ve made good progress. Hoping to be done by end of weekend (sorry!)</a:t>
+            </a:r>
+          </a:p>
+          <a:p>
+            <a:r>
+              <a:rPr lang="en-US" dirty="0"/>
+              <a:t>Schedule has been updated with the new “split” quiz days. Take a look and let me know if you see any issues.</a:t>
+            </a:r>
+          </a:p>
+          <a:p>
+            <a:r>
+              <a:rPr lang="en-US" dirty="0"/>
+              <a:t>Today we continue module 6 (Network Flow)</a:t>
+            </a:r>
+          </a:p>
+          <a:p>
+            <a:pPr lvl="1"/>
+            <a:r>
+              <a:rPr lang="en-US" dirty="0"/>
+              <a:t>Really fun module!!</a:t>
+            </a:r>
+          </a:p>
+        </p:txBody>
+      </p:sp>
+      <p:sp>
+        <p:nvSpPr>
+          <p:cNvPr id="4" name="Slide Number Placeholder 3"/>
+          <p:cNvSpPr>
+            <a:spLocks noGrp="1"/>
+          </p:cNvSpPr>
+          <p:nvPr>
+            <p:ph type="sldNum" sz="quarter" idx="12"/>
+          </p:nvPr>
+        </p:nvSpPr>
+        <p:spPr/>
+        <p:txBody>
+          <a:bodyPr/>
+          <a:lstStyle/>
+          <a:p>
+            <a:fld id="{F26D9103-0C5C-48AC-B68E-3ED2C1647047}" type="slidenum">
+              <a:rPr lang="en-US" smtClean="0"/>
+              <a:pPr/>
+              <a:t>26</a:t>
+            </a:fld>
+            <a:endParaRPr lang="en-US" dirty="0"/>
+          </a:p>
+        </p:txBody>
+      </p:sp>
+    </p:spTree>
+    <p:extLst>
+      <p:ext uri="{BB962C8B-B14F-4D97-AF65-F5344CB8AC3E}">
+        <p14:creationId xmlns:p14="http://schemas.microsoft.com/office/powerpoint/2010/main" val="863184230"/>
+      </p:ext>
+    </p:extLst>
+  </p:cSld>
+  <p:clrMapOvr>
+    <a:masterClrMapping/>
+  </p:clrMapOvr>
+</p:sld>
+</file>
+
 <file path=ppt/slides/slide3.xml><?xml version="1.0" encoding="utf-8"?>
 <p:sld xmlns:a="http://schemas.openxmlformats.org/drawingml/2006/main" xmlns:r="http://schemas.openxmlformats.org/officeDocument/2006/relationships" xmlns:p="http://schemas.openxmlformats.org/presentationml/2006/main">
   <p:cSld>
@@ -10096,6 +10258,18 @@
 </file>
 
 <file path=ppt/tags/tag5.xml><?xml version="1.0" encoding="utf-8"?>
+<p:tagLst xmlns:a="http://schemas.openxmlformats.org/drawingml/2006/main" xmlns:r="http://schemas.openxmlformats.org/officeDocument/2006/relationships" xmlns:p="http://schemas.openxmlformats.org/presentationml/2006/main">
+  <p:tag name="_INSTRUCTOR VIEW19C14C36-AC8E-43BC-9DB6-C2AAF774C7DC|PANE__TAG" val="_"/>
+</p:tagLst>
+</file>
+
+<file path=ppt/tags/tag50.xml><?xml version="1.0" encoding="utf-8"?>
+<p:tagLst xmlns:a="http://schemas.openxmlformats.org/drawingml/2006/main" xmlns:r="http://schemas.openxmlformats.org/officeDocument/2006/relationships" xmlns:p="http://schemas.openxmlformats.org/presentationml/2006/main">
+  <p:tag name="_INSTRUCTOR VIEW19C14C36-AC8E-43BC-9DB6-C2AAF774C7DC|PANE__TAG" val="_"/>
+</p:tagLst>
+</file>
+
+<file path=ppt/tags/tag51.xml><?xml version="1.0" encoding="utf-8"?>
 <p:tagLst xmlns:a="http://schemas.openxmlformats.org/drawingml/2006/main" xmlns:r="http://schemas.openxmlformats.org/officeDocument/2006/relationships" xmlns:p="http://schemas.openxmlformats.org/presentationml/2006/main">
   <p:tag name="_INSTRUCTOR VIEW19C14C36-AC8E-43BC-9DB6-C2AAF774C7DC|PANE__TAG" val="_"/>
 </p:tagLst>

--- a/slides/dailyannouncements.pptx
+++ b/slides/dailyannouncements.pptx
@@ -5,10 +5,10 @@
     <p:sldMasterId id="2147483752" r:id="rId1"/>
   </p:sldMasterIdLst>
   <p:notesMasterIdLst>
-    <p:notesMasterId r:id="rId28"/>
+    <p:notesMasterId r:id="rId29"/>
   </p:notesMasterIdLst>
   <p:handoutMasterIdLst>
-    <p:handoutMasterId r:id="rId29"/>
+    <p:handoutMasterId r:id="rId30"/>
   </p:handoutMasterIdLst>
   <p:sldIdLst>
     <p:sldId id="447" r:id="rId2"/>
@@ -37,11 +37,12 @@
     <p:sldId id="527" r:id="rId25"/>
     <p:sldId id="528" r:id="rId26"/>
     <p:sldId id="529" r:id="rId27"/>
+    <p:sldId id="530" r:id="rId28"/>
   </p:sldIdLst>
   <p:sldSz cx="12192000" cy="6858000"/>
   <p:notesSz cx="7315200" cy="9601200"/>
   <p:custDataLst>
-    <p:tags r:id="rId30"/>
+    <p:tags r:id="rId31"/>
   </p:custDataLst>
   <p:defaultTextStyle>
     <a:defPPr>
@@ -1129,7 +1130,7 @@
             <a:fld id="{E4886CB5-510A-4EF6-9466-BC7A8F0DDE87}" type="datetime1">
               <a:rPr lang="en-US" smtClean="0"/>
               <a:pPr/>
-              <a:t>11/4/22</a:t>
+              <a:t>11/9/22</a:t>
             </a:fld>
             <a:endParaRPr lang="en-US"/>
           </a:p>
@@ -1466,7 +1467,7 @@
             <a:fld id="{9B297853-24B4-4D05-83E4-0AD2E86C55E5}" type="datetime1">
               <a:rPr lang="en-US" smtClean="0"/>
               <a:pPr/>
-              <a:t>11/4/22</a:t>
+              <a:t>11/9/22</a:t>
             </a:fld>
             <a:endParaRPr lang="en-US"/>
           </a:p>
@@ -1771,7 +1772,7 @@
             <a:fld id="{01FCDD9E-5768-4705-9537-0C020B1BB310}" type="datetime1">
               <a:rPr lang="en-US" smtClean="0"/>
               <a:pPr/>
-              <a:t>11/4/22</a:t>
+              <a:t>11/9/22</a:t>
             </a:fld>
             <a:endParaRPr lang="en-US"/>
           </a:p>
@@ -2021,7 +2022,7 @@
             <a:fld id="{4257C27E-59C2-41CA-9776-94955CBEE440}" type="datetime1">
               <a:rPr lang="en-US" smtClean="0"/>
               <a:pPr/>
-              <a:t>11/4/22</a:t>
+              <a:t>11/9/22</a:t>
             </a:fld>
             <a:endParaRPr lang="en-US"/>
           </a:p>
@@ -2431,7 +2432,7 @@
             <a:fld id="{03180747-A137-49C6-9C74-AB7EE86F4904}" type="datetime1">
               <a:rPr lang="en-US" smtClean="0"/>
               <a:pPr/>
-              <a:t>11/4/22</a:t>
+              <a:t>11/9/22</a:t>
             </a:fld>
             <a:endParaRPr lang="en-US"/>
           </a:p>
@@ -2748,7 +2749,7 @@
             <a:fld id="{EBBA31D9-ADC1-480D-86A8-1EAFB6A86A35}" type="datetime1">
               <a:rPr lang="en-US" smtClean="0"/>
               <a:pPr/>
-              <a:t>11/4/22</a:t>
+              <a:t>11/9/22</a:t>
             </a:fld>
             <a:endParaRPr lang="en-US"/>
           </a:p>
@@ -3295,7 +3296,7 @@
             <a:fld id="{80AAE9AE-3B2F-4DEA-8C41-BDDF4CDF6F40}" type="datetime1">
               <a:rPr lang="en-US" smtClean="0"/>
               <a:pPr/>
-              <a:t>11/4/22</a:t>
+              <a:t>11/9/22</a:t>
             </a:fld>
             <a:endParaRPr lang="en-US"/>
           </a:p>
@@ -3493,7 +3494,7 @@
             <a:fld id="{48252F7F-E8FE-413B-8521-D4ED924C6DE5}" type="datetime1">
               <a:rPr lang="en-US" smtClean="0"/>
               <a:pPr/>
-              <a:t>11/4/22</a:t>
+              <a:t>11/9/22</a:t>
             </a:fld>
             <a:endParaRPr lang="en-US"/>
           </a:p>
@@ -3709,7 +3710,7 @@
             <a:fld id="{2FF1B124-70E3-4E4A-90E2-6B55DB7659B3}" type="datetime1">
               <a:rPr lang="en-US" smtClean="0"/>
               <a:pPr/>
-              <a:t>11/4/22</a:t>
+              <a:t>11/9/22</a:t>
             </a:fld>
             <a:endParaRPr lang="en-US"/>
           </a:p>
@@ -4081,7 +4082,7 @@
             <a:fld id="{4EBF4C98-3CD6-4C87-BD40-5718C2628835}" type="datetime1">
               <a:rPr lang="en-US" smtClean="0"/>
               <a:pPr/>
-              <a:t>11/4/22</a:t>
+              <a:t>11/9/22</a:t>
             </a:fld>
             <a:endParaRPr lang="en-US"/>
           </a:p>
@@ -4487,7 +4488,7 @@
             <a:fld id="{6D6408A8-6B1B-4CDA-875E-7BEECDBA31DF}" type="datetime1">
               <a:rPr lang="en-US" smtClean="0"/>
               <a:pPr/>
-              <a:t>11/4/22</a:t>
+              <a:t>11/9/22</a:t>
             </a:fld>
             <a:endParaRPr lang="en-US"/>
           </a:p>
@@ -4828,7 +4829,7 @@
             <a:fld id="{C55AAF07-D2F5-4B3C-B443-40DE8C337A77}" type="datetime1">
               <a:rPr lang="en-US" smtClean="0"/>
               <a:pPr/>
-              <a:t>11/4/22</a:t>
+              <a:t>11/9/22</a:t>
             </a:fld>
             <a:endParaRPr lang="en-US"/>
           </a:p>
@@ -8745,6 +8746,188 @@
 </p:sld>
 </file>
 
+<file path=ppt/slides/slide27.xml><?xml version="1.0" encoding="utf-8"?>
+<p:sld xmlns:a="http://schemas.openxmlformats.org/drawingml/2006/main" xmlns:r="http://schemas.openxmlformats.org/officeDocument/2006/relationships" xmlns:p="http://schemas.openxmlformats.org/presentationml/2006/main">
+  <p:cSld>
+    <p:spTree>
+      <p:nvGrpSpPr>
+        <p:cNvPr id="1" name=""/>
+        <p:cNvGrpSpPr/>
+        <p:nvPr/>
+      </p:nvGrpSpPr>
+      <p:grpSpPr>
+        <a:xfrm>
+          <a:off x="0" y="0"/>
+          <a:ext cx="0" cy="0"/>
+          <a:chOff x="0" y="0"/>
+          <a:chExt cx="0" cy="0"/>
+        </a:xfrm>
+      </p:grpSpPr>
+      <p:sp>
+        <p:nvSpPr>
+          <p:cNvPr id="6146" name="Rectangle 2"/>
+          <p:cNvSpPr>
+            <a:spLocks noGrp="1" noChangeArrowheads="1"/>
+          </p:cNvSpPr>
+          <p:nvPr>
+            <p:ph type="title"/>
+            <p:custDataLst>
+              <p:tags r:id="rId1"/>
+            </p:custDataLst>
+          </p:nvPr>
+        </p:nvSpPr>
+        <p:spPr>
+          <a:xfrm>
+            <a:off x="2611808" y="533401"/>
+            <a:ext cx="7958331" cy="762000"/>
+          </a:xfrm>
+        </p:spPr>
+        <p:txBody>
+          <a:bodyPr/>
+          <a:lstStyle/>
+          <a:p>
+            <a:r>
+              <a:rPr lang="en-US" dirty="0"/>
+              <a:t>Wednesday, Nov. 9</a:t>
+            </a:r>
+          </a:p>
+        </p:txBody>
+      </p:sp>
+      <p:sp>
+        <p:nvSpPr>
+          <p:cNvPr id="6147" name="Rectangle 3"/>
+          <p:cNvSpPr>
+            <a:spLocks noGrp="1" noChangeArrowheads="1"/>
+          </p:cNvSpPr>
+          <p:nvPr>
+            <p:ph idx="1"/>
+            <p:custDataLst>
+              <p:tags r:id="rId2"/>
+            </p:custDataLst>
+          </p:nvPr>
+        </p:nvSpPr>
+        <p:spPr>
+          <a:xfrm>
+            <a:off x="1143000" y="990600"/>
+            <a:ext cx="10134600" cy="5715000"/>
+          </a:xfrm>
+        </p:spPr>
+        <p:txBody>
+          <a:bodyPr>
+            <a:normAutofit/>
+          </a:bodyPr>
+          <a:lstStyle/>
+          <a:p>
+            <a:r>
+              <a:rPr lang="en-US" dirty="0"/>
+              <a:t>Welcome to November!</a:t>
+            </a:r>
+          </a:p>
+          <a:p>
+            <a:r>
+              <a:rPr lang="en-US" dirty="0"/>
+              <a:t>You should be done (or almost done) with module 5 homework by now.</a:t>
+            </a:r>
+          </a:p>
+          <a:p>
+            <a:r>
+              <a:rPr lang="en-US" dirty="0"/>
+              <a:t>You should be working on module 6 </a:t>
+            </a:r>
+            <a:r>
+              <a:rPr lang="en-US" dirty="0" err="1"/>
+              <a:t>hw</a:t>
+            </a:r>
+            <a:r>
+              <a:rPr lang="en-US" dirty="0"/>
+              <a:t> this week (scheduling)</a:t>
+            </a:r>
+          </a:p>
+          <a:p>
+            <a:r>
+              <a:rPr lang="en-US" dirty="0"/>
+              <a:t>Quiz grades were released. You all did quite well on them!</a:t>
+            </a:r>
+          </a:p>
+          <a:p>
+            <a:pPr lvl="1"/>
+            <a:r>
+              <a:rPr lang="en-US" dirty="0"/>
+              <a:t>Regrades open until next Monday at 11pm.</a:t>
+            </a:r>
+          </a:p>
+          <a:p>
+            <a:r>
+              <a:rPr lang="en-US" dirty="0"/>
+              <a:t>Next quiz days are NEXT week! </a:t>
+            </a:r>
+          </a:p>
+          <a:p>
+            <a:pPr lvl="1"/>
+            <a:r>
+              <a:rPr lang="en-US" dirty="0"/>
+              <a:t>Wed. is modules 3-4 retakes</a:t>
+            </a:r>
+          </a:p>
+          <a:p>
+            <a:pPr lvl="1"/>
+            <a:r>
+              <a:rPr lang="en-US" dirty="0"/>
+              <a:t>Fri. is modules 5-6 first attempt (and recorded lecture)</a:t>
+            </a:r>
+          </a:p>
+          <a:p>
+            <a:r>
+              <a:rPr lang="en-US" dirty="0"/>
+              <a:t>Today we start module 7 (NP-Completeness)</a:t>
+            </a:r>
+          </a:p>
+          <a:p>
+            <a:pPr lvl="1"/>
+            <a:r>
+              <a:rPr lang="en-US" dirty="0"/>
+              <a:t>Any questions about the recorded lecture?</a:t>
+            </a:r>
+          </a:p>
+        </p:txBody>
+      </p:sp>
+      <p:sp>
+        <p:nvSpPr>
+          <p:cNvPr id="4" name="Slide Number Placeholder 3"/>
+          <p:cNvSpPr>
+            <a:spLocks noGrp="1"/>
+          </p:cNvSpPr>
+          <p:nvPr>
+            <p:ph type="sldNum" sz="quarter" idx="12"/>
+          </p:nvPr>
+        </p:nvSpPr>
+        <p:spPr/>
+        <p:txBody>
+          <a:bodyPr/>
+          <a:lstStyle/>
+          <a:p>
+            <a:fld id="{F26D9103-0C5C-48AC-B68E-3ED2C1647047}" type="slidenum">
+              <a:rPr lang="en-US" smtClean="0"/>
+              <a:pPr/>
+              <a:t>27</a:t>
+            </a:fld>
+            <a:endParaRPr lang="en-US" dirty="0"/>
+          </a:p>
+        </p:txBody>
+      </p:sp>
+    </p:spTree>
+    <p:extLst>
+      <p:ext uri="{BB962C8B-B14F-4D97-AF65-F5344CB8AC3E}">
+        <p14:creationId xmlns:p14="http://schemas.microsoft.com/office/powerpoint/2010/main" val="3229706321"/>
+      </p:ext>
+    </p:extLst>
+  </p:cSld>
+  <p:clrMapOvr>
+    <a:masterClrMapping/>
+  </p:clrMapOvr>
+</p:sld>
+</file>
+
 <file path=ppt/slides/slide3.xml><?xml version="1.0" encoding="utf-8"?>
 <p:sld xmlns:a="http://schemas.openxmlformats.org/drawingml/2006/main" xmlns:r="http://schemas.openxmlformats.org/officeDocument/2006/relationships" xmlns:p="http://schemas.openxmlformats.org/presentationml/2006/main">
   <p:cSld>
@@ -10270,6 +10453,18 @@
 </file>
 
 <file path=ppt/tags/tag51.xml><?xml version="1.0" encoding="utf-8"?>
+<p:tagLst xmlns:a="http://schemas.openxmlformats.org/drawingml/2006/main" xmlns:r="http://schemas.openxmlformats.org/officeDocument/2006/relationships" xmlns:p="http://schemas.openxmlformats.org/presentationml/2006/main">
+  <p:tag name="_INSTRUCTOR VIEW19C14C36-AC8E-43BC-9DB6-C2AAF774C7DC|PANE__TAG" val="_"/>
+</p:tagLst>
+</file>
+
+<file path=ppt/tags/tag52.xml><?xml version="1.0" encoding="utf-8"?>
+<p:tagLst xmlns:a="http://schemas.openxmlformats.org/drawingml/2006/main" xmlns:r="http://schemas.openxmlformats.org/officeDocument/2006/relationships" xmlns:p="http://schemas.openxmlformats.org/presentationml/2006/main">
+  <p:tag name="_INSTRUCTOR VIEW19C14C36-AC8E-43BC-9DB6-C2AAF774C7DC|PANE__TAG" val="_"/>
+</p:tagLst>
+</file>
+
+<file path=ppt/tags/tag53.xml><?xml version="1.0" encoding="utf-8"?>
 <p:tagLst xmlns:a="http://schemas.openxmlformats.org/drawingml/2006/main" xmlns:r="http://schemas.openxmlformats.org/officeDocument/2006/relationships" xmlns:p="http://schemas.openxmlformats.org/presentationml/2006/main">
   <p:tag name="_INSTRUCTOR VIEW19C14C36-AC8E-43BC-9DB6-C2AAF774C7DC|PANE__TAG" val="_"/>
 </p:tagLst>

--- a/slides/dailyannouncements.pptx
+++ b/slides/dailyannouncements.pptx
@@ -5,10 +5,10 @@
     <p:sldMasterId id="2147483752" r:id="rId1"/>
   </p:sldMasterIdLst>
   <p:notesMasterIdLst>
-    <p:notesMasterId r:id="rId29"/>
+    <p:notesMasterId r:id="rId30"/>
   </p:notesMasterIdLst>
   <p:handoutMasterIdLst>
-    <p:handoutMasterId r:id="rId30"/>
+    <p:handoutMasterId r:id="rId31"/>
   </p:handoutMasterIdLst>
   <p:sldIdLst>
     <p:sldId id="447" r:id="rId2"/>
@@ -38,11 +38,12 @@
     <p:sldId id="528" r:id="rId26"/>
     <p:sldId id="529" r:id="rId27"/>
     <p:sldId id="530" r:id="rId28"/>
+    <p:sldId id="531" r:id="rId29"/>
   </p:sldIdLst>
   <p:sldSz cx="12192000" cy="6858000"/>
   <p:notesSz cx="7315200" cy="9601200"/>
   <p:custDataLst>
-    <p:tags r:id="rId31"/>
+    <p:tags r:id="rId32"/>
   </p:custDataLst>
   <p:defaultTextStyle>
     <a:defPPr>
@@ -1130,7 +1131,7 @@
             <a:fld id="{E4886CB5-510A-4EF6-9466-BC7A8F0DDE87}" type="datetime1">
               <a:rPr lang="en-US" smtClean="0"/>
               <a:pPr/>
-              <a:t>11/9/22</a:t>
+              <a:t>11/11/22</a:t>
             </a:fld>
             <a:endParaRPr lang="en-US"/>
           </a:p>
@@ -1467,7 +1468,7 @@
             <a:fld id="{9B297853-24B4-4D05-83E4-0AD2E86C55E5}" type="datetime1">
               <a:rPr lang="en-US" smtClean="0"/>
               <a:pPr/>
-              <a:t>11/9/22</a:t>
+              <a:t>11/11/22</a:t>
             </a:fld>
             <a:endParaRPr lang="en-US"/>
           </a:p>
@@ -1772,7 +1773,7 @@
             <a:fld id="{01FCDD9E-5768-4705-9537-0C020B1BB310}" type="datetime1">
               <a:rPr lang="en-US" smtClean="0"/>
               <a:pPr/>
-              <a:t>11/9/22</a:t>
+              <a:t>11/11/22</a:t>
             </a:fld>
             <a:endParaRPr lang="en-US"/>
           </a:p>
@@ -2022,7 +2023,7 @@
             <a:fld id="{4257C27E-59C2-41CA-9776-94955CBEE440}" type="datetime1">
               <a:rPr lang="en-US" smtClean="0"/>
               <a:pPr/>
-              <a:t>11/9/22</a:t>
+              <a:t>11/11/22</a:t>
             </a:fld>
             <a:endParaRPr lang="en-US"/>
           </a:p>
@@ -2432,7 +2433,7 @@
             <a:fld id="{03180747-A137-49C6-9C74-AB7EE86F4904}" type="datetime1">
               <a:rPr lang="en-US" smtClean="0"/>
               <a:pPr/>
-              <a:t>11/9/22</a:t>
+              <a:t>11/11/22</a:t>
             </a:fld>
             <a:endParaRPr lang="en-US"/>
           </a:p>
@@ -2749,7 +2750,7 @@
             <a:fld id="{EBBA31D9-ADC1-480D-86A8-1EAFB6A86A35}" type="datetime1">
               <a:rPr lang="en-US" smtClean="0"/>
               <a:pPr/>
-              <a:t>11/9/22</a:t>
+              <a:t>11/11/22</a:t>
             </a:fld>
             <a:endParaRPr lang="en-US"/>
           </a:p>
@@ -3296,7 +3297,7 @@
             <a:fld id="{80AAE9AE-3B2F-4DEA-8C41-BDDF4CDF6F40}" type="datetime1">
               <a:rPr lang="en-US" smtClean="0"/>
               <a:pPr/>
-              <a:t>11/9/22</a:t>
+              <a:t>11/11/22</a:t>
             </a:fld>
             <a:endParaRPr lang="en-US"/>
           </a:p>
@@ -3494,7 +3495,7 @@
             <a:fld id="{48252F7F-E8FE-413B-8521-D4ED924C6DE5}" type="datetime1">
               <a:rPr lang="en-US" smtClean="0"/>
               <a:pPr/>
-              <a:t>11/9/22</a:t>
+              <a:t>11/11/22</a:t>
             </a:fld>
             <a:endParaRPr lang="en-US"/>
           </a:p>
@@ -3710,7 +3711,7 @@
             <a:fld id="{2FF1B124-70E3-4E4A-90E2-6B55DB7659B3}" type="datetime1">
               <a:rPr lang="en-US" smtClean="0"/>
               <a:pPr/>
-              <a:t>11/9/22</a:t>
+              <a:t>11/11/22</a:t>
             </a:fld>
             <a:endParaRPr lang="en-US"/>
           </a:p>
@@ -4082,7 +4083,7 @@
             <a:fld id="{4EBF4C98-3CD6-4C87-BD40-5718C2628835}" type="datetime1">
               <a:rPr lang="en-US" smtClean="0"/>
               <a:pPr/>
-              <a:t>11/9/22</a:t>
+              <a:t>11/11/22</a:t>
             </a:fld>
             <a:endParaRPr lang="en-US"/>
           </a:p>
@@ -4488,7 +4489,7 @@
             <a:fld id="{6D6408A8-6B1B-4CDA-875E-7BEECDBA31DF}" type="datetime1">
               <a:rPr lang="en-US" smtClean="0"/>
               <a:pPr/>
-              <a:t>11/9/22</a:t>
+              <a:t>11/11/22</a:t>
             </a:fld>
             <a:endParaRPr lang="en-US"/>
           </a:p>
@@ -4829,7 +4830,7 @@
             <a:fld id="{C55AAF07-D2F5-4B3C-B443-40DE8C337A77}" type="datetime1">
               <a:rPr lang="en-US" smtClean="0"/>
               <a:pPr/>
-              <a:t>11/9/22</a:t>
+              <a:t>11/11/22</a:t>
             </a:fld>
             <a:endParaRPr lang="en-US"/>
           </a:p>
@@ -8928,6 +8929,182 @@
 </p:sld>
 </file>
 
+<file path=ppt/slides/slide28.xml><?xml version="1.0" encoding="utf-8"?>
+<p:sld xmlns:a="http://schemas.openxmlformats.org/drawingml/2006/main" xmlns:r="http://schemas.openxmlformats.org/officeDocument/2006/relationships" xmlns:p="http://schemas.openxmlformats.org/presentationml/2006/main">
+  <p:cSld>
+    <p:spTree>
+      <p:nvGrpSpPr>
+        <p:cNvPr id="1" name=""/>
+        <p:cNvGrpSpPr/>
+        <p:nvPr/>
+      </p:nvGrpSpPr>
+      <p:grpSpPr>
+        <a:xfrm>
+          <a:off x="0" y="0"/>
+          <a:ext cx="0" cy="0"/>
+          <a:chOff x="0" y="0"/>
+          <a:chExt cx="0" cy="0"/>
+        </a:xfrm>
+      </p:grpSpPr>
+      <p:sp>
+        <p:nvSpPr>
+          <p:cNvPr id="6146" name="Rectangle 2"/>
+          <p:cNvSpPr>
+            <a:spLocks noGrp="1" noChangeArrowheads="1"/>
+          </p:cNvSpPr>
+          <p:nvPr>
+            <p:ph type="title"/>
+            <p:custDataLst>
+              <p:tags r:id="rId1"/>
+            </p:custDataLst>
+          </p:nvPr>
+        </p:nvSpPr>
+        <p:spPr>
+          <a:xfrm>
+            <a:off x="2611808" y="533401"/>
+            <a:ext cx="7958331" cy="762000"/>
+          </a:xfrm>
+        </p:spPr>
+        <p:txBody>
+          <a:bodyPr/>
+          <a:lstStyle/>
+          <a:p>
+            <a:r>
+              <a:rPr lang="en-US" dirty="0"/>
+              <a:t>Friday, Nov. 11</a:t>
+            </a:r>
+          </a:p>
+        </p:txBody>
+      </p:sp>
+      <p:sp>
+        <p:nvSpPr>
+          <p:cNvPr id="6147" name="Rectangle 3"/>
+          <p:cNvSpPr>
+            <a:spLocks noGrp="1" noChangeArrowheads="1"/>
+          </p:cNvSpPr>
+          <p:nvPr>
+            <p:ph idx="1"/>
+            <p:custDataLst>
+              <p:tags r:id="rId2"/>
+            </p:custDataLst>
+          </p:nvPr>
+        </p:nvSpPr>
+        <p:spPr>
+          <a:xfrm>
+            <a:off x="1143000" y="990600"/>
+            <a:ext cx="10134600" cy="5715000"/>
+          </a:xfrm>
+        </p:spPr>
+        <p:txBody>
+          <a:bodyPr>
+            <a:normAutofit/>
+          </a:bodyPr>
+          <a:lstStyle/>
+          <a:p>
+            <a:r>
+              <a:rPr lang="en-US" dirty="0"/>
+              <a:t>You should be done (or almost done) with module 5 homework by now.</a:t>
+            </a:r>
+          </a:p>
+          <a:p>
+            <a:r>
+              <a:rPr lang="en-US" dirty="0"/>
+              <a:t>You should be working on module 6 </a:t>
+            </a:r>
+            <a:r>
+              <a:rPr lang="en-US" dirty="0" err="1"/>
+              <a:t>hw</a:t>
+            </a:r>
+            <a:r>
+              <a:rPr lang="en-US" dirty="0"/>
+              <a:t> this week (scheduling)</a:t>
+            </a:r>
+          </a:p>
+          <a:p>
+            <a:r>
+              <a:rPr lang="en-US" dirty="0"/>
+              <a:t>Quiz grades were released. You all did quite well on them!</a:t>
+            </a:r>
+          </a:p>
+          <a:p>
+            <a:pPr lvl="1"/>
+            <a:r>
+              <a:rPr lang="en-US" dirty="0"/>
+              <a:t>Regrades open until next Monday at 11pm.</a:t>
+            </a:r>
+          </a:p>
+          <a:p>
+            <a:r>
+              <a:rPr lang="en-US" dirty="0"/>
+              <a:t>Next quiz days are NEXT week! </a:t>
+            </a:r>
+          </a:p>
+          <a:p>
+            <a:pPr lvl="1"/>
+            <a:r>
+              <a:rPr lang="en-US" dirty="0"/>
+              <a:t>Wed. is modules 3-4 retakes</a:t>
+            </a:r>
+          </a:p>
+          <a:p>
+            <a:pPr lvl="1"/>
+            <a:r>
+              <a:rPr lang="en-US" dirty="0"/>
+              <a:t>Fri. is modules 5-6 first attempt (and recorded lecture)</a:t>
+            </a:r>
+          </a:p>
+          <a:p>
+            <a:r>
+              <a:rPr lang="en-US" dirty="0"/>
+              <a:t>Today we continue module 7 (NP-Completeness)</a:t>
+            </a:r>
+          </a:p>
+          <a:p>
+            <a:pPr lvl="1"/>
+            <a:r>
+              <a:rPr lang="en-US" dirty="0"/>
+              <a:t>Any questions about the recorded lecture?</a:t>
+            </a:r>
+          </a:p>
+        </p:txBody>
+      </p:sp>
+      <p:sp>
+        <p:nvSpPr>
+          <p:cNvPr id="4" name="Slide Number Placeholder 3"/>
+          <p:cNvSpPr>
+            <a:spLocks noGrp="1"/>
+          </p:cNvSpPr>
+          <p:nvPr>
+            <p:ph type="sldNum" sz="quarter" idx="12"/>
+          </p:nvPr>
+        </p:nvSpPr>
+        <p:spPr/>
+        <p:txBody>
+          <a:bodyPr/>
+          <a:lstStyle/>
+          <a:p>
+            <a:fld id="{F26D9103-0C5C-48AC-B68E-3ED2C1647047}" type="slidenum">
+              <a:rPr lang="en-US" smtClean="0"/>
+              <a:pPr/>
+              <a:t>28</a:t>
+            </a:fld>
+            <a:endParaRPr lang="en-US" dirty="0"/>
+          </a:p>
+        </p:txBody>
+      </p:sp>
+    </p:spTree>
+    <p:extLst>
+      <p:ext uri="{BB962C8B-B14F-4D97-AF65-F5344CB8AC3E}">
+        <p14:creationId xmlns:p14="http://schemas.microsoft.com/office/powerpoint/2010/main" val="243515547"/>
+      </p:ext>
+    </p:extLst>
+  </p:cSld>
+  <p:clrMapOvr>
+    <a:masterClrMapping/>
+  </p:clrMapOvr>
+</p:sld>
+</file>
+
 <file path=ppt/slides/slide3.xml><?xml version="1.0" encoding="utf-8"?>
 <p:sld xmlns:a="http://schemas.openxmlformats.org/drawingml/2006/main" xmlns:r="http://schemas.openxmlformats.org/officeDocument/2006/relationships" xmlns:p="http://schemas.openxmlformats.org/presentationml/2006/main">
   <p:cSld>
@@ -10465,6 +10642,18 @@
 </file>
 
 <file path=ppt/tags/tag53.xml><?xml version="1.0" encoding="utf-8"?>
+<p:tagLst xmlns:a="http://schemas.openxmlformats.org/drawingml/2006/main" xmlns:r="http://schemas.openxmlformats.org/officeDocument/2006/relationships" xmlns:p="http://schemas.openxmlformats.org/presentationml/2006/main">
+  <p:tag name="_INSTRUCTOR VIEW19C14C36-AC8E-43BC-9DB6-C2AAF774C7DC|PANE__TAG" val="_"/>
+</p:tagLst>
+</file>
+
+<file path=ppt/tags/tag54.xml><?xml version="1.0" encoding="utf-8"?>
+<p:tagLst xmlns:a="http://schemas.openxmlformats.org/drawingml/2006/main" xmlns:r="http://schemas.openxmlformats.org/officeDocument/2006/relationships" xmlns:p="http://schemas.openxmlformats.org/presentationml/2006/main">
+  <p:tag name="_INSTRUCTOR VIEW19C14C36-AC8E-43BC-9DB6-C2AAF774C7DC|PANE__TAG" val="_"/>
+</p:tagLst>
+</file>
+
+<file path=ppt/tags/tag55.xml><?xml version="1.0" encoding="utf-8"?>
 <p:tagLst xmlns:a="http://schemas.openxmlformats.org/drawingml/2006/main" xmlns:r="http://schemas.openxmlformats.org/officeDocument/2006/relationships" xmlns:p="http://schemas.openxmlformats.org/presentationml/2006/main">
   <p:tag name="_INSTRUCTOR VIEW19C14C36-AC8E-43BC-9DB6-C2AAF774C7DC|PANE__TAG" val="_"/>
 </p:tagLst>

--- a/slides/dailyannouncements.pptx
+++ b/slides/dailyannouncements.pptx
@@ -5,10 +5,10 @@
     <p:sldMasterId id="2147483752" r:id="rId1"/>
   </p:sldMasterIdLst>
   <p:notesMasterIdLst>
-    <p:notesMasterId r:id="rId30"/>
+    <p:notesMasterId r:id="rId31"/>
   </p:notesMasterIdLst>
   <p:handoutMasterIdLst>
-    <p:handoutMasterId r:id="rId31"/>
+    <p:handoutMasterId r:id="rId32"/>
   </p:handoutMasterIdLst>
   <p:sldIdLst>
     <p:sldId id="447" r:id="rId2"/>
@@ -39,11 +39,12 @@
     <p:sldId id="529" r:id="rId27"/>
     <p:sldId id="530" r:id="rId28"/>
     <p:sldId id="531" r:id="rId29"/>
+    <p:sldId id="532" r:id="rId30"/>
   </p:sldIdLst>
   <p:sldSz cx="12192000" cy="6858000"/>
   <p:notesSz cx="7315200" cy="9601200"/>
   <p:custDataLst>
-    <p:tags r:id="rId32"/>
+    <p:tags r:id="rId33"/>
   </p:custDataLst>
   <p:defaultTextStyle>
     <a:defPPr>
@@ -1131,7 +1132,7 @@
             <a:fld id="{E4886CB5-510A-4EF6-9466-BC7A8F0DDE87}" type="datetime1">
               <a:rPr lang="en-US" smtClean="0"/>
               <a:pPr/>
-              <a:t>11/11/22</a:t>
+              <a:t>11/28/22</a:t>
             </a:fld>
             <a:endParaRPr lang="en-US"/>
           </a:p>
@@ -1468,7 +1469,7 @@
             <a:fld id="{9B297853-24B4-4D05-83E4-0AD2E86C55E5}" type="datetime1">
               <a:rPr lang="en-US" smtClean="0"/>
               <a:pPr/>
-              <a:t>11/11/22</a:t>
+              <a:t>11/28/22</a:t>
             </a:fld>
             <a:endParaRPr lang="en-US"/>
           </a:p>
@@ -1773,7 +1774,7 @@
             <a:fld id="{01FCDD9E-5768-4705-9537-0C020B1BB310}" type="datetime1">
               <a:rPr lang="en-US" smtClean="0"/>
               <a:pPr/>
-              <a:t>11/11/22</a:t>
+              <a:t>11/28/22</a:t>
             </a:fld>
             <a:endParaRPr lang="en-US"/>
           </a:p>
@@ -2023,7 +2024,7 @@
             <a:fld id="{4257C27E-59C2-41CA-9776-94955CBEE440}" type="datetime1">
               <a:rPr lang="en-US" smtClean="0"/>
               <a:pPr/>
-              <a:t>11/11/22</a:t>
+              <a:t>11/28/22</a:t>
             </a:fld>
             <a:endParaRPr lang="en-US"/>
           </a:p>
@@ -2433,7 +2434,7 @@
             <a:fld id="{03180747-A137-49C6-9C74-AB7EE86F4904}" type="datetime1">
               <a:rPr lang="en-US" smtClean="0"/>
               <a:pPr/>
-              <a:t>11/11/22</a:t>
+              <a:t>11/28/22</a:t>
             </a:fld>
             <a:endParaRPr lang="en-US"/>
           </a:p>
@@ -2750,7 +2751,7 @@
             <a:fld id="{EBBA31D9-ADC1-480D-86A8-1EAFB6A86A35}" type="datetime1">
               <a:rPr lang="en-US" smtClean="0"/>
               <a:pPr/>
-              <a:t>11/11/22</a:t>
+              <a:t>11/28/22</a:t>
             </a:fld>
             <a:endParaRPr lang="en-US"/>
           </a:p>
@@ -3297,7 +3298,7 @@
             <a:fld id="{80AAE9AE-3B2F-4DEA-8C41-BDDF4CDF6F40}" type="datetime1">
               <a:rPr lang="en-US" smtClean="0"/>
               <a:pPr/>
-              <a:t>11/11/22</a:t>
+              <a:t>11/28/22</a:t>
             </a:fld>
             <a:endParaRPr lang="en-US"/>
           </a:p>
@@ -3495,7 +3496,7 @@
             <a:fld id="{48252F7F-E8FE-413B-8521-D4ED924C6DE5}" type="datetime1">
               <a:rPr lang="en-US" smtClean="0"/>
               <a:pPr/>
-              <a:t>11/11/22</a:t>
+              <a:t>11/28/22</a:t>
             </a:fld>
             <a:endParaRPr lang="en-US"/>
           </a:p>
@@ -3711,7 +3712,7 @@
             <a:fld id="{2FF1B124-70E3-4E4A-90E2-6B55DB7659B3}" type="datetime1">
               <a:rPr lang="en-US" smtClean="0"/>
               <a:pPr/>
-              <a:t>11/11/22</a:t>
+              <a:t>11/28/22</a:t>
             </a:fld>
             <a:endParaRPr lang="en-US"/>
           </a:p>
@@ -4083,7 +4084,7 @@
             <a:fld id="{4EBF4C98-3CD6-4C87-BD40-5718C2628835}" type="datetime1">
               <a:rPr lang="en-US" smtClean="0"/>
               <a:pPr/>
-              <a:t>11/11/22</a:t>
+              <a:t>11/28/22</a:t>
             </a:fld>
             <a:endParaRPr lang="en-US"/>
           </a:p>
@@ -4489,7 +4490,7 @@
             <a:fld id="{6D6408A8-6B1B-4CDA-875E-7BEECDBA31DF}" type="datetime1">
               <a:rPr lang="en-US" smtClean="0"/>
               <a:pPr/>
-              <a:t>11/11/22</a:t>
+              <a:t>11/28/22</a:t>
             </a:fld>
             <a:endParaRPr lang="en-US"/>
           </a:p>
@@ -4830,7 +4831,7 @@
             <a:fld id="{C55AAF07-D2F5-4B3C-B443-40DE8C337A77}" type="datetime1">
               <a:rPr lang="en-US" smtClean="0"/>
               <a:pPr/>
-              <a:t>11/11/22</a:t>
+              <a:t>11/28/22</a:t>
             </a:fld>
             <a:endParaRPr lang="en-US"/>
           </a:p>
@@ -9105,6 +9106,166 @@
 </p:sld>
 </file>
 
+<file path=ppt/slides/slide29.xml><?xml version="1.0" encoding="utf-8"?>
+<p:sld xmlns:a="http://schemas.openxmlformats.org/drawingml/2006/main" xmlns:r="http://schemas.openxmlformats.org/officeDocument/2006/relationships" xmlns:p="http://schemas.openxmlformats.org/presentationml/2006/main">
+  <p:cSld>
+    <p:spTree>
+      <p:nvGrpSpPr>
+        <p:cNvPr id="1" name=""/>
+        <p:cNvGrpSpPr/>
+        <p:nvPr/>
+      </p:nvGrpSpPr>
+      <p:grpSpPr>
+        <a:xfrm>
+          <a:off x="0" y="0"/>
+          <a:ext cx="0" cy="0"/>
+          <a:chOff x="0" y="0"/>
+          <a:chExt cx="0" cy="0"/>
+        </a:xfrm>
+      </p:grpSpPr>
+      <p:sp>
+        <p:nvSpPr>
+          <p:cNvPr id="6146" name="Rectangle 2"/>
+          <p:cNvSpPr>
+            <a:spLocks noGrp="1" noChangeArrowheads="1"/>
+          </p:cNvSpPr>
+          <p:nvPr>
+            <p:ph type="title"/>
+            <p:custDataLst>
+              <p:tags r:id="rId1"/>
+            </p:custDataLst>
+          </p:nvPr>
+        </p:nvSpPr>
+        <p:spPr>
+          <a:xfrm>
+            <a:off x="2611808" y="533401"/>
+            <a:ext cx="7958331" cy="762000"/>
+          </a:xfrm>
+        </p:spPr>
+        <p:txBody>
+          <a:bodyPr/>
+          <a:lstStyle/>
+          <a:p>
+            <a:r>
+              <a:rPr lang="en-US" dirty="0"/>
+              <a:t>Monday, Nov. 28</a:t>
+            </a:r>
+          </a:p>
+        </p:txBody>
+      </p:sp>
+      <p:sp>
+        <p:nvSpPr>
+          <p:cNvPr id="6147" name="Rectangle 3"/>
+          <p:cNvSpPr>
+            <a:spLocks noGrp="1" noChangeArrowheads="1"/>
+          </p:cNvSpPr>
+          <p:nvPr>
+            <p:ph idx="1"/>
+            <p:custDataLst>
+              <p:tags r:id="rId2"/>
+            </p:custDataLst>
+          </p:nvPr>
+        </p:nvSpPr>
+        <p:spPr>
+          <a:xfrm>
+            <a:off x="1143000" y="990600"/>
+            <a:ext cx="10134600" cy="5715000"/>
+          </a:xfrm>
+        </p:spPr>
+        <p:txBody>
+          <a:bodyPr>
+            <a:normAutofit/>
+          </a:bodyPr>
+          <a:lstStyle/>
+          <a:p>
+            <a:r>
+              <a:rPr lang="en-US" dirty="0"/>
+              <a:t>You should be working on scheduling if you haven’t finished it yet.</a:t>
+            </a:r>
+          </a:p>
+          <a:p>
+            <a:r>
+              <a:rPr lang="en-US" dirty="0"/>
+              <a:t>All other </a:t>
+            </a:r>
+            <a:r>
+              <a:rPr lang="en-US" dirty="0" err="1"/>
+              <a:t>homeworks</a:t>
+            </a:r>
+            <a:r>
+              <a:rPr lang="en-US" dirty="0"/>
+              <a:t> are well pass due.</a:t>
+            </a:r>
+          </a:p>
+          <a:p>
+            <a:pPr lvl="1"/>
+            <a:r>
+              <a:rPr lang="en-US" dirty="0"/>
+              <a:t>Remember that a bunch were canceled</a:t>
+            </a:r>
+          </a:p>
+          <a:p>
+            <a:r>
+              <a:rPr lang="en-US" dirty="0"/>
+              <a:t>Quizzes this week: Wed: Quizzes 5-6</a:t>
+            </a:r>
+          </a:p>
+          <a:p>
+            <a:r>
+              <a:rPr lang="en-US" dirty="0"/>
+              <a:t>GC/CR policy? I’ll be in touch soon.</a:t>
+            </a:r>
+          </a:p>
+          <a:p>
+            <a:r>
+              <a:rPr lang="en-US" dirty="0"/>
+              <a:t>Today </a:t>
+            </a:r>
+            <a:r>
+              <a:rPr lang="en-US"/>
+              <a:t>review modules 5 and 6</a:t>
+            </a:r>
+            <a:endParaRPr lang="en-US" dirty="0"/>
+          </a:p>
+        </p:txBody>
+      </p:sp>
+      <p:sp>
+        <p:nvSpPr>
+          <p:cNvPr id="4" name="Slide Number Placeholder 3"/>
+          <p:cNvSpPr>
+            <a:spLocks noGrp="1"/>
+          </p:cNvSpPr>
+          <p:nvPr>
+            <p:ph type="sldNum" sz="quarter" idx="12"/>
+          </p:nvPr>
+        </p:nvSpPr>
+        <p:spPr/>
+        <p:txBody>
+          <a:bodyPr/>
+          <a:lstStyle/>
+          <a:p>
+            <a:fld id="{F26D9103-0C5C-48AC-B68E-3ED2C1647047}" type="slidenum">
+              <a:rPr lang="en-US" smtClean="0"/>
+              <a:pPr/>
+              <a:t>29</a:t>
+            </a:fld>
+            <a:endParaRPr lang="en-US" dirty="0"/>
+          </a:p>
+        </p:txBody>
+      </p:sp>
+    </p:spTree>
+    <p:extLst>
+      <p:ext uri="{BB962C8B-B14F-4D97-AF65-F5344CB8AC3E}">
+        <p14:creationId xmlns:p14="http://schemas.microsoft.com/office/powerpoint/2010/main" val="2253500033"/>
+      </p:ext>
+    </p:extLst>
+  </p:cSld>
+  <p:clrMapOvr>
+    <a:masterClrMapping/>
+  </p:clrMapOvr>
+</p:sld>
+</file>
+
 <file path=ppt/slides/slide3.xml><?xml version="1.0" encoding="utf-8"?>
 <p:sld xmlns:a="http://schemas.openxmlformats.org/drawingml/2006/main" xmlns:r="http://schemas.openxmlformats.org/officeDocument/2006/relationships" xmlns:p="http://schemas.openxmlformats.org/presentationml/2006/main">
   <p:cSld>
@@ -10654,6 +10815,18 @@
 </file>
 
 <file path=ppt/tags/tag55.xml><?xml version="1.0" encoding="utf-8"?>
+<p:tagLst xmlns:a="http://schemas.openxmlformats.org/drawingml/2006/main" xmlns:r="http://schemas.openxmlformats.org/officeDocument/2006/relationships" xmlns:p="http://schemas.openxmlformats.org/presentationml/2006/main">
+  <p:tag name="_INSTRUCTOR VIEW19C14C36-AC8E-43BC-9DB6-C2AAF774C7DC|PANE__TAG" val="_"/>
+</p:tagLst>
+</file>
+
+<file path=ppt/tags/tag56.xml><?xml version="1.0" encoding="utf-8"?>
+<p:tagLst xmlns:a="http://schemas.openxmlformats.org/drawingml/2006/main" xmlns:r="http://schemas.openxmlformats.org/officeDocument/2006/relationships" xmlns:p="http://schemas.openxmlformats.org/presentationml/2006/main">
+  <p:tag name="_INSTRUCTOR VIEW19C14C36-AC8E-43BC-9DB6-C2AAF774C7DC|PANE__TAG" val="_"/>
+</p:tagLst>
+</file>
+
+<file path=ppt/tags/tag57.xml><?xml version="1.0" encoding="utf-8"?>
 <p:tagLst xmlns:a="http://schemas.openxmlformats.org/drawingml/2006/main" xmlns:r="http://schemas.openxmlformats.org/officeDocument/2006/relationships" xmlns:p="http://schemas.openxmlformats.org/presentationml/2006/main">
   <p:tag name="_INSTRUCTOR VIEW19C14C36-AC8E-43BC-9DB6-C2AAF774C7DC|PANE__TAG" val="_"/>
 </p:tagLst>
